--- a/ПроектыТПИ.pptx
+++ b/ПроектыТПИ.pptx
@@ -5,15 +5,17 @@
     <p:sldMasterId id="2147483648" r:id="rId1"/>
   </p:sldMasterIdLst>
   <p:notesMasterIdLst>
-    <p:notesMasterId r:id="rId8"/>
+    <p:notesMasterId r:id="rId10"/>
   </p:notesMasterIdLst>
   <p:sldIdLst>
-    <p:sldId id="256" r:id="rId2"/>
-    <p:sldId id="257" r:id="rId3"/>
-    <p:sldId id="258" r:id="rId4"/>
-    <p:sldId id="259" r:id="rId5"/>
-    <p:sldId id="260" r:id="rId6"/>
-    <p:sldId id="261" r:id="rId7"/>
+    <p:sldId id="263" r:id="rId2"/>
+    <p:sldId id="256" r:id="rId3"/>
+    <p:sldId id="262" r:id="rId4"/>
+    <p:sldId id="257" r:id="rId5"/>
+    <p:sldId id="258" r:id="rId6"/>
+    <p:sldId id="259" r:id="rId7"/>
+    <p:sldId id="260" r:id="rId8"/>
+    <p:sldId id="261" r:id="rId9"/>
   </p:sldIdLst>
   <p:sldSz cx="9144000" cy="6858000" type="screen4x3"/>
   <p:notesSz cx="6858000" cy="9144000"/>
@@ -530,7 +532,91 @@
           <a:p>
             <a:fld id="{9FB181FD-71FE-4E25-8A7A-A117ED646800}" type="slidenum">
               <a:rPr lang="ru-RU" smtClean="0"/>
-              <a:t>1</a:t>
+              <a:t>2</a:t>
+            </a:fld>
+            <a:endParaRPr lang="ru-RU"/>
+          </a:p>
+        </p:txBody>
+      </p:sp>
+    </p:spTree>
+    <p:extLst>
+      <p:ext uri="{BB962C8B-B14F-4D97-AF65-F5344CB8AC3E}">
+        <p14:creationId xmlns:p14="http://schemas.microsoft.com/office/powerpoint/2010/main" val="1770429785"/>
+      </p:ext>
+    </p:extLst>
+  </p:cSld>
+  <p:clrMapOvr>
+    <a:masterClrMapping/>
+  </p:clrMapOvr>
+</p:notes>
+</file>
+
+<file path=ppt/notesSlides/notesSlide2.xml><?xml version="1.0" encoding="utf-8"?>
+<p:notes xmlns:a="http://schemas.openxmlformats.org/drawingml/2006/main" xmlns:r="http://schemas.openxmlformats.org/officeDocument/2006/relationships" xmlns:p="http://schemas.openxmlformats.org/presentationml/2006/main">
+  <p:cSld>
+    <p:spTree>
+      <p:nvGrpSpPr>
+        <p:cNvPr id="1" name=""/>
+        <p:cNvGrpSpPr/>
+        <p:nvPr/>
+      </p:nvGrpSpPr>
+      <p:grpSpPr>
+        <a:xfrm>
+          <a:off x="0" y="0"/>
+          <a:ext cx="0" cy="0"/>
+          <a:chOff x="0" y="0"/>
+          <a:chExt cx="0" cy="0"/>
+        </a:xfrm>
+      </p:grpSpPr>
+      <p:sp>
+        <p:nvSpPr>
+          <p:cNvPr id="2" name="Образ слайда 1"/>
+          <p:cNvSpPr>
+            <a:spLocks noGrp="1" noRot="1" noChangeAspect="1"/>
+          </p:cNvSpPr>
+          <p:nvPr>
+            <p:ph type="sldImg"/>
+          </p:nvPr>
+        </p:nvSpPr>
+        <p:spPr/>
+      </p:sp>
+      <p:sp>
+        <p:nvSpPr>
+          <p:cNvPr id="3" name="Заметки 2"/>
+          <p:cNvSpPr>
+            <a:spLocks noGrp="1"/>
+          </p:cNvSpPr>
+          <p:nvPr>
+            <p:ph type="body" idx="1"/>
+          </p:nvPr>
+        </p:nvSpPr>
+        <p:spPr/>
+        <p:txBody>
+          <a:bodyPr/>
+          <a:lstStyle/>
+          <a:p>
+            <a:endParaRPr lang="ru-RU"/>
+          </a:p>
+        </p:txBody>
+      </p:sp>
+      <p:sp>
+        <p:nvSpPr>
+          <p:cNvPr id="4" name="Номер слайда 3"/>
+          <p:cNvSpPr>
+            <a:spLocks noGrp="1"/>
+          </p:cNvSpPr>
+          <p:nvPr>
+            <p:ph type="sldNum" sz="quarter" idx="10"/>
+          </p:nvPr>
+        </p:nvSpPr>
+        <p:spPr/>
+        <p:txBody>
+          <a:bodyPr/>
+          <a:lstStyle/>
+          <a:p>
+            <a:fld id="{9FB181FD-71FE-4E25-8A7A-A117ED646800}" type="slidenum">
+              <a:rPr lang="ru-RU" smtClean="0"/>
+              <a:t>3</a:t>
             </a:fld>
             <a:endParaRPr lang="ru-RU"/>
           </a:p>
@@ -3537,83 +3623,1854 @@
           <a:chExt cx="0" cy="0"/>
         </a:xfrm>
       </p:grpSpPr>
-      <p:sp>
-        <p:nvSpPr>
-          <p:cNvPr id="4" name="TextBox 3"/>
-          <p:cNvSpPr txBox="1"/>
+      <p:graphicFrame>
+        <p:nvGraphicFramePr>
+          <p:cNvPr id="32" name="Таблица 31"/>
+          <p:cNvGraphicFramePr>
+            <a:graphicFrameLocks noGrp="1"/>
+          </p:cNvGraphicFramePr>
+          <p:nvPr>
+            <p:extLst>
+              <p:ext uri="{D42A27DB-BD31-4B8C-83A1-F6EECF244321}">
+                <p14:modId xmlns:p14="http://schemas.microsoft.com/office/powerpoint/2010/main" val="3269007554"/>
+              </p:ext>
+            </p:extLst>
+          </p:nvPr>
+        </p:nvGraphicFramePr>
+        <p:xfrm>
+          <a:off x="973893" y="3798332"/>
+          <a:ext cx="7200795" cy="1854200"/>
+        </p:xfrm>
+        <a:graphic>
+          <a:graphicData uri="http://schemas.openxmlformats.org/drawingml/2006/table">
+            <a:tbl>
+              <a:tblPr firstRow="1" bandRow="1">
+                <a:tableStyleId>{5C22544A-7EE6-4342-B048-85BDC9FD1C3A}</a:tableStyleId>
+              </a:tblPr>
+              <a:tblGrid>
+                <a:gridCol w="1028685"/>
+                <a:gridCol w="1028685"/>
+                <a:gridCol w="1028685"/>
+                <a:gridCol w="1028685"/>
+                <a:gridCol w="1028685"/>
+                <a:gridCol w="1028685"/>
+                <a:gridCol w="1028685"/>
+              </a:tblGrid>
+              <a:tr h="370840">
+                <a:tc>
+                  <a:txBody>
+                    <a:bodyPr/>
+                    <a:lstStyle/>
+                    <a:p>
+                      <a:endParaRPr lang="ru-RU" dirty="0"/>
+                    </a:p>
+                  </a:txBody>
+                  <a:tcPr>
+                    <a:lnL w="12700" cap="flat" cmpd="sng" algn="ctr">
+                      <a:solidFill>
+                        <a:schemeClr val="tx1"/>
+                      </a:solidFill>
+                      <a:prstDash val="solid"/>
+                      <a:round/>
+                      <a:headEnd type="none" w="med" len="med"/>
+                      <a:tailEnd type="none" w="med" len="med"/>
+                    </a:lnL>
+                    <a:lnR w="12700" cap="flat" cmpd="sng" algn="ctr">
+                      <a:solidFill>
+                        <a:schemeClr val="tx1"/>
+                      </a:solidFill>
+                      <a:prstDash val="solid"/>
+                      <a:round/>
+                      <a:headEnd type="none" w="med" len="med"/>
+                      <a:tailEnd type="none" w="med" len="med"/>
+                    </a:lnR>
+                    <a:lnT w="12700" cap="flat" cmpd="sng" algn="ctr">
+                      <a:solidFill>
+                        <a:schemeClr val="tx1"/>
+                      </a:solidFill>
+                      <a:prstDash val="solid"/>
+                      <a:round/>
+                      <a:headEnd type="none" w="med" len="med"/>
+                      <a:tailEnd type="none" w="med" len="med"/>
+                    </a:lnT>
+                    <a:lnB w="12700" cap="flat" cmpd="sng" algn="ctr">
+                      <a:solidFill>
+                        <a:schemeClr val="tx1"/>
+                      </a:solidFill>
+                      <a:prstDash val="solid"/>
+                      <a:round/>
+                      <a:headEnd type="none" w="med" len="med"/>
+                      <a:tailEnd type="none" w="med" len="med"/>
+                    </a:lnB>
+                    <a:noFill/>
+                  </a:tcPr>
+                </a:tc>
+                <a:tc>
+                  <a:txBody>
+                    <a:bodyPr/>
+                    <a:lstStyle/>
+                    <a:p>
+                      <a:r>
+                        <a:rPr lang="ru-RU" dirty="0" smtClean="0"/>
+                        <a:t>на</a:t>
+                      </a:r>
+                      <a:endParaRPr lang="ru-RU" dirty="0"/>
+                    </a:p>
+                  </a:txBody>
+                  <a:tcPr>
+                    <a:lnL w="12700" cap="flat" cmpd="sng" algn="ctr">
+                      <a:solidFill>
+                        <a:schemeClr val="tx1"/>
+                      </a:solidFill>
+                      <a:prstDash val="solid"/>
+                      <a:round/>
+                      <a:headEnd type="none" w="med" len="med"/>
+                      <a:tailEnd type="none" w="med" len="med"/>
+                    </a:lnL>
+                    <a:lnR w="12700" cap="flat" cmpd="sng" algn="ctr">
+                      <a:solidFill>
+                        <a:schemeClr val="tx1"/>
+                      </a:solidFill>
+                      <a:prstDash val="solid"/>
+                      <a:round/>
+                      <a:headEnd type="none" w="med" len="med"/>
+                      <a:tailEnd type="none" w="med" len="med"/>
+                    </a:lnR>
+                    <a:lnT w="12700" cap="flat" cmpd="sng" algn="ctr">
+                      <a:solidFill>
+                        <a:schemeClr val="tx1"/>
+                      </a:solidFill>
+                      <a:prstDash val="solid"/>
+                      <a:round/>
+                      <a:headEnd type="none" w="med" len="med"/>
+                      <a:tailEnd type="none" w="med" len="med"/>
+                    </a:lnT>
+                    <a:lnB w="12700" cap="flat" cmpd="sng" algn="ctr">
+                      <a:solidFill>
+                        <a:schemeClr val="tx1"/>
+                      </a:solidFill>
+                      <a:prstDash val="solid"/>
+                      <a:round/>
+                      <a:headEnd type="none" w="med" len="med"/>
+                      <a:tailEnd type="none" w="med" len="med"/>
+                    </a:lnB>
+                    <a:noFill/>
+                  </a:tcPr>
+                </a:tc>
+                <a:tc>
+                  <a:txBody>
+                    <a:bodyPr/>
+                    <a:lstStyle/>
+                    <a:p>
+                      <a:endParaRPr lang="ru-RU" dirty="0"/>
+                    </a:p>
+                  </a:txBody>
+                  <a:tcPr>
+                    <a:lnL w="12700" cap="flat" cmpd="sng" algn="ctr">
+                      <a:solidFill>
+                        <a:schemeClr val="tx1"/>
+                      </a:solidFill>
+                      <a:prstDash val="solid"/>
+                      <a:round/>
+                      <a:headEnd type="none" w="med" len="med"/>
+                      <a:tailEnd type="none" w="med" len="med"/>
+                    </a:lnL>
+                    <a:lnR w="12700" cap="flat" cmpd="sng" algn="ctr">
+                      <a:solidFill>
+                        <a:schemeClr val="tx1"/>
+                      </a:solidFill>
+                      <a:prstDash val="solid"/>
+                      <a:round/>
+                      <a:headEnd type="none" w="med" len="med"/>
+                      <a:tailEnd type="none" w="med" len="med"/>
+                    </a:lnR>
+                    <a:lnT w="12700" cap="flat" cmpd="sng" algn="ctr">
+                      <a:solidFill>
+                        <a:schemeClr val="tx1"/>
+                      </a:solidFill>
+                      <a:prstDash val="solid"/>
+                      <a:round/>
+                      <a:headEnd type="none" w="med" len="med"/>
+                      <a:tailEnd type="none" w="med" len="med"/>
+                    </a:lnT>
+                    <a:lnB w="12700" cap="flat" cmpd="sng" algn="ctr">
+                      <a:solidFill>
+                        <a:schemeClr val="tx1"/>
+                      </a:solidFill>
+                      <a:prstDash val="solid"/>
+                      <a:round/>
+                      <a:headEnd type="none" w="med" len="med"/>
+                      <a:tailEnd type="none" w="med" len="med"/>
+                    </a:lnB>
+                    <a:noFill/>
+                  </a:tcPr>
+                </a:tc>
+                <a:tc>
+                  <a:txBody>
+                    <a:bodyPr/>
+                    <a:lstStyle/>
+                    <a:p>
+                      <a:endParaRPr lang="ru-RU" dirty="0"/>
+                    </a:p>
+                  </a:txBody>
+                  <a:tcPr>
+                    <a:lnL w="12700" cap="flat" cmpd="sng" algn="ctr">
+                      <a:solidFill>
+                        <a:schemeClr val="tx1"/>
+                      </a:solidFill>
+                      <a:prstDash val="solid"/>
+                      <a:round/>
+                      <a:headEnd type="none" w="med" len="med"/>
+                      <a:tailEnd type="none" w="med" len="med"/>
+                    </a:lnL>
+                    <a:lnR w="12700" cap="flat" cmpd="sng" algn="ctr">
+                      <a:solidFill>
+                        <a:schemeClr val="tx1"/>
+                      </a:solidFill>
+                      <a:prstDash val="solid"/>
+                      <a:round/>
+                      <a:headEnd type="none" w="med" len="med"/>
+                      <a:tailEnd type="none" w="med" len="med"/>
+                    </a:lnR>
+                    <a:lnT w="12700" cap="flat" cmpd="sng" algn="ctr">
+                      <a:solidFill>
+                        <a:schemeClr val="tx1"/>
+                      </a:solidFill>
+                      <a:prstDash val="solid"/>
+                      <a:round/>
+                      <a:headEnd type="none" w="med" len="med"/>
+                      <a:tailEnd type="none" w="med" len="med"/>
+                    </a:lnT>
+                    <a:lnB w="12700" cap="flat" cmpd="sng" algn="ctr">
+                      <a:solidFill>
+                        <a:schemeClr val="tx1"/>
+                      </a:solidFill>
+                      <a:prstDash val="solid"/>
+                      <a:round/>
+                      <a:headEnd type="none" w="med" len="med"/>
+                      <a:tailEnd type="none" w="med" len="med"/>
+                    </a:lnB>
+                    <a:noFill/>
+                  </a:tcPr>
+                </a:tc>
+                <a:tc>
+                  <a:txBody>
+                    <a:bodyPr/>
+                    <a:lstStyle/>
+                    <a:p>
+                      <a:endParaRPr lang="ru-RU" dirty="0"/>
+                    </a:p>
+                  </a:txBody>
+                  <a:tcPr>
+                    <a:lnL w="12700" cap="flat" cmpd="sng" algn="ctr">
+                      <a:solidFill>
+                        <a:schemeClr val="tx1"/>
+                      </a:solidFill>
+                      <a:prstDash val="solid"/>
+                      <a:round/>
+                      <a:headEnd type="none" w="med" len="med"/>
+                      <a:tailEnd type="none" w="med" len="med"/>
+                    </a:lnL>
+                    <a:lnR w="12700" cap="flat" cmpd="sng" algn="ctr">
+                      <a:solidFill>
+                        <a:schemeClr val="tx1"/>
+                      </a:solidFill>
+                      <a:prstDash val="solid"/>
+                      <a:round/>
+                      <a:headEnd type="none" w="med" len="med"/>
+                      <a:tailEnd type="none" w="med" len="med"/>
+                    </a:lnR>
+                    <a:lnT w="12700" cap="flat" cmpd="sng" algn="ctr">
+                      <a:solidFill>
+                        <a:schemeClr val="tx1"/>
+                      </a:solidFill>
+                      <a:prstDash val="solid"/>
+                      <a:round/>
+                      <a:headEnd type="none" w="med" len="med"/>
+                      <a:tailEnd type="none" w="med" len="med"/>
+                    </a:lnT>
+                    <a:lnB w="12700" cap="flat" cmpd="sng" algn="ctr">
+                      <a:solidFill>
+                        <a:schemeClr val="tx1"/>
+                      </a:solidFill>
+                      <a:prstDash val="solid"/>
+                      <a:round/>
+                      <a:headEnd type="none" w="med" len="med"/>
+                      <a:tailEnd type="none" w="med" len="med"/>
+                    </a:lnB>
+                    <a:noFill/>
+                  </a:tcPr>
+                </a:tc>
+                <a:tc>
+                  <a:txBody>
+                    <a:bodyPr/>
+                    <a:lstStyle/>
+                    <a:p>
+                      <a:endParaRPr lang="ru-RU" dirty="0"/>
+                    </a:p>
+                  </a:txBody>
+                  <a:tcPr>
+                    <a:lnL w="12700" cap="flat" cmpd="sng" algn="ctr">
+                      <a:solidFill>
+                        <a:schemeClr val="tx1"/>
+                      </a:solidFill>
+                      <a:prstDash val="solid"/>
+                      <a:round/>
+                      <a:headEnd type="none" w="med" len="med"/>
+                      <a:tailEnd type="none" w="med" len="med"/>
+                    </a:lnL>
+                    <a:lnR w="12700" cap="flat" cmpd="sng" algn="ctr">
+                      <a:solidFill>
+                        <a:schemeClr val="tx1"/>
+                      </a:solidFill>
+                      <a:prstDash val="solid"/>
+                      <a:round/>
+                      <a:headEnd type="none" w="med" len="med"/>
+                      <a:tailEnd type="none" w="med" len="med"/>
+                    </a:lnR>
+                    <a:lnT w="12700" cap="flat" cmpd="sng" algn="ctr">
+                      <a:solidFill>
+                        <a:schemeClr val="tx1"/>
+                      </a:solidFill>
+                      <a:prstDash val="solid"/>
+                      <a:round/>
+                      <a:headEnd type="none" w="med" len="med"/>
+                      <a:tailEnd type="none" w="med" len="med"/>
+                    </a:lnT>
+                    <a:lnB w="12700" cap="flat" cmpd="sng" algn="ctr">
+                      <a:solidFill>
+                        <a:schemeClr val="tx1"/>
+                      </a:solidFill>
+                      <a:prstDash val="solid"/>
+                      <a:round/>
+                      <a:headEnd type="none" w="med" len="med"/>
+                      <a:tailEnd type="none" w="med" len="med"/>
+                    </a:lnB>
+                    <a:noFill/>
+                  </a:tcPr>
+                </a:tc>
+                <a:tc>
+                  <a:txBody>
+                    <a:bodyPr/>
+                    <a:lstStyle/>
+                    <a:p>
+                      <a:endParaRPr lang="ru-RU" dirty="0"/>
+                    </a:p>
+                  </a:txBody>
+                  <a:tcPr>
+                    <a:lnL w="12700" cap="flat" cmpd="sng" algn="ctr">
+                      <a:solidFill>
+                        <a:schemeClr val="tx1"/>
+                      </a:solidFill>
+                      <a:prstDash val="solid"/>
+                      <a:round/>
+                      <a:headEnd type="none" w="med" len="med"/>
+                      <a:tailEnd type="none" w="med" len="med"/>
+                    </a:lnL>
+                    <a:lnR w="12700" cap="flat" cmpd="sng" algn="ctr">
+                      <a:solidFill>
+                        <a:schemeClr val="tx1"/>
+                      </a:solidFill>
+                      <a:prstDash val="solid"/>
+                      <a:round/>
+                      <a:headEnd type="none" w="med" len="med"/>
+                      <a:tailEnd type="none" w="med" len="med"/>
+                    </a:lnR>
+                    <a:lnT w="12700" cap="flat" cmpd="sng" algn="ctr">
+                      <a:solidFill>
+                        <a:schemeClr val="tx1"/>
+                      </a:solidFill>
+                      <a:prstDash val="solid"/>
+                      <a:round/>
+                      <a:headEnd type="none" w="med" len="med"/>
+                      <a:tailEnd type="none" w="med" len="med"/>
+                    </a:lnT>
+                    <a:lnB w="12700" cap="flat" cmpd="sng" algn="ctr">
+                      <a:solidFill>
+                        <a:schemeClr val="tx1"/>
+                      </a:solidFill>
+                      <a:prstDash val="solid"/>
+                      <a:round/>
+                      <a:headEnd type="none" w="med" len="med"/>
+                      <a:tailEnd type="none" w="med" len="med"/>
+                    </a:lnB>
+                    <a:noFill/>
+                  </a:tcPr>
+                </a:tc>
+              </a:tr>
+              <a:tr h="370840">
+                <a:tc>
+                  <a:txBody>
+                    <a:bodyPr/>
+                    <a:lstStyle/>
+                    <a:p>
+                      <a:endParaRPr lang="ru-RU" dirty="0"/>
+                    </a:p>
+                  </a:txBody>
+                  <a:tcPr>
+                    <a:lnL w="12700" cap="flat" cmpd="sng" algn="ctr">
+                      <a:solidFill>
+                        <a:schemeClr val="tx1"/>
+                      </a:solidFill>
+                      <a:prstDash val="solid"/>
+                      <a:round/>
+                      <a:headEnd type="none" w="med" len="med"/>
+                      <a:tailEnd type="none" w="med" len="med"/>
+                    </a:lnL>
+                    <a:lnR w="12700" cap="flat" cmpd="sng" algn="ctr">
+                      <a:solidFill>
+                        <a:schemeClr val="tx1"/>
+                      </a:solidFill>
+                      <a:prstDash val="solid"/>
+                      <a:round/>
+                      <a:headEnd type="none" w="med" len="med"/>
+                      <a:tailEnd type="none" w="med" len="med"/>
+                    </a:lnR>
+                    <a:lnT w="12700" cap="flat" cmpd="sng" algn="ctr">
+                      <a:solidFill>
+                        <a:schemeClr val="tx1"/>
+                      </a:solidFill>
+                      <a:prstDash val="solid"/>
+                      <a:round/>
+                      <a:headEnd type="none" w="med" len="med"/>
+                      <a:tailEnd type="none" w="med" len="med"/>
+                    </a:lnT>
+                    <a:lnB w="12700" cap="flat" cmpd="sng" algn="ctr">
+                      <a:solidFill>
+                        <a:schemeClr val="tx1"/>
+                      </a:solidFill>
+                      <a:prstDash val="solid"/>
+                      <a:round/>
+                      <a:headEnd type="none" w="med" len="med"/>
+                      <a:tailEnd type="none" w="med" len="med"/>
+                    </a:lnB>
+                    <a:noFill/>
+                  </a:tcPr>
+                </a:tc>
+                <a:tc>
+                  <a:txBody>
+                    <a:bodyPr/>
+                    <a:lstStyle/>
+                    <a:p>
+                      <a:endParaRPr lang="ru-RU" dirty="0"/>
+                    </a:p>
+                  </a:txBody>
+                  <a:tcPr>
+                    <a:lnL w="12700" cap="flat" cmpd="sng" algn="ctr">
+                      <a:solidFill>
+                        <a:schemeClr val="tx1"/>
+                      </a:solidFill>
+                      <a:prstDash val="solid"/>
+                      <a:round/>
+                      <a:headEnd type="none" w="med" len="med"/>
+                      <a:tailEnd type="none" w="med" len="med"/>
+                    </a:lnL>
+                    <a:lnR w="12700" cap="flat" cmpd="sng" algn="ctr">
+                      <a:solidFill>
+                        <a:schemeClr val="tx1"/>
+                      </a:solidFill>
+                      <a:prstDash val="solid"/>
+                      <a:round/>
+                      <a:headEnd type="none" w="med" len="med"/>
+                      <a:tailEnd type="none" w="med" len="med"/>
+                    </a:lnR>
+                    <a:lnT w="12700" cap="flat" cmpd="sng" algn="ctr">
+                      <a:solidFill>
+                        <a:schemeClr val="tx1"/>
+                      </a:solidFill>
+                      <a:prstDash val="solid"/>
+                      <a:round/>
+                      <a:headEnd type="none" w="med" len="med"/>
+                      <a:tailEnd type="none" w="med" len="med"/>
+                    </a:lnT>
+                    <a:lnB w="12700" cap="flat" cmpd="sng" algn="ctr">
+                      <a:solidFill>
+                        <a:schemeClr val="tx1"/>
+                      </a:solidFill>
+                      <a:prstDash val="solid"/>
+                      <a:round/>
+                      <a:headEnd type="none" w="med" len="med"/>
+                      <a:tailEnd type="none" w="med" len="med"/>
+                    </a:lnB>
+                    <a:noFill/>
+                  </a:tcPr>
+                </a:tc>
+                <a:tc>
+                  <a:txBody>
+                    <a:bodyPr/>
+                    <a:lstStyle/>
+                    <a:p>
+                      <a:endParaRPr lang="ru-RU" dirty="0"/>
+                    </a:p>
+                  </a:txBody>
+                  <a:tcPr>
+                    <a:lnL w="12700" cap="flat" cmpd="sng" algn="ctr">
+                      <a:solidFill>
+                        <a:schemeClr val="tx1"/>
+                      </a:solidFill>
+                      <a:prstDash val="solid"/>
+                      <a:round/>
+                      <a:headEnd type="none" w="med" len="med"/>
+                      <a:tailEnd type="none" w="med" len="med"/>
+                    </a:lnL>
+                    <a:lnR w="12700" cap="flat" cmpd="sng" algn="ctr">
+                      <a:solidFill>
+                        <a:schemeClr val="tx1"/>
+                      </a:solidFill>
+                      <a:prstDash val="solid"/>
+                      <a:round/>
+                      <a:headEnd type="none" w="med" len="med"/>
+                      <a:tailEnd type="none" w="med" len="med"/>
+                    </a:lnR>
+                    <a:lnT w="12700" cap="flat" cmpd="sng" algn="ctr">
+                      <a:solidFill>
+                        <a:schemeClr val="tx1"/>
+                      </a:solidFill>
+                      <a:prstDash val="solid"/>
+                      <a:round/>
+                      <a:headEnd type="none" w="med" len="med"/>
+                      <a:tailEnd type="none" w="med" len="med"/>
+                    </a:lnT>
+                    <a:lnB w="12700" cap="flat" cmpd="sng" algn="ctr">
+                      <a:solidFill>
+                        <a:schemeClr val="tx1"/>
+                      </a:solidFill>
+                      <a:prstDash val="solid"/>
+                      <a:round/>
+                      <a:headEnd type="none" w="med" len="med"/>
+                      <a:tailEnd type="none" w="med" len="med"/>
+                    </a:lnB>
+                    <a:noFill/>
+                  </a:tcPr>
+                </a:tc>
+                <a:tc>
+                  <a:txBody>
+                    <a:bodyPr/>
+                    <a:lstStyle/>
+                    <a:p>
+                      <a:endParaRPr lang="ru-RU"/>
+                    </a:p>
+                  </a:txBody>
+                  <a:tcPr>
+                    <a:lnL w="12700" cap="flat" cmpd="sng" algn="ctr">
+                      <a:solidFill>
+                        <a:schemeClr val="tx1"/>
+                      </a:solidFill>
+                      <a:prstDash val="solid"/>
+                      <a:round/>
+                      <a:headEnd type="none" w="med" len="med"/>
+                      <a:tailEnd type="none" w="med" len="med"/>
+                    </a:lnL>
+                    <a:lnR w="12700" cap="flat" cmpd="sng" algn="ctr">
+                      <a:solidFill>
+                        <a:schemeClr val="tx1"/>
+                      </a:solidFill>
+                      <a:prstDash val="solid"/>
+                      <a:round/>
+                      <a:headEnd type="none" w="med" len="med"/>
+                      <a:tailEnd type="none" w="med" len="med"/>
+                    </a:lnR>
+                    <a:lnT w="12700" cap="flat" cmpd="sng" algn="ctr">
+                      <a:solidFill>
+                        <a:schemeClr val="tx1"/>
+                      </a:solidFill>
+                      <a:prstDash val="solid"/>
+                      <a:round/>
+                      <a:headEnd type="none" w="med" len="med"/>
+                      <a:tailEnd type="none" w="med" len="med"/>
+                    </a:lnT>
+                    <a:lnB w="12700" cap="flat" cmpd="sng" algn="ctr">
+                      <a:solidFill>
+                        <a:schemeClr val="tx1"/>
+                      </a:solidFill>
+                      <a:prstDash val="solid"/>
+                      <a:round/>
+                      <a:headEnd type="none" w="med" len="med"/>
+                      <a:tailEnd type="none" w="med" len="med"/>
+                    </a:lnB>
+                    <a:noFill/>
+                  </a:tcPr>
+                </a:tc>
+                <a:tc>
+                  <a:txBody>
+                    <a:bodyPr/>
+                    <a:lstStyle/>
+                    <a:p>
+                      <a:endParaRPr lang="ru-RU" dirty="0"/>
+                    </a:p>
+                  </a:txBody>
+                  <a:tcPr>
+                    <a:lnL w="12700" cap="flat" cmpd="sng" algn="ctr">
+                      <a:solidFill>
+                        <a:schemeClr val="tx1"/>
+                      </a:solidFill>
+                      <a:prstDash val="solid"/>
+                      <a:round/>
+                      <a:headEnd type="none" w="med" len="med"/>
+                      <a:tailEnd type="none" w="med" len="med"/>
+                    </a:lnL>
+                    <a:lnR w="12700" cap="flat" cmpd="sng" algn="ctr">
+                      <a:solidFill>
+                        <a:schemeClr val="tx1"/>
+                      </a:solidFill>
+                      <a:prstDash val="solid"/>
+                      <a:round/>
+                      <a:headEnd type="none" w="med" len="med"/>
+                      <a:tailEnd type="none" w="med" len="med"/>
+                    </a:lnR>
+                    <a:lnT w="12700" cap="flat" cmpd="sng" algn="ctr">
+                      <a:solidFill>
+                        <a:schemeClr val="tx1"/>
+                      </a:solidFill>
+                      <a:prstDash val="solid"/>
+                      <a:round/>
+                      <a:headEnd type="none" w="med" len="med"/>
+                      <a:tailEnd type="none" w="med" len="med"/>
+                    </a:lnT>
+                    <a:lnB w="12700" cap="flat" cmpd="sng" algn="ctr">
+                      <a:solidFill>
+                        <a:schemeClr val="tx1"/>
+                      </a:solidFill>
+                      <a:prstDash val="solid"/>
+                      <a:round/>
+                      <a:headEnd type="none" w="med" len="med"/>
+                      <a:tailEnd type="none" w="med" len="med"/>
+                    </a:lnB>
+                    <a:noFill/>
+                  </a:tcPr>
+                </a:tc>
+                <a:tc>
+                  <a:txBody>
+                    <a:bodyPr/>
+                    <a:lstStyle/>
+                    <a:p>
+                      <a:endParaRPr lang="ru-RU"/>
+                    </a:p>
+                  </a:txBody>
+                  <a:tcPr>
+                    <a:lnL w="12700" cap="flat" cmpd="sng" algn="ctr">
+                      <a:solidFill>
+                        <a:schemeClr val="tx1"/>
+                      </a:solidFill>
+                      <a:prstDash val="solid"/>
+                      <a:round/>
+                      <a:headEnd type="none" w="med" len="med"/>
+                      <a:tailEnd type="none" w="med" len="med"/>
+                    </a:lnL>
+                    <a:lnR w="12700" cap="flat" cmpd="sng" algn="ctr">
+                      <a:solidFill>
+                        <a:schemeClr val="tx1"/>
+                      </a:solidFill>
+                      <a:prstDash val="solid"/>
+                      <a:round/>
+                      <a:headEnd type="none" w="med" len="med"/>
+                      <a:tailEnd type="none" w="med" len="med"/>
+                    </a:lnR>
+                    <a:lnT w="12700" cap="flat" cmpd="sng" algn="ctr">
+                      <a:solidFill>
+                        <a:schemeClr val="tx1"/>
+                      </a:solidFill>
+                      <a:prstDash val="solid"/>
+                      <a:round/>
+                      <a:headEnd type="none" w="med" len="med"/>
+                      <a:tailEnd type="none" w="med" len="med"/>
+                    </a:lnT>
+                    <a:lnB w="12700" cap="flat" cmpd="sng" algn="ctr">
+                      <a:solidFill>
+                        <a:schemeClr val="tx1"/>
+                      </a:solidFill>
+                      <a:prstDash val="solid"/>
+                      <a:round/>
+                      <a:headEnd type="none" w="med" len="med"/>
+                      <a:tailEnd type="none" w="med" len="med"/>
+                    </a:lnB>
+                    <a:noFill/>
+                  </a:tcPr>
+                </a:tc>
+                <a:tc>
+                  <a:txBody>
+                    <a:bodyPr/>
+                    <a:lstStyle/>
+                    <a:p>
+                      <a:endParaRPr lang="ru-RU"/>
+                    </a:p>
+                  </a:txBody>
+                  <a:tcPr>
+                    <a:lnL w="12700" cap="flat" cmpd="sng" algn="ctr">
+                      <a:solidFill>
+                        <a:schemeClr val="tx1"/>
+                      </a:solidFill>
+                      <a:prstDash val="solid"/>
+                      <a:round/>
+                      <a:headEnd type="none" w="med" len="med"/>
+                      <a:tailEnd type="none" w="med" len="med"/>
+                    </a:lnL>
+                    <a:lnR w="12700" cap="flat" cmpd="sng" algn="ctr">
+                      <a:solidFill>
+                        <a:schemeClr val="tx1"/>
+                      </a:solidFill>
+                      <a:prstDash val="solid"/>
+                      <a:round/>
+                      <a:headEnd type="none" w="med" len="med"/>
+                      <a:tailEnd type="none" w="med" len="med"/>
+                    </a:lnR>
+                    <a:lnT w="12700" cap="flat" cmpd="sng" algn="ctr">
+                      <a:solidFill>
+                        <a:schemeClr val="tx1"/>
+                      </a:solidFill>
+                      <a:prstDash val="solid"/>
+                      <a:round/>
+                      <a:headEnd type="none" w="med" len="med"/>
+                      <a:tailEnd type="none" w="med" len="med"/>
+                    </a:lnT>
+                    <a:lnB w="12700" cap="flat" cmpd="sng" algn="ctr">
+                      <a:solidFill>
+                        <a:schemeClr val="tx1"/>
+                      </a:solidFill>
+                      <a:prstDash val="solid"/>
+                      <a:round/>
+                      <a:headEnd type="none" w="med" len="med"/>
+                      <a:tailEnd type="none" w="med" len="med"/>
+                    </a:lnB>
+                    <a:noFill/>
+                  </a:tcPr>
+                </a:tc>
+              </a:tr>
+              <a:tr h="370840">
+                <a:tc>
+                  <a:txBody>
+                    <a:bodyPr/>
+                    <a:lstStyle/>
+                    <a:p>
+                      <a:endParaRPr lang="ru-RU" dirty="0"/>
+                    </a:p>
+                  </a:txBody>
+                  <a:tcPr>
+                    <a:lnL w="12700" cap="flat" cmpd="sng" algn="ctr">
+                      <a:solidFill>
+                        <a:schemeClr val="tx1"/>
+                      </a:solidFill>
+                      <a:prstDash val="solid"/>
+                      <a:round/>
+                      <a:headEnd type="none" w="med" len="med"/>
+                      <a:tailEnd type="none" w="med" len="med"/>
+                    </a:lnL>
+                    <a:lnR w="12700" cap="flat" cmpd="sng" algn="ctr">
+                      <a:solidFill>
+                        <a:schemeClr val="tx1"/>
+                      </a:solidFill>
+                      <a:prstDash val="solid"/>
+                      <a:round/>
+                      <a:headEnd type="none" w="med" len="med"/>
+                      <a:tailEnd type="none" w="med" len="med"/>
+                    </a:lnR>
+                    <a:lnT w="12700" cap="flat" cmpd="sng" algn="ctr">
+                      <a:solidFill>
+                        <a:schemeClr val="tx1"/>
+                      </a:solidFill>
+                      <a:prstDash val="solid"/>
+                      <a:round/>
+                      <a:headEnd type="none" w="med" len="med"/>
+                      <a:tailEnd type="none" w="med" len="med"/>
+                    </a:lnT>
+                    <a:lnB w="12700" cap="flat" cmpd="sng" algn="ctr">
+                      <a:solidFill>
+                        <a:schemeClr val="tx1"/>
+                      </a:solidFill>
+                      <a:prstDash val="solid"/>
+                      <a:round/>
+                      <a:headEnd type="none" w="med" len="med"/>
+                      <a:tailEnd type="none" w="med" len="med"/>
+                    </a:lnB>
+                    <a:noFill/>
+                  </a:tcPr>
+                </a:tc>
+                <a:tc>
+                  <a:txBody>
+                    <a:bodyPr/>
+                    <a:lstStyle/>
+                    <a:p>
+                      <a:endParaRPr lang="ru-RU" dirty="0"/>
+                    </a:p>
+                  </a:txBody>
+                  <a:tcPr>
+                    <a:lnL w="12700" cap="flat" cmpd="sng" algn="ctr">
+                      <a:solidFill>
+                        <a:schemeClr val="tx1"/>
+                      </a:solidFill>
+                      <a:prstDash val="solid"/>
+                      <a:round/>
+                      <a:headEnd type="none" w="med" len="med"/>
+                      <a:tailEnd type="none" w="med" len="med"/>
+                    </a:lnL>
+                    <a:lnR w="12700" cap="flat" cmpd="sng" algn="ctr">
+                      <a:solidFill>
+                        <a:schemeClr val="tx1"/>
+                      </a:solidFill>
+                      <a:prstDash val="solid"/>
+                      <a:round/>
+                      <a:headEnd type="none" w="med" len="med"/>
+                      <a:tailEnd type="none" w="med" len="med"/>
+                    </a:lnR>
+                    <a:lnT w="12700" cap="flat" cmpd="sng" algn="ctr">
+                      <a:solidFill>
+                        <a:schemeClr val="tx1"/>
+                      </a:solidFill>
+                      <a:prstDash val="solid"/>
+                      <a:round/>
+                      <a:headEnd type="none" w="med" len="med"/>
+                      <a:tailEnd type="none" w="med" len="med"/>
+                    </a:lnT>
+                    <a:lnB w="12700" cap="flat" cmpd="sng" algn="ctr">
+                      <a:solidFill>
+                        <a:schemeClr val="tx1"/>
+                      </a:solidFill>
+                      <a:prstDash val="solid"/>
+                      <a:round/>
+                      <a:headEnd type="none" w="med" len="med"/>
+                      <a:tailEnd type="none" w="med" len="med"/>
+                    </a:lnB>
+                    <a:noFill/>
+                  </a:tcPr>
+                </a:tc>
+                <a:tc>
+                  <a:txBody>
+                    <a:bodyPr/>
+                    <a:lstStyle/>
+                    <a:p>
+                      <a:endParaRPr lang="ru-RU" dirty="0"/>
+                    </a:p>
+                  </a:txBody>
+                  <a:tcPr>
+                    <a:lnL w="12700" cap="flat" cmpd="sng" algn="ctr">
+                      <a:solidFill>
+                        <a:schemeClr val="tx1"/>
+                      </a:solidFill>
+                      <a:prstDash val="solid"/>
+                      <a:round/>
+                      <a:headEnd type="none" w="med" len="med"/>
+                      <a:tailEnd type="none" w="med" len="med"/>
+                    </a:lnL>
+                    <a:lnR w="12700" cap="flat" cmpd="sng" algn="ctr">
+                      <a:solidFill>
+                        <a:schemeClr val="tx1"/>
+                      </a:solidFill>
+                      <a:prstDash val="solid"/>
+                      <a:round/>
+                      <a:headEnd type="none" w="med" len="med"/>
+                      <a:tailEnd type="none" w="med" len="med"/>
+                    </a:lnR>
+                    <a:lnT w="12700" cap="flat" cmpd="sng" algn="ctr">
+                      <a:solidFill>
+                        <a:schemeClr val="tx1"/>
+                      </a:solidFill>
+                      <a:prstDash val="solid"/>
+                      <a:round/>
+                      <a:headEnd type="none" w="med" len="med"/>
+                      <a:tailEnd type="none" w="med" len="med"/>
+                    </a:lnT>
+                    <a:lnB w="12700" cap="flat" cmpd="sng" algn="ctr">
+                      <a:solidFill>
+                        <a:schemeClr val="tx1"/>
+                      </a:solidFill>
+                      <a:prstDash val="solid"/>
+                      <a:round/>
+                      <a:headEnd type="none" w="med" len="med"/>
+                      <a:tailEnd type="none" w="med" len="med"/>
+                    </a:lnB>
+                    <a:noFill/>
+                  </a:tcPr>
+                </a:tc>
+                <a:tc>
+                  <a:txBody>
+                    <a:bodyPr/>
+                    <a:lstStyle/>
+                    <a:p>
+                      <a:endParaRPr lang="ru-RU" dirty="0"/>
+                    </a:p>
+                  </a:txBody>
+                  <a:tcPr>
+                    <a:lnL w="12700" cap="flat" cmpd="sng" algn="ctr">
+                      <a:solidFill>
+                        <a:schemeClr val="tx1"/>
+                      </a:solidFill>
+                      <a:prstDash val="solid"/>
+                      <a:round/>
+                      <a:headEnd type="none" w="med" len="med"/>
+                      <a:tailEnd type="none" w="med" len="med"/>
+                    </a:lnL>
+                    <a:lnR w="12700" cap="flat" cmpd="sng" algn="ctr">
+                      <a:solidFill>
+                        <a:schemeClr val="tx1"/>
+                      </a:solidFill>
+                      <a:prstDash val="solid"/>
+                      <a:round/>
+                      <a:headEnd type="none" w="med" len="med"/>
+                      <a:tailEnd type="none" w="med" len="med"/>
+                    </a:lnR>
+                    <a:lnT w="12700" cap="flat" cmpd="sng" algn="ctr">
+                      <a:solidFill>
+                        <a:schemeClr val="tx1"/>
+                      </a:solidFill>
+                      <a:prstDash val="solid"/>
+                      <a:round/>
+                      <a:headEnd type="none" w="med" len="med"/>
+                      <a:tailEnd type="none" w="med" len="med"/>
+                    </a:lnT>
+                    <a:lnB w="12700" cap="flat" cmpd="sng" algn="ctr">
+                      <a:solidFill>
+                        <a:schemeClr val="tx1"/>
+                      </a:solidFill>
+                      <a:prstDash val="solid"/>
+                      <a:round/>
+                      <a:headEnd type="none" w="med" len="med"/>
+                      <a:tailEnd type="none" w="med" len="med"/>
+                    </a:lnB>
+                    <a:noFill/>
+                  </a:tcPr>
+                </a:tc>
+                <a:tc>
+                  <a:txBody>
+                    <a:bodyPr/>
+                    <a:lstStyle/>
+                    <a:p>
+                      <a:endParaRPr lang="ru-RU"/>
+                    </a:p>
+                  </a:txBody>
+                  <a:tcPr>
+                    <a:lnL w="12700" cap="flat" cmpd="sng" algn="ctr">
+                      <a:solidFill>
+                        <a:schemeClr val="tx1"/>
+                      </a:solidFill>
+                      <a:prstDash val="solid"/>
+                      <a:round/>
+                      <a:headEnd type="none" w="med" len="med"/>
+                      <a:tailEnd type="none" w="med" len="med"/>
+                    </a:lnL>
+                    <a:lnR w="12700" cap="flat" cmpd="sng" algn="ctr">
+                      <a:solidFill>
+                        <a:schemeClr val="tx1"/>
+                      </a:solidFill>
+                      <a:prstDash val="solid"/>
+                      <a:round/>
+                      <a:headEnd type="none" w="med" len="med"/>
+                      <a:tailEnd type="none" w="med" len="med"/>
+                    </a:lnR>
+                    <a:lnT w="12700" cap="flat" cmpd="sng" algn="ctr">
+                      <a:solidFill>
+                        <a:schemeClr val="tx1"/>
+                      </a:solidFill>
+                      <a:prstDash val="solid"/>
+                      <a:round/>
+                      <a:headEnd type="none" w="med" len="med"/>
+                      <a:tailEnd type="none" w="med" len="med"/>
+                    </a:lnT>
+                    <a:lnB w="12700" cap="flat" cmpd="sng" algn="ctr">
+                      <a:solidFill>
+                        <a:schemeClr val="tx1"/>
+                      </a:solidFill>
+                      <a:prstDash val="solid"/>
+                      <a:round/>
+                      <a:headEnd type="none" w="med" len="med"/>
+                      <a:tailEnd type="none" w="med" len="med"/>
+                    </a:lnB>
+                    <a:noFill/>
+                  </a:tcPr>
+                </a:tc>
+                <a:tc>
+                  <a:txBody>
+                    <a:bodyPr/>
+                    <a:lstStyle/>
+                    <a:p>
+                      <a:endParaRPr lang="ru-RU"/>
+                    </a:p>
+                  </a:txBody>
+                  <a:tcPr>
+                    <a:lnL w="12700" cap="flat" cmpd="sng" algn="ctr">
+                      <a:solidFill>
+                        <a:schemeClr val="tx1"/>
+                      </a:solidFill>
+                      <a:prstDash val="solid"/>
+                      <a:round/>
+                      <a:headEnd type="none" w="med" len="med"/>
+                      <a:tailEnd type="none" w="med" len="med"/>
+                    </a:lnL>
+                    <a:lnR w="12700" cap="flat" cmpd="sng" algn="ctr">
+                      <a:solidFill>
+                        <a:schemeClr val="tx1"/>
+                      </a:solidFill>
+                      <a:prstDash val="solid"/>
+                      <a:round/>
+                      <a:headEnd type="none" w="med" len="med"/>
+                      <a:tailEnd type="none" w="med" len="med"/>
+                    </a:lnR>
+                    <a:lnT w="12700" cap="flat" cmpd="sng" algn="ctr">
+                      <a:solidFill>
+                        <a:schemeClr val="tx1"/>
+                      </a:solidFill>
+                      <a:prstDash val="solid"/>
+                      <a:round/>
+                      <a:headEnd type="none" w="med" len="med"/>
+                      <a:tailEnd type="none" w="med" len="med"/>
+                    </a:lnT>
+                    <a:lnB w="12700" cap="flat" cmpd="sng" algn="ctr">
+                      <a:solidFill>
+                        <a:schemeClr val="tx1"/>
+                      </a:solidFill>
+                      <a:prstDash val="solid"/>
+                      <a:round/>
+                      <a:headEnd type="none" w="med" len="med"/>
+                      <a:tailEnd type="none" w="med" len="med"/>
+                    </a:lnB>
+                    <a:noFill/>
+                  </a:tcPr>
+                </a:tc>
+                <a:tc>
+                  <a:txBody>
+                    <a:bodyPr/>
+                    <a:lstStyle/>
+                    <a:p>
+                      <a:endParaRPr lang="ru-RU"/>
+                    </a:p>
+                  </a:txBody>
+                  <a:tcPr>
+                    <a:lnL w="12700" cap="flat" cmpd="sng" algn="ctr">
+                      <a:solidFill>
+                        <a:schemeClr val="tx1"/>
+                      </a:solidFill>
+                      <a:prstDash val="solid"/>
+                      <a:round/>
+                      <a:headEnd type="none" w="med" len="med"/>
+                      <a:tailEnd type="none" w="med" len="med"/>
+                    </a:lnL>
+                    <a:lnR w="12700" cap="flat" cmpd="sng" algn="ctr">
+                      <a:solidFill>
+                        <a:schemeClr val="tx1"/>
+                      </a:solidFill>
+                      <a:prstDash val="solid"/>
+                      <a:round/>
+                      <a:headEnd type="none" w="med" len="med"/>
+                      <a:tailEnd type="none" w="med" len="med"/>
+                    </a:lnR>
+                    <a:lnT w="12700" cap="flat" cmpd="sng" algn="ctr">
+                      <a:solidFill>
+                        <a:schemeClr val="tx1"/>
+                      </a:solidFill>
+                      <a:prstDash val="solid"/>
+                      <a:round/>
+                      <a:headEnd type="none" w="med" len="med"/>
+                      <a:tailEnd type="none" w="med" len="med"/>
+                    </a:lnT>
+                    <a:lnB w="12700" cap="flat" cmpd="sng" algn="ctr">
+                      <a:solidFill>
+                        <a:schemeClr val="tx1"/>
+                      </a:solidFill>
+                      <a:prstDash val="solid"/>
+                      <a:round/>
+                      <a:headEnd type="none" w="med" len="med"/>
+                      <a:tailEnd type="none" w="med" len="med"/>
+                    </a:lnB>
+                    <a:noFill/>
+                  </a:tcPr>
+                </a:tc>
+              </a:tr>
+              <a:tr h="370840">
+                <a:tc>
+                  <a:txBody>
+                    <a:bodyPr/>
+                    <a:lstStyle/>
+                    <a:p>
+                      <a:endParaRPr lang="ru-RU"/>
+                    </a:p>
+                  </a:txBody>
+                  <a:tcPr>
+                    <a:lnL w="12700" cap="flat" cmpd="sng" algn="ctr">
+                      <a:solidFill>
+                        <a:schemeClr val="tx1"/>
+                      </a:solidFill>
+                      <a:prstDash val="solid"/>
+                      <a:round/>
+                      <a:headEnd type="none" w="med" len="med"/>
+                      <a:tailEnd type="none" w="med" len="med"/>
+                    </a:lnL>
+                    <a:lnR w="12700" cap="flat" cmpd="sng" algn="ctr">
+                      <a:solidFill>
+                        <a:schemeClr val="tx1"/>
+                      </a:solidFill>
+                      <a:prstDash val="solid"/>
+                      <a:round/>
+                      <a:headEnd type="none" w="med" len="med"/>
+                      <a:tailEnd type="none" w="med" len="med"/>
+                    </a:lnR>
+                    <a:lnT w="12700" cap="flat" cmpd="sng" algn="ctr">
+                      <a:solidFill>
+                        <a:schemeClr val="tx1"/>
+                      </a:solidFill>
+                      <a:prstDash val="solid"/>
+                      <a:round/>
+                      <a:headEnd type="none" w="med" len="med"/>
+                      <a:tailEnd type="none" w="med" len="med"/>
+                    </a:lnT>
+                    <a:lnB w="12700" cap="flat" cmpd="sng" algn="ctr">
+                      <a:solidFill>
+                        <a:schemeClr val="tx1"/>
+                      </a:solidFill>
+                      <a:prstDash val="solid"/>
+                      <a:round/>
+                      <a:headEnd type="none" w="med" len="med"/>
+                      <a:tailEnd type="none" w="med" len="med"/>
+                    </a:lnB>
+                    <a:noFill/>
+                  </a:tcPr>
+                </a:tc>
+                <a:tc>
+                  <a:txBody>
+                    <a:bodyPr/>
+                    <a:lstStyle/>
+                    <a:p>
+                      <a:endParaRPr lang="ru-RU" dirty="0"/>
+                    </a:p>
+                  </a:txBody>
+                  <a:tcPr>
+                    <a:lnL w="12700" cap="flat" cmpd="sng" algn="ctr">
+                      <a:solidFill>
+                        <a:schemeClr val="tx1"/>
+                      </a:solidFill>
+                      <a:prstDash val="solid"/>
+                      <a:round/>
+                      <a:headEnd type="none" w="med" len="med"/>
+                      <a:tailEnd type="none" w="med" len="med"/>
+                    </a:lnL>
+                    <a:lnR w="12700" cap="flat" cmpd="sng" algn="ctr">
+                      <a:solidFill>
+                        <a:schemeClr val="tx1"/>
+                      </a:solidFill>
+                      <a:prstDash val="solid"/>
+                      <a:round/>
+                      <a:headEnd type="none" w="med" len="med"/>
+                      <a:tailEnd type="none" w="med" len="med"/>
+                    </a:lnR>
+                    <a:lnT w="12700" cap="flat" cmpd="sng" algn="ctr">
+                      <a:solidFill>
+                        <a:schemeClr val="tx1"/>
+                      </a:solidFill>
+                      <a:prstDash val="solid"/>
+                      <a:round/>
+                      <a:headEnd type="none" w="med" len="med"/>
+                      <a:tailEnd type="none" w="med" len="med"/>
+                    </a:lnT>
+                    <a:lnB w="12700" cap="flat" cmpd="sng" algn="ctr">
+                      <a:solidFill>
+                        <a:schemeClr val="tx1"/>
+                      </a:solidFill>
+                      <a:prstDash val="solid"/>
+                      <a:round/>
+                      <a:headEnd type="none" w="med" len="med"/>
+                      <a:tailEnd type="none" w="med" len="med"/>
+                    </a:lnB>
+                    <a:noFill/>
+                  </a:tcPr>
+                </a:tc>
+                <a:tc>
+                  <a:txBody>
+                    <a:bodyPr/>
+                    <a:lstStyle/>
+                    <a:p>
+                      <a:endParaRPr lang="ru-RU" dirty="0"/>
+                    </a:p>
+                  </a:txBody>
+                  <a:tcPr>
+                    <a:lnL w="12700" cap="flat" cmpd="sng" algn="ctr">
+                      <a:solidFill>
+                        <a:schemeClr val="tx1"/>
+                      </a:solidFill>
+                      <a:prstDash val="solid"/>
+                      <a:round/>
+                      <a:headEnd type="none" w="med" len="med"/>
+                      <a:tailEnd type="none" w="med" len="med"/>
+                    </a:lnL>
+                    <a:lnR w="12700" cap="flat" cmpd="sng" algn="ctr">
+                      <a:solidFill>
+                        <a:schemeClr val="tx1"/>
+                      </a:solidFill>
+                      <a:prstDash val="solid"/>
+                      <a:round/>
+                      <a:headEnd type="none" w="med" len="med"/>
+                      <a:tailEnd type="none" w="med" len="med"/>
+                    </a:lnR>
+                    <a:lnT w="12700" cap="flat" cmpd="sng" algn="ctr">
+                      <a:solidFill>
+                        <a:schemeClr val="tx1"/>
+                      </a:solidFill>
+                      <a:prstDash val="solid"/>
+                      <a:round/>
+                      <a:headEnd type="none" w="med" len="med"/>
+                      <a:tailEnd type="none" w="med" len="med"/>
+                    </a:lnT>
+                    <a:lnB w="12700" cap="flat" cmpd="sng" algn="ctr">
+                      <a:solidFill>
+                        <a:schemeClr val="tx1"/>
+                      </a:solidFill>
+                      <a:prstDash val="solid"/>
+                      <a:round/>
+                      <a:headEnd type="none" w="med" len="med"/>
+                      <a:tailEnd type="none" w="med" len="med"/>
+                    </a:lnB>
+                    <a:noFill/>
+                  </a:tcPr>
+                </a:tc>
+                <a:tc>
+                  <a:txBody>
+                    <a:bodyPr/>
+                    <a:lstStyle/>
+                    <a:p>
+                      <a:endParaRPr lang="ru-RU" dirty="0"/>
+                    </a:p>
+                  </a:txBody>
+                  <a:tcPr>
+                    <a:lnL w="12700" cap="flat" cmpd="sng" algn="ctr">
+                      <a:solidFill>
+                        <a:schemeClr val="tx1"/>
+                      </a:solidFill>
+                      <a:prstDash val="solid"/>
+                      <a:round/>
+                      <a:headEnd type="none" w="med" len="med"/>
+                      <a:tailEnd type="none" w="med" len="med"/>
+                    </a:lnL>
+                    <a:lnR w="12700" cap="flat" cmpd="sng" algn="ctr">
+                      <a:solidFill>
+                        <a:schemeClr val="tx1"/>
+                      </a:solidFill>
+                      <a:prstDash val="solid"/>
+                      <a:round/>
+                      <a:headEnd type="none" w="med" len="med"/>
+                      <a:tailEnd type="none" w="med" len="med"/>
+                    </a:lnR>
+                    <a:lnT w="12700" cap="flat" cmpd="sng" algn="ctr">
+                      <a:solidFill>
+                        <a:schemeClr val="tx1"/>
+                      </a:solidFill>
+                      <a:prstDash val="solid"/>
+                      <a:round/>
+                      <a:headEnd type="none" w="med" len="med"/>
+                      <a:tailEnd type="none" w="med" len="med"/>
+                    </a:lnT>
+                    <a:lnB w="12700" cap="flat" cmpd="sng" algn="ctr">
+                      <a:solidFill>
+                        <a:schemeClr val="tx1"/>
+                      </a:solidFill>
+                      <a:prstDash val="solid"/>
+                      <a:round/>
+                      <a:headEnd type="none" w="med" len="med"/>
+                      <a:tailEnd type="none" w="med" len="med"/>
+                    </a:lnB>
+                    <a:noFill/>
+                  </a:tcPr>
+                </a:tc>
+                <a:tc>
+                  <a:txBody>
+                    <a:bodyPr/>
+                    <a:lstStyle/>
+                    <a:p>
+                      <a:endParaRPr lang="ru-RU" dirty="0"/>
+                    </a:p>
+                  </a:txBody>
+                  <a:tcPr>
+                    <a:lnL w="12700" cap="flat" cmpd="sng" algn="ctr">
+                      <a:solidFill>
+                        <a:schemeClr val="tx1"/>
+                      </a:solidFill>
+                      <a:prstDash val="solid"/>
+                      <a:round/>
+                      <a:headEnd type="none" w="med" len="med"/>
+                      <a:tailEnd type="none" w="med" len="med"/>
+                    </a:lnL>
+                    <a:lnR w="12700" cap="flat" cmpd="sng" algn="ctr">
+                      <a:solidFill>
+                        <a:schemeClr val="tx1"/>
+                      </a:solidFill>
+                      <a:prstDash val="solid"/>
+                      <a:round/>
+                      <a:headEnd type="none" w="med" len="med"/>
+                      <a:tailEnd type="none" w="med" len="med"/>
+                    </a:lnR>
+                    <a:lnT w="12700" cap="flat" cmpd="sng" algn="ctr">
+                      <a:solidFill>
+                        <a:schemeClr val="tx1"/>
+                      </a:solidFill>
+                      <a:prstDash val="solid"/>
+                      <a:round/>
+                      <a:headEnd type="none" w="med" len="med"/>
+                      <a:tailEnd type="none" w="med" len="med"/>
+                    </a:lnT>
+                    <a:lnB w="12700" cap="flat" cmpd="sng" algn="ctr">
+                      <a:solidFill>
+                        <a:schemeClr val="tx1"/>
+                      </a:solidFill>
+                      <a:prstDash val="solid"/>
+                      <a:round/>
+                      <a:headEnd type="none" w="med" len="med"/>
+                      <a:tailEnd type="none" w="med" len="med"/>
+                    </a:lnB>
+                    <a:noFill/>
+                  </a:tcPr>
+                </a:tc>
+                <a:tc>
+                  <a:txBody>
+                    <a:bodyPr/>
+                    <a:lstStyle/>
+                    <a:p>
+                      <a:endParaRPr lang="ru-RU"/>
+                    </a:p>
+                  </a:txBody>
+                  <a:tcPr>
+                    <a:lnL w="12700" cap="flat" cmpd="sng" algn="ctr">
+                      <a:solidFill>
+                        <a:schemeClr val="tx1"/>
+                      </a:solidFill>
+                      <a:prstDash val="solid"/>
+                      <a:round/>
+                      <a:headEnd type="none" w="med" len="med"/>
+                      <a:tailEnd type="none" w="med" len="med"/>
+                    </a:lnL>
+                    <a:lnR w="12700" cap="flat" cmpd="sng" algn="ctr">
+                      <a:solidFill>
+                        <a:schemeClr val="tx1"/>
+                      </a:solidFill>
+                      <a:prstDash val="solid"/>
+                      <a:round/>
+                      <a:headEnd type="none" w="med" len="med"/>
+                      <a:tailEnd type="none" w="med" len="med"/>
+                    </a:lnR>
+                    <a:lnT w="12700" cap="flat" cmpd="sng" algn="ctr">
+                      <a:solidFill>
+                        <a:schemeClr val="tx1"/>
+                      </a:solidFill>
+                      <a:prstDash val="solid"/>
+                      <a:round/>
+                      <a:headEnd type="none" w="med" len="med"/>
+                      <a:tailEnd type="none" w="med" len="med"/>
+                    </a:lnT>
+                    <a:lnB w="12700" cap="flat" cmpd="sng" algn="ctr">
+                      <a:solidFill>
+                        <a:schemeClr val="tx1"/>
+                      </a:solidFill>
+                      <a:prstDash val="solid"/>
+                      <a:round/>
+                      <a:headEnd type="none" w="med" len="med"/>
+                      <a:tailEnd type="none" w="med" len="med"/>
+                    </a:lnB>
+                    <a:noFill/>
+                  </a:tcPr>
+                </a:tc>
+                <a:tc>
+                  <a:txBody>
+                    <a:bodyPr/>
+                    <a:lstStyle/>
+                    <a:p>
+                      <a:endParaRPr lang="ru-RU"/>
+                    </a:p>
+                  </a:txBody>
+                  <a:tcPr>
+                    <a:lnL w="12700" cap="flat" cmpd="sng" algn="ctr">
+                      <a:solidFill>
+                        <a:schemeClr val="tx1"/>
+                      </a:solidFill>
+                      <a:prstDash val="solid"/>
+                      <a:round/>
+                      <a:headEnd type="none" w="med" len="med"/>
+                      <a:tailEnd type="none" w="med" len="med"/>
+                    </a:lnL>
+                    <a:lnR w="12700" cap="flat" cmpd="sng" algn="ctr">
+                      <a:solidFill>
+                        <a:schemeClr val="tx1"/>
+                      </a:solidFill>
+                      <a:prstDash val="solid"/>
+                      <a:round/>
+                      <a:headEnd type="none" w="med" len="med"/>
+                      <a:tailEnd type="none" w="med" len="med"/>
+                    </a:lnR>
+                    <a:lnT w="12700" cap="flat" cmpd="sng" algn="ctr">
+                      <a:solidFill>
+                        <a:schemeClr val="tx1"/>
+                      </a:solidFill>
+                      <a:prstDash val="solid"/>
+                      <a:round/>
+                      <a:headEnd type="none" w="med" len="med"/>
+                      <a:tailEnd type="none" w="med" len="med"/>
+                    </a:lnT>
+                    <a:lnB w="12700" cap="flat" cmpd="sng" algn="ctr">
+                      <a:solidFill>
+                        <a:schemeClr val="tx1"/>
+                      </a:solidFill>
+                      <a:prstDash val="solid"/>
+                      <a:round/>
+                      <a:headEnd type="none" w="med" len="med"/>
+                      <a:tailEnd type="none" w="med" len="med"/>
+                    </a:lnB>
+                    <a:noFill/>
+                  </a:tcPr>
+                </a:tc>
+              </a:tr>
+              <a:tr h="370840">
+                <a:tc>
+                  <a:txBody>
+                    <a:bodyPr/>
+                    <a:lstStyle/>
+                    <a:p>
+                      <a:endParaRPr lang="ru-RU"/>
+                    </a:p>
+                  </a:txBody>
+                  <a:tcPr>
+                    <a:lnL w="12700" cap="flat" cmpd="sng" algn="ctr">
+                      <a:solidFill>
+                        <a:schemeClr val="tx1"/>
+                      </a:solidFill>
+                      <a:prstDash val="solid"/>
+                      <a:round/>
+                      <a:headEnd type="none" w="med" len="med"/>
+                      <a:tailEnd type="none" w="med" len="med"/>
+                    </a:lnL>
+                    <a:lnR w="12700" cap="flat" cmpd="sng" algn="ctr">
+                      <a:solidFill>
+                        <a:schemeClr val="tx1"/>
+                      </a:solidFill>
+                      <a:prstDash val="solid"/>
+                      <a:round/>
+                      <a:headEnd type="none" w="med" len="med"/>
+                      <a:tailEnd type="none" w="med" len="med"/>
+                    </a:lnR>
+                    <a:lnT w="12700" cap="flat" cmpd="sng" algn="ctr">
+                      <a:solidFill>
+                        <a:schemeClr val="tx1"/>
+                      </a:solidFill>
+                      <a:prstDash val="solid"/>
+                      <a:round/>
+                      <a:headEnd type="none" w="med" len="med"/>
+                      <a:tailEnd type="none" w="med" len="med"/>
+                    </a:lnT>
+                    <a:lnB w="12700" cap="flat" cmpd="sng" algn="ctr">
+                      <a:solidFill>
+                        <a:schemeClr val="tx1"/>
+                      </a:solidFill>
+                      <a:prstDash val="solid"/>
+                      <a:round/>
+                      <a:headEnd type="none" w="med" len="med"/>
+                      <a:tailEnd type="none" w="med" len="med"/>
+                    </a:lnB>
+                    <a:noFill/>
+                  </a:tcPr>
+                </a:tc>
+                <a:tc>
+                  <a:txBody>
+                    <a:bodyPr/>
+                    <a:lstStyle/>
+                    <a:p>
+                      <a:endParaRPr lang="ru-RU"/>
+                    </a:p>
+                  </a:txBody>
+                  <a:tcPr>
+                    <a:lnL w="12700" cap="flat" cmpd="sng" algn="ctr">
+                      <a:solidFill>
+                        <a:schemeClr val="tx1"/>
+                      </a:solidFill>
+                      <a:prstDash val="solid"/>
+                      <a:round/>
+                      <a:headEnd type="none" w="med" len="med"/>
+                      <a:tailEnd type="none" w="med" len="med"/>
+                    </a:lnL>
+                    <a:lnR w="12700" cap="flat" cmpd="sng" algn="ctr">
+                      <a:solidFill>
+                        <a:schemeClr val="tx1"/>
+                      </a:solidFill>
+                      <a:prstDash val="solid"/>
+                      <a:round/>
+                      <a:headEnd type="none" w="med" len="med"/>
+                      <a:tailEnd type="none" w="med" len="med"/>
+                    </a:lnR>
+                    <a:lnT w="12700" cap="flat" cmpd="sng" algn="ctr">
+                      <a:solidFill>
+                        <a:schemeClr val="tx1"/>
+                      </a:solidFill>
+                      <a:prstDash val="solid"/>
+                      <a:round/>
+                      <a:headEnd type="none" w="med" len="med"/>
+                      <a:tailEnd type="none" w="med" len="med"/>
+                    </a:lnT>
+                    <a:lnB w="12700" cap="flat" cmpd="sng" algn="ctr">
+                      <a:solidFill>
+                        <a:schemeClr val="tx1"/>
+                      </a:solidFill>
+                      <a:prstDash val="solid"/>
+                      <a:round/>
+                      <a:headEnd type="none" w="med" len="med"/>
+                      <a:tailEnd type="none" w="med" len="med"/>
+                    </a:lnB>
+                    <a:noFill/>
+                  </a:tcPr>
+                </a:tc>
+                <a:tc>
+                  <a:txBody>
+                    <a:bodyPr/>
+                    <a:lstStyle/>
+                    <a:p>
+                      <a:endParaRPr lang="ru-RU"/>
+                    </a:p>
+                  </a:txBody>
+                  <a:tcPr>
+                    <a:lnL w="12700" cap="flat" cmpd="sng" algn="ctr">
+                      <a:solidFill>
+                        <a:schemeClr val="tx1"/>
+                      </a:solidFill>
+                      <a:prstDash val="solid"/>
+                      <a:round/>
+                      <a:headEnd type="none" w="med" len="med"/>
+                      <a:tailEnd type="none" w="med" len="med"/>
+                    </a:lnL>
+                    <a:lnR w="12700" cap="flat" cmpd="sng" algn="ctr">
+                      <a:solidFill>
+                        <a:schemeClr val="tx1"/>
+                      </a:solidFill>
+                      <a:prstDash val="solid"/>
+                      <a:round/>
+                      <a:headEnd type="none" w="med" len="med"/>
+                      <a:tailEnd type="none" w="med" len="med"/>
+                    </a:lnR>
+                    <a:lnT w="12700" cap="flat" cmpd="sng" algn="ctr">
+                      <a:solidFill>
+                        <a:schemeClr val="tx1"/>
+                      </a:solidFill>
+                      <a:prstDash val="solid"/>
+                      <a:round/>
+                      <a:headEnd type="none" w="med" len="med"/>
+                      <a:tailEnd type="none" w="med" len="med"/>
+                    </a:lnT>
+                    <a:lnB w="12700" cap="flat" cmpd="sng" algn="ctr">
+                      <a:solidFill>
+                        <a:schemeClr val="tx1"/>
+                      </a:solidFill>
+                      <a:prstDash val="solid"/>
+                      <a:round/>
+                      <a:headEnd type="none" w="med" len="med"/>
+                      <a:tailEnd type="none" w="med" len="med"/>
+                    </a:lnB>
+                    <a:noFill/>
+                  </a:tcPr>
+                </a:tc>
+                <a:tc>
+                  <a:txBody>
+                    <a:bodyPr/>
+                    <a:lstStyle/>
+                    <a:p>
+                      <a:endParaRPr lang="ru-RU"/>
+                    </a:p>
+                  </a:txBody>
+                  <a:tcPr>
+                    <a:lnL w="12700" cap="flat" cmpd="sng" algn="ctr">
+                      <a:solidFill>
+                        <a:schemeClr val="tx1"/>
+                      </a:solidFill>
+                      <a:prstDash val="solid"/>
+                      <a:round/>
+                      <a:headEnd type="none" w="med" len="med"/>
+                      <a:tailEnd type="none" w="med" len="med"/>
+                    </a:lnL>
+                    <a:lnR w="12700" cap="flat" cmpd="sng" algn="ctr">
+                      <a:solidFill>
+                        <a:schemeClr val="tx1"/>
+                      </a:solidFill>
+                      <a:prstDash val="solid"/>
+                      <a:round/>
+                      <a:headEnd type="none" w="med" len="med"/>
+                      <a:tailEnd type="none" w="med" len="med"/>
+                    </a:lnR>
+                    <a:lnT w="12700" cap="flat" cmpd="sng" algn="ctr">
+                      <a:solidFill>
+                        <a:schemeClr val="tx1"/>
+                      </a:solidFill>
+                      <a:prstDash val="solid"/>
+                      <a:round/>
+                      <a:headEnd type="none" w="med" len="med"/>
+                      <a:tailEnd type="none" w="med" len="med"/>
+                    </a:lnT>
+                    <a:lnB w="12700" cap="flat" cmpd="sng" algn="ctr">
+                      <a:solidFill>
+                        <a:schemeClr val="tx1"/>
+                      </a:solidFill>
+                      <a:prstDash val="solid"/>
+                      <a:round/>
+                      <a:headEnd type="none" w="med" len="med"/>
+                      <a:tailEnd type="none" w="med" len="med"/>
+                    </a:lnB>
+                    <a:noFill/>
+                  </a:tcPr>
+                </a:tc>
+                <a:tc>
+                  <a:txBody>
+                    <a:bodyPr/>
+                    <a:lstStyle/>
+                    <a:p>
+                      <a:endParaRPr lang="ru-RU" dirty="0"/>
+                    </a:p>
+                  </a:txBody>
+                  <a:tcPr>
+                    <a:lnL w="12700" cap="flat" cmpd="sng" algn="ctr">
+                      <a:solidFill>
+                        <a:schemeClr val="tx1"/>
+                      </a:solidFill>
+                      <a:prstDash val="solid"/>
+                      <a:round/>
+                      <a:headEnd type="none" w="med" len="med"/>
+                      <a:tailEnd type="none" w="med" len="med"/>
+                    </a:lnL>
+                    <a:lnR w="12700" cap="flat" cmpd="sng" algn="ctr">
+                      <a:solidFill>
+                        <a:schemeClr val="tx1"/>
+                      </a:solidFill>
+                      <a:prstDash val="solid"/>
+                      <a:round/>
+                      <a:headEnd type="none" w="med" len="med"/>
+                      <a:tailEnd type="none" w="med" len="med"/>
+                    </a:lnR>
+                    <a:lnT w="12700" cap="flat" cmpd="sng" algn="ctr">
+                      <a:solidFill>
+                        <a:schemeClr val="tx1"/>
+                      </a:solidFill>
+                      <a:prstDash val="solid"/>
+                      <a:round/>
+                      <a:headEnd type="none" w="med" len="med"/>
+                      <a:tailEnd type="none" w="med" len="med"/>
+                    </a:lnT>
+                    <a:lnB w="12700" cap="flat" cmpd="sng" algn="ctr">
+                      <a:solidFill>
+                        <a:schemeClr val="tx1"/>
+                      </a:solidFill>
+                      <a:prstDash val="solid"/>
+                      <a:round/>
+                      <a:headEnd type="none" w="med" len="med"/>
+                      <a:tailEnd type="none" w="med" len="med"/>
+                    </a:lnB>
+                    <a:noFill/>
+                  </a:tcPr>
+                </a:tc>
+                <a:tc>
+                  <a:txBody>
+                    <a:bodyPr/>
+                    <a:lstStyle/>
+                    <a:p>
+                      <a:endParaRPr lang="ru-RU" dirty="0"/>
+                    </a:p>
+                  </a:txBody>
+                  <a:tcPr>
+                    <a:lnL w="12700" cap="flat" cmpd="sng" algn="ctr">
+                      <a:solidFill>
+                        <a:schemeClr val="tx1"/>
+                      </a:solidFill>
+                      <a:prstDash val="solid"/>
+                      <a:round/>
+                      <a:headEnd type="none" w="med" len="med"/>
+                      <a:tailEnd type="none" w="med" len="med"/>
+                    </a:lnL>
+                    <a:lnR w="12700" cap="flat" cmpd="sng" algn="ctr">
+                      <a:solidFill>
+                        <a:schemeClr val="tx1"/>
+                      </a:solidFill>
+                      <a:prstDash val="solid"/>
+                      <a:round/>
+                      <a:headEnd type="none" w="med" len="med"/>
+                      <a:tailEnd type="none" w="med" len="med"/>
+                    </a:lnR>
+                    <a:lnT w="12700" cap="flat" cmpd="sng" algn="ctr">
+                      <a:solidFill>
+                        <a:schemeClr val="tx1"/>
+                      </a:solidFill>
+                      <a:prstDash val="solid"/>
+                      <a:round/>
+                      <a:headEnd type="none" w="med" len="med"/>
+                      <a:tailEnd type="none" w="med" len="med"/>
+                    </a:lnT>
+                    <a:lnB w="12700" cap="flat" cmpd="sng" algn="ctr">
+                      <a:solidFill>
+                        <a:schemeClr val="tx1"/>
+                      </a:solidFill>
+                      <a:prstDash val="solid"/>
+                      <a:round/>
+                      <a:headEnd type="none" w="med" len="med"/>
+                      <a:tailEnd type="none" w="med" len="med"/>
+                    </a:lnB>
+                    <a:noFill/>
+                  </a:tcPr>
+                </a:tc>
+                <a:tc>
+                  <a:txBody>
+                    <a:bodyPr/>
+                    <a:lstStyle/>
+                    <a:p>
+                      <a:endParaRPr lang="ru-RU" dirty="0"/>
+                    </a:p>
+                  </a:txBody>
+                  <a:tcPr>
+                    <a:lnL w="12700" cap="flat" cmpd="sng" algn="ctr">
+                      <a:solidFill>
+                        <a:schemeClr val="tx1"/>
+                      </a:solidFill>
+                      <a:prstDash val="solid"/>
+                      <a:round/>
+                      <a:headEnd type="none" w="med" len="med"/>
+                      <a:tailEnd type="none" w="med" len="med"/>
+                    </a:lnL>
+                    <a:lnR w="12700" cap="flat" cmpd="sng" algn="ctr">
+                      <a:solidFill>
+                        <a:schemeClr val="tx1"/>
+                      </a:solidFill>
+                      <a:prstDash val="solid"/>
+                      <a:round/>
+                      <a:headEnd type="none" w="med" len="med"/>
+                      <a:tailEnd type="none" w="med" len="med"/>
+                    </a:lnR>
+                    <a:lnT w="12700" cap="flat" cmpd="sng" algn="ctr">
+                      <a:solidFill>
+                        <a:schemeClr val="tx1"/>
+                      </a:solidFill>
+                      <a:prstDash val="solid"/>
+                      <a:round/>
+                      <a:headEnd type="none" w="med" len="med"/>
+                      <a:tailEnd type="none" w="med" len="med"/>
+                    </a:lnT>
+                    <a:lnB w="12700" cap="flat" cmpd="sng" algn="ctr">
+                      <a:solidFill>
+                        <a:schemeClr val="tx1"/>
+                      </a:solidFill>
+                      <a:prstDash val="solid"/>
+                      <a:round/>
+                      <a:headEnd type="none" w="med" len="med"/>
+                      <a:tailEnd type="none" w="med" len="med"/>
+                    </a:lnB>
+                    <a:noFill/>
+                  </a:tcPr>
+                </a:tc>
+              </a:tr>
+            </a:tbl>
+          </a:graphicData>
+        </a:graphic>
+      </p:graphicFrame>
+      <p:grpSp>
+        <p:nvGrpSpPr>
+          <p:cNvPr id="5" name="Группа 4"/>
+          <p:cNvGrpSpPr/>
           <p:nvPr/>
-        </p:nvSpPr>
-        <p:spPr>
-          <a:xfrm>
-            <a:off x="3164788" y="260648"/>
-            <a:ext cx="2814425" cy="461665"/>
-          </a:xfrm>
-          <a:prstGeom prst="rect">
+        </p:nvGrpSpPr>
+        <p:grpSpPr>
+          <a:xfrm>
+            <a:off x="1831906" y="5913276"/>
+            <a:ext cx="5480188" cy="360040"/>
+            <a:chOff x="1122226" y="5913276"/>
+            <a:chExt cx="5480188" cy="360040"/>
+          </a:xfrm>
+        </p:grpSpPr>
+        <p:sp>
+          <p:nvSpPr>
+            <p:cNvPr id="6" name="Скругленный прямоугольник 5"/>
+            <p:cNvSpPr/>
+            <p:nvPr/>
+          </p:nvSpPr>
+          <p:spPr>
+            <a:xfrm>
+              <a:off x="1122226" y="5913276"/>
+              <a:ext cx="1728192" cy="360040"/>
+            </a:xfrm>
+            <a:prstGeom prst="roundRect">
+              <a:avLst/>
+            </a:prstGeom>
+          </p:spPr>
+          <p:style>
+            <a:lnRef idx="2">
+              <a:schemeClr val="accent1">
+                <a:shade val="50000"/>
+              </a:schemeClr>
+            </a:lnRef>
+            <a:fillRef idx="1">
+              <a:schemeClr val="accent1"/>
+            </a:fillRef>
+            <a:effectRef idx="0">
+              <a:schemeClr val="accent1"/>
+            </a:effectRef>
+            <a:fontRef idx="minor">
+              <a:schemeClr val="lt1"/>
+            </a:fontRef>
+          </p:style>
+          <p:txBody>
+            <a:bodyPr rtlCol="0" anchor="ctr"/>
+            <a:lstStyle/>
+            <a:p>
+              <a:pPr algn="ctr"/>
+              <a:r>
+                <a:rPr lang="ru-RU" dirty="0" smtClean="0"/>
+                <a:t>назад</a:t>
+              </a:r>
+              <a:endParaRPr lang="ru-RU" dirty="0"/>
+            </a:p>
+          </p:txBody>
+        </p:sp>
+        <p:sp>
+          <p:nvSpPr>
+            <p:cNvPr id="7" name="Скругленный прямоугольник 6"/>
+            <p:cNvSpPr/>
+            <p:nvPr/>
+          </p:nvSpPr>
+          <p:spPr>
+            <a:xfrm>
+              <a:off x="4758587" y="5913276"/>
+              <a:ext cx="1843827" cy="360040"/>
+            </a:xfrm>
+            <a:prstGeom prst="roundRect">
+              <a:avLst/>
+            </a:prstGeom>
+          </p:spPr>
+          <p:style>
+            <a:lnRef idx="2">
+              <a:schemeClr val="accent1">
+                <a:shade val="50000"/>
+              </a:schemeClr>
+            </a:lnRef>
+            <a:fillRef idx="1">
+              <a:schemeClr val="accent1"/>
+            </a:fillRef>
+            <a:effectRef idx="0">
+              <a:schemeClr val="accent1"/>
+            </a:effectRef>
+            <a:fontRef idx="minor">
+              <a:schemeClr val="lt1"/>
+            </a:fontRef>
+          </p:style>
+          <p:txBody>
+            <a:bodyPr rtlCol="0" anchor="ctr"/>
+            <a:lstStyle/>
+            <a:p>
+              <a:pPr algn="ctr"/>
+              <a:r>
+                <a:rPr lang="ru-RU" dirty="0" smtClean="0"/>
+                <a:t>показать</a:t>
+              </a:r>
+              <a:endParaRPr lang="ru-RU" dirty="0"/>
+            </a:p>
+          </p:txBody>
+        </p:sp>
+      </p:grpSp>
+      <p:sp>
+        <p:nvSpPr>
+          <p:cNvPr id="10" name="Блок-схема: объединение 9"/>
+          <p:cNvSpPr/>
+          <p:nvPr/>
+        </p:nvSpPr>
+        <p:spPr>
+          <a:xfrm>
+            <a:off x="2909145" y="1357869"/>
+            <a:ext cx="207640" cy="184666"/>
+          </a:xfrm>
+          <a:prstGeom prst="flowChartMerge">
             <a:avLst/>
           </a:prstGeom>
-          <a:noFill/>
-        </p:spPr>
-        <p:txBody>
-          <a:bodyPr wrap="none" rtlCol="0">
-            <a:spAutoFit/>
-          </a:bodyPr>
-          <a:lstStyle/>
-          <a:p>
-            <a:r>
-              <a:rPr lang="ru-RU" sz="2400" b="1" i="1" dirty="0" smtClean="0"/>
-              <a:t>Карточка проекта</a:t>
-            </a:r>
-            <a:endParaRPr lang="ru-RU" sz="2400" b="1" i="1" dirty="0"/>
-          </a:p>
-        </p:txBody>
-      </p:sp>
-      <p:sp>
-        <p:nvSpPr>
-          <p:cNvPr id="5" name="TextBox 4"/>
-          <p:cNvSpPr txBox="1"/>
-          <p:nvPr/>
-        </p:nvSpPr>
-        <p:spPr>
-          <a:xfrm>
-            <a:off x="932540" y="858778"/>
-            <a:ext cx="1122423" cy="369332"/>
-          </a:xfrm>
-          <a:prstGeom prst="rect">
-            <a:avLst/>
-          </a:prstGeom>
-          <a:noFill/>
-        </p:spPr>
-        <p:txBody>
-          <a:bodyPr wrap="none" rtlCol="0">
-            <a:spAutoFit/>
-          </a:bodyPr>
-          <a:lstStyle/>
-          <a:p>
-            <a:r>
-              <a:rPr lang="ru-RU" dirty="0" smtClean="0"/>
-              <a:t>Название</a:t>
-            </a:r>
-            <a:endParaRPr lang="ru-RU" dirty="0"/>
-          </a:p>
-        </p:txBody>
-      </p:sp>
-      <p:sp>
-        <p:nvSpPr>
-          <p:cNvPr id="6" name="Прямоугольник 5"/>
-          <p:cNvSpPr/>
-          <p:nvPr/>
-        </p:nvSpPr>
-        <p:spPr>
-          <a:xfrm>
-            <a:off x="932540" y="1228110"/>
-            <a:ext cx="2232248" cy="369332"/>
-          </a:xfrm>
-          <a:prstGeom prst="rect">
-            <a:avLst/>
-          </a:prstGeom>
-          <a:solidFill>
-            <a:schemeClr val="bg2"/>
-          </a:solidFill>
         </p:spPr>
         <p:style>
           <a:lnRef idx="2">
@@ -3642,14 +5499,14 @@
       </p:sp>
       <p:sp>
         <p:nvSpPr>
-          <p:cNvPr id="7" name="TextBox 6"/>
+          <p:cNvPr id="11" name="TextBox 10"/>
           <p:cNvSpPr txBox="1"/>
           <p:nvPr/>
         </p:nvSpPr>
         <p:spPr>
           <a:xfrm>
-            <a:off x="932540" y="1613767"/>
-            <a:ext cx="2218171" cy="369332"/>
+            <a:off x="1632287" y="858778"/>
+            <a:ext cx="938077" cy="369332"/>
           </a:xfrm>
           <a:prstGeom prst="rect">
             <a:avLst/>
@@ -3664,7 +5521,7 @@
           <a:p>
             <a:r>
               <a:rPr lang="ru-RU" dirty="0" smtClean="0"/>
-              <a:t>Дата начала проекта</a:t>
+              <a:t>Проект </a:t>
             </a:r>
             <a:endParaRPr lang="ru-RU" dirty="0"/>
           </a:p>
@@ -3672,43 +5529,13 @@
       </p:sp>
       <p:sp>
         <p:nvSpPr>
-          <p:cNvPr id="8" name="TextBox 7"/>
-          <p:cNvSpPr txBox="1"/>
-          <p:nvPr/>
-        </p:nvSpPr>
-        <p:spPr>
-          <a:xfrm>
-            <a:off x="932540" y="2355413"/>
-            <a:ext cx="2107565" cy="369332"/>
-          </a:xfrm>
-          <a:prstGeom prst="rect">
-            <a:avLst/>
-          </a:prstGeom>
-          <a:noFill/>
-        </p:spPr>
-        <p:txBody>
-          <a:bodyPr wrap="none" rtlCol="0">
-            <a:spAutoFit/>
-          </a:bodyPr>
-          <a:lstStyle/>
-          <a:p>
-            <a:r>
-              <a:rPr lang="ru-RU" dirty="0" smtClean="0"/>
-              <a:t>Дата сдачи проекта</a:t>
-            </a:r>
-            <a:endParaRPr lang="ru-RU" dirty="0"/>
-          </a:p>
-        </p:txBody>
-      </p:sp>
-      <p:sp>
-        <p:nvSpPr>
-          <p:cNvPr id="9" name="Прямоугольник 8"/>
+          <p:cNvPr id="12" name="Прямоугольник 11"/>
           <p:cNvSpPr/>
           <p:nvPr/>
         </p:nvSpPr>
         <p:spPr>
           <a:xfrm>
-            <a:off x="932540" y="1983099"/>
+            <a:off x="1632287" y="1228110"/>
             <a:ext cx="2232248" cy="369332"/>
           </a:xfrm>
           <a:prstGeom prst="rect">
@@ -3745,21 +5572,18 @@
       </p:sp>
       <p:sp>
         <p:nvSpPr>
-          <p:cNvPr id="10" name="Прямоугольник 9"/>
+          <p:cNvPr id="13" name="Блок-схема: объединение 12"/>
           <p:cNvSpPr/>
           <p:nvPr/>
         </p:nvSpPr>
         <p:spPr>
           <a:xfrm>
-            <a:off x="932540" y="2724745"/>
-            <a:ext cx="2232248" cy="369332"/>
-          </a:xfrm>
-          <a:prstGeom prst="rect">
+            <a:off x="3547366" y="1320443"/>
+            <a:ext cx="207640" cy="184666"/>
+          </a:xfrm>
+          <a:prstGeom prst="flowChartMerge">
             <a:avLst/>
           </a:prstGeom>
-          <a:solidFill>
-            <a:schemeClr val="bg2"/>
-          </a:solidFill>
         </p:spPr>
         <p:style>
           <a:lnRef idx="2">
@@ -3788,18 +5612,21 @@
       </p:sp>
       <p:sp>
         <p:nvSpPr>
-          <p:cNvPr id="11" name="Прямоугольник 10"/>
+          <p:cNvPr id="14" name="Прямоугольник 13"/>
           <p:cNvSpPr/>
           <p:nvPr/>
         </p:nvSpPr>
         <p:spPr>
           <a:xfrm>
-            <a:off x="2876756" y="2109255"/>
-            <a:ext cx="144016" cy="144016"/>
+            <a:off x="5264124" y="1228110"/>
+            <a:ext cx="2232248" cy="369332"/>
           </a:xfrm>
           <a:prstGeom prst="rect">
             <a:avLst/>
           </a:prstGeom>
+          <a:solidFill>
+            <a:schemeClr val="bg2"/>
+          </a:solidFill>
         </p:spPr>
         <p:style>
           <a:lnRef idx="2">
@@ -3828,16 +5655,46 @@
       </p:sp>
       <p:sp>
         <p:nvSpPr>
-          <p:cNvPr id="12" name="Прямоугольник 11"/>
+          <p:cNvPr id="15" name="TextBox 14"/>
+          <p:cNvSpPr txBox="1"/>
+          <p:nvPr/>
+        </p:nvSpPr>
+        <p:spPr>
+          <a:xfrm>
+            <a:off x="5269238" y="858778"/>
+            <a:ext cx="2491323" cy="369332"/>
+          </a:xfrm>
+          <a:prstGeom prst="rect">
+            <a:avLst/>
+          </a:prstGeom>
+          <a:noFill/>
+        </p:spPr>
+        <p:txBody>
+          <a:bodyPr wrap="none" rtlCol="0">
+            <a:spAutoFit/>
+          </a:bodyPr>
+          <a:lstStyle/>
+          <a:p>
+            <a:r>
+              <a:rPr lang="ru-RU" dirty="0" smtClean="0"/>
+              <a:t>Заказчик/изготовитель </a:t>
+            </a:r>
+            <a:endParaRPr lang="ru-RU" dirty="0"/>
+          </a:p>
+        </p:txBody>
+      </p:sp>
+      <p:sp>
+        <p:nvSpPr>
+          <p:cNvPr id="16" name="Блок-схема: объединение 15"/>
           <p:cNvSpPr/>
           <p:nvPr/>
         </p:nvSpPr>
         <p:spPr>
           <a:xfrm>
-            <a:off x="2885140" y="2837403"/>
-            <a:ext cx="144016" cy="144016"/>
-          </a:xfrm>
-          <a:prstGeom prst="rect">
+            <a:off x="7232066" y="1320443"/>
+            <a:ext cx="207640" cy="184666"/>
+          </a:xfrm>
+          <a:prstGeom prst="flowChartMerge">
             <a:avLst/>
           </a:prstGeom>
         </p:spPr>
@@ -3868,13 +5725,13 @@
       </p:sp>
       <p:sp>
         <p:nvSpPr>
-          <p:cNvPr id="13" name="Прямоугольник 12"/>
+          <p:cNvPr id="17" name="Прямоугольник 16"/>
           <p:cNvSpPr/>
           <p:nvPr/>
         </p:nvSpPr>
         <p:spPr>
           <a:xfrm>
-            <a:off x="4564377" y="1228110"/>
+            <a:off x="1658826" y="1994844"/>
             <a:ext cx="2232248" cy="369332"/>
           </a:xfrm>
           <a:prstGeom prst="rect">
@@ -3911,14 +5768,14 @@
       </p:sp>
       <p:sp>
         <p:nvSpPr>
-          <p:cNvPr id="14" name="TextBox 13"/>
+          <p:cNvPr id="18" name="TextBox 17"/>
           <p:cNvSpPr txBox="1"/>
           <p:nvPr/>
         </p:nvSpPr>
         <p:spPr>
           <a:xfrm>
-            <a:off x="4569491" y="858778"/>
-            <a:ext cx="1111010" cy="369332"/>
+            <a:off x="1658826" y="2366367"/>
+            <a:ext cx="1865832" cy="369332"/>
           </a:xfrm>
           <a:prstGeom prst="rect">
             <a:avLst/>
@@ -3933,7 +5790,7 @@
           <a:p>
             <a:r>
               <a:rPr lang="ru-RU" dirty="0" smtClean="0"/>
-              <a:t>Заказчик </a:t>
+              <a:t>Форма заготовки</a:t>
             </a:r>
             <a:endParaRPr lang="ru-RU" dirty="0"/>
           </a:p>
@@ -3941,13 +5798,13 @@
       </p:sp>
       <p:sp>
         <p:nvSpPr>
-          <p:cNvPr id="15" name="Прямоугольник 14"/>
+          <p:cNvPr id="19" name="Прямоугольник 18"/>
           <p:cNvSpPr/>
           <p:nvPr/>
         </p:nvSpPr>
         <p:spPr>
           <a:xfrm>
-            <a:off x="4569491" y="1993046"/>
+            <a:off x="1658826" y="2735699"/>
             <a:ext cx="2232248" cy="369332"/>
           </a:xfrm>
           <a:prstGeom prst="rect">
@@ -3984,51 +5841,18 @@
       </p:sp>
       <p:sp>
         <p:nvSpPr>
-          <p:cNvPr id="16" name="TextBox 15"/>
-          <p:cNvSpPr txBox="1"/>
+          <p:cNvPr id="20" name="Блок-схема: объединение 19"/>
+          <p:cNvSpPr/>
           <p:nvPr/>
         </p:nvSpPr>
         <p:spPr>
           <a:xfrm>
-            <a:off x="4574605" y="1623714"/>
-            <a:ext cx="2108911" cy="369332"/>
-          </a:xfrm>
-          <a:prstGeom prst="rect">
+            <a:off x="3573315" y="2087177"/>
+            <a:ext cx="207640" cy="184666"/>
+          </a:xfrm>
+          <a:prstGeom prst="flowChartMerge">
             <a:avLst/>
           </a:prstGeom>
-          <a:noFill/>
-        </p:spPr>
-        <p:txBody>
-          <a:bodyPr wrap="none" rtlCol="0">
-            <a:spAutoFit/>
-          </a:bodyPr>
-          <a:lstStyle/>
-          <a:p>
-            <a:r>
-              <a:rPr lang="ru-RU" dirty="0" smtClean="0"/>
-              <a:t>Стоимость проекта </a:t>
-            </a:r>
-            <a:endParaRPr lang="ru-RU" dirty="0"/>
-          </a:p>
-        </p:txBody>
-      </p:sp>
-      <p:sp>
-        <p:nvSpPr>
-          <p:cNvPr id="17" name="Прямоугольник 16"/>
-          <p:cNvSpPr/>
-          <p:nvPr/>
-        </p:nvSpPr>
-        <p:spPr>
-          <a:xfrm>
-            <a:off x="4574605" y="2721763"/>
-            <a:ext cx="2232248" cy="369332"/>
-          </a:xfrm>
-          <a:prstGeom prst="rect">
-            <a:avLst/>
-          </a:prstGeom>
-          <a:solidFill>
-            <a:schemeClr val="bg2"/>
-          </a:solidFill>
         </p:spPr>
         <p:style>
           <a:lnRef idx="2">
@@ -4057,81 +5881,18 @@
       </p:sp>
       <p:sp>
         <p:nvSpPr>
-          <p:cNvPr id="18" name="TextBox 17"/>
-          <p:cNvSpPr txBox="1"/>
+          <p:cNvPr id="21" name="Блок-схема: объединение 20"/>
+          <p:cNvSpPr/>
           <p:nvPr/>
         </p:nvSpPr>
         <p:spPr>
           <a:xfrm>
-            <a:off x="4579719" y="2352431"/>
-            <a:ext cx="813043" cy="369332"/>
-          </a:xfrm>
-          <a:prstGeom prst="rect">
+            <a:off x="3575828" y="2828032"/>
+            <a:ext cx="207640" cy="184666"/>
+          </a:xfrm>
+          <a:prstGeom prst="flowChartMerge">
             <a:avLst/>
           </a:prstGeom>
-          <a:noFill/>
-        </p:spPr>
-        <p:txBody>
-          <a:bodyPr wrap="none" rtlCol="0">
-            <a:spAutoFit/>
-          </a:bodyPr>
-          <a:lstStyle/>
-          <a:p>
-            <a:r>
-              <a:rPr lang="ru-RU" dirty="0" smtClean="0"/>
-              <a:t>Аванс </a:t>
-            </a:r>
-            <a:endParaRPr lang="ru-RU" dirty="0"/>
-          </a:p>
-        </p:txBody>
-      </p:sp>
-      <p:sp>
-        <p:nvSpPr>
-          <p:cNvPr id="19" name="TextBox 18"/>
-          <p:cNvSpPr txBox="1"/>
-          <p:nvPr/>
-        </p:nvSpPr>
-        <p:spPr>
-          <a:xfrm>
-            <a:off x="4579719" y="3076787"/>
-            <a:ext cx="1360565" cy="369332"/>
-          </a:xfrm>
-          <a:prstGeom prst="rect">
-            <a:avLst/>
-          </a:prstGeom>
-          <a:noFill/>
-        </p:spPr>
-        <p:txBody>
-          <a:bodyPr wrap="none" rtlCol="0">
-            <a:spAutoFit/>
-          </a:bodyPr>
-          <a:lstStyle/>
-          <a:p>
-            <a:r>
-              <a:rPr lang="ru-RU" dirty="0" smtClean="0"/>
-              <a:t>Дата аванса</a:t>
-            </a:r>
-            <a:endParaRPr lang="ru-RU" dirty="0"/>
-          </a:p>
-        </p:txBody>
-      </p:sp>
-      <p:sp>
-        <p:nvSpPr>
-          <p:cNvPr id="20" name="Прямоугольник 19"/>
-          <p:cNvSpPr/>
-          <p:nvPr/>
-        </p:nvSpPr>
-        <p:spPr>
-          <a:xfrm>
-            <a:off x="4579719" y="3446119"/>
-            <a:ext cx="2232248" cy="369332"/>
-          </a:xfrm>
-          <a:prstGeom prst="rect">
-            <a:avLst/>
-          </a:prstGeom>
-          <a:solidFill>
-            <a:schemeClr val="bg2"/>
-          </a:solidFill>
         </p:spPr>
         <p:style>
           <a:lnRef idx="2">
@@ -4160,18 +5921,82 @@
       </p:sp>
       <p:sp>
         <p:nvSpPr>
-          <p:cNvPr id="21" name="Прямоугольник 20"/>
-          <p:cNvSpPr/>
+          <p:cNvPr id="22" name="TextBox 21"/>
+          <p:cNvSpPr txBox="1"/>
           <p:nvPr/>
         </p:nvSpPr>
         <p:spPr>
           <a:xfrm>
-            <a:off x="6532319" y="3558777"/>
-            <a:ext cx="144016" cy="144016"/>
+            <a:off x="1658826" y="1625512"/>
+            <a:ext cx="1169359" cy="369332"/>
           </a:xfrm>
           <a:prstGeom prst="rect">
             <a:avLst/>
           </a:prstGeom>
+          <a:noFill/>
+        </p:spPr>
+        <p:txBody>
+          <a:bodyPr wrap="none" rtlCol="0">
+            <a:spAutoFit/>
+          </a:bodyPr>
+          <a:lstStyle/>
+          <a:p>
+            <a:r>
+              <a:rPr lang="ru-RU" dirty="0" smtClean="0"/>
+              <a:t>Материал</a:t>
+            </a:r>
+            <a:endParaRPr lang="ru-RU" dirty="0"/>
+          </a:p>
+        </p:txBody>
+      </p:sp>
+      <p:sp>
+        <p:nvSpPr>
+          <p:cNvPr id="23" name="TextBox 22"/>
+          <p:cNvSpPr txBox="1"/>
+          <p:nvPr/>
+        </p:nvSpPr>
+        <p:spPr>
+          <a:xfrm>
+            <a:off x="2811748" y="260648"/>
+            <a:ext cx="3520516" cy="461665"/>
+          </a:xfrm>
+          <a:prstGeom prst="rect">
+            <a:avLst/>
+          </a:prstGeom>
+          <a:noFill/>
+        </p:spPr>
+        <p:txBody>
+          <a:bodyPr wrap="none" rtlCol="0">
+            <a:spAutoFit/>
+          </a:bodyPr>
+          <a:lstStyle/>
+          <a:p>
+            <a:pPr algn="ctr"/>
+            <a:r>
+              <a:rPr lang="ru-RU" sz="2400" b="1" i="1" dirty="0" smtClean="0"/>
+              <a:t>Форма запроса деталей</a:t>
+            </a:r>
+            <a:endParaRPr lang="ru-RU" sz="2400" b="1" i="1" dirty="0"/>
+          </a:p>
+        </p:txBody>
+      </p:sp>
+      <p:sp>
+        <p:nvSpPr>
+          <p:cNvPr id="24" name="Прямоугольник 23"/>
+          <p:cNvSpPr/>
+          <p:nvPr/>
+        </p:nvSpPr>
+        <p:spPr>
+          <a:xfrm>
+            <a:off x="5274056" y="1994844"/>
+            <a:ext cx="2232248" cy="369332"/>
+          </a:xfrm>
+          <a:prstGeom prst="rect">
+            <a:avLst/>
+          </a:prstGeom>
+          <a:solidFill>
+            <a:schemeClr val="bg2"/>
+          </a:solidFill>
         </p:spPr>
         <p:style>
           <a:lnRef idx="2">
@@ -4200,18 +6025,51 @@
       </p:sp>
       <p:sp>
         <p:nvSpPr>
-          <p:cNvPr id="23" name="Блок-схема: объединение 22"/>
+          <p:cNvPr id="25" name="TextBox 24"/>
+          <p:cNvSpPr txBox="1"/>
+          <p:nvPr/>
+        </p:nvSpPr>
+        <p:spPr>
+          <a:xfrm>
+            <a:off x="5279170" y="1625512"/>
+            <a:ext cx="1431097" cy="369332"/>
+          </a:xfrm>
+          <a:prstGeom prst="rect">
+            <a:avLst/>
+          </a:prstGeom>
+          <a:noFill/>
+        </p:spPr>
+        <p:txBody>
+          <a:bodyPr wrap="none" rtlCol="0">
+            <a:spAutoFit/>
+          </a:bodyPr>
+          <a:lstStyle/>
+          <a:p>
+            <a:r>
+              <a:rPr lang="ru-RU" dirty="0" smtClean="0"/>
+              <a:t>Дата начала </a:t>
+            </a:r>
+            <a:endParaRPr lang="ru-RU" dirty="0"/>
+          </a:p>
+        </p:txBody>
+      </p:sp>
+      <p:sp>
+        <p:nvSpPr>
+          <p:cNvPr id="27" name="Прямоугольник 26"/>
           <p:cNvSpPr/>
           <p:nvPr/>
         </p:nvSpPr>
         <p:spPr>
           <a:xfrm>
-            <a:off x="6532319" y="1320443"/>
-            <a:ext cx="207640" cy="184666"/>
-          </a:xfrm>
-          <a:prstGeom prst="flowChartMerge">
+            <a:off x="5287053" y="2745105"/>
+            <a:ext cx="2232248" cy="369332"/>
+          </a:xfrm>
+          <a:prstGeom prst="rect">
             <a:avLst/>
           </a:prstGeom>
+          <a:solidFill>
+            <a:schemeClr val="bg2"/>
+          </a:solidFill>
         </p:spPr>
         <p:style>
           <a:lnRef idx="2">
@@ -4240,16 +6098,46 @@
       </p:sp>
       <p:sp>
         <p:nvSpPr>
-          <p:cNvPr id="24" name="Скругленный прямоугольник 23"/>
+          <p:cNvPr id="28" name="TextBox 27"/>
+          <p:cNvSpPr txBox="1"/>
+          <p:nvPr/>
+        </p:nvSpPr>
+        <p:spPr>
+          <a:xfrm>
+            <a:off x="5292167" y="2375773"/>
+            <a:ext cx="1798121" cy="369332"/>
+          </a:xfrm>
+          <a:prstGeom prst="rect">
+            <a:avLst/>
+          </a:prstGeom>
+          <a:noFill/>
+        </p:spPr>
+        <p:txBody>
+          <a:bodyPr wrap="none" rtlCol="0">
+            <a:spAutoFit/>
+          </a:bodyPr>
+          <a:lstStyle/>
+          <a:p>
+            <a:r>
+              <a:rPr lang="ru-RU" dirty="0" smtClean="0"/>
+              <a:t>Дата окончания </a:t>
+            </a:r>
+            <a:endParaRPr lang="ru-RU" dirty="0"/>
+          </a:p>
+        </p:txBody>
+      </p:sp>
+      <p:sp>
+        <p:nvSpPr>
+          <p:cNvPr id="30" name="Прямоугольник 29"/>
           <p:cNvSpPr/>
           <p:nvPr/>
         </p:nvSpPr>
         <p:spPr>
           <a:xfrm>
-            <a:off x="1122226" y="5913276"/>
-            <a:ext cx="1728192" cy="360040"/>
-          </a:xfrm>
-          <a:prstGeom prst="roundRect">
+            <a:off x="7263878" y="2096262"/>
+            <a:ext cx="144016" cy="144016"/>
+          </a:xfrm>
+          <a:prstGeom prst="rect">
             <a:avLst/>
           </a:prstGeom>
         </p:spPr>
@@ -4274,26 +6162,22 @@
           <a:lstStyle/>
           <a:p>
             <a:pPr algn="ctr"/>
-            <a:r>
-              <a:rPr lang="ru-RU" dirty="0" smtClean="0"/>
-              <a:t>назад</a:t>
-            </a:r>
-            <a:endParaRPr lang="ru-RU" dirty="0"/>
-          </a:p>
-        </p:txBody>
-      </p:sp>
-      <p:sp>
-        <p:nvSpPr>
-          <p:cNvPr id="25" name="Скругленный прямоугольник 24"/>
+            <a:endParaRPr lang="ru-RU"/>
+          </a:p>
+        </p:txBody>
+      </p:sp>
+      <p:sp>
+        <p:nvSpPr>
+          <p:cNvPr id="31" name="Прямоугольник 30"/>
           <p:cNvSpPr/>
           <p:nvPr/>
         </p:nvSpPr>
         <p:spPr>
           <a:xfrm>
-            <a:off x="4758587" y="5913276"/>
-            <a:ext cx="1843827" cy="360040"/>
-          </a:xfrm>
-          <a:prstGeom prst="roundRect">
+            <a:off x="7263878" y="2857763"/>
+            <a:ext cx="144016" cy="144016"/>
+          </a:xfrm>
+          <a:prstGeom prst="rect">
             <a:avLst/>
           </a:prstGeom>
         </p:spPr>
@@ -4318,101 +6202,258 @@
           <a:lstStyle/>
           <a:p>
             <a:pPr algn="ctr"/>
-            <a:r>
-              <a:rPr lang="ru-RU" dirty="0" smtClean="0"/>
-              <a:t>сохранить</a:t>
-            </a:r>
-            <a:endParaRPr lang="ru-RU" dirty="0"/>
-          </a:p>
-        </p:txBody>
-      </p:sp>
-      <p:sp>
-        <p:nvSpPr>
-          <p:cNvPr id="28" name="Прямоугольник 27"/>
-          <p:cNvSpPr/>
+            <a:endParaRPr lang="ru-RU"/>
+          </a:p>
+        </p:txBody>
+      </p:sp>
+      <p:sp>
+        <p:nvSpPr>
+          <p:cNvPr id="33" name="TextBox 32"/>
+          <p:cNvSpPr txBox="1"/>
           <p:nvPr/>
         </p:nvSpPr>
         <p:spPr>
           <a:xfrm>
-            <a:off x="932540" y="3464077"/>
-            <a:ext cx="2232248" cy="369332"/>
+            <a:off x="1266408" y="3804081"/>
+            <a:ext cx="421910" cy="369332"/>
           </a:xfrm>
           <a:prstGeom prst="rect">
             <a:avLst/>
           </a:prstGeom>
-          <a:solidFill>
-            <a:schemeClr val="bg2"/>
-          </a:solidFill>
-        </p:spPr>
-        <p:style>
-          <a:lnRef idx="2">
-            <a:schemeClr val="accent1">
-              <a:shade val="50000"/>
-            </a:schemeClr>
-          </a:lnRef>
-          <a:fillRef idx="1">
-            <a:schemeClr val="accent1"/>
-          </a:fillRef>
-          <a:effectRef idx="0">
-            <a:schemeClr val="accent1"/>
-          </a:effectRef>
-          <a:fontRef idx="minor">
-            <a:schemeClr val="lt1"/>
-          </a:fontRef>
-        </p:style>
-        <p:txBody>
-          <a:bodyPr rtlCol="0" anchor="ctr"/>
-          <a:lstStyle/>
-          <a:p>
-            <a:pPr algn="ctr"/>
-            <a:endParaRPr lang="ru-RU"/>
-          </a:p>
-        </p:txBody>
-      </p:sp>
-      <p:sp>
-        <p:nvSpPr>
-          <p:cNvPr id="29" name="Прямоугольник 28"/>
-          <p:cNvSpPr/>
+          <a:noFill/>
+        </p:spPr>
+        <p:txBody>
+          <a:bodyPr wrap="none" rtlCol="0">
+            <a:spAutoFit/>
+          </a:bodyPr>
+          <a:lstStyle/>
+          <a:p>
+            <a:r>
+              <a:rPr lang="ru-RU" dirty="0" smtClean="0"/>
+              <a:t>№</a:t>
+            </a:r>
+            <a:endParaRPr lang="ru-RU" dirty="0"/>
+          </a:p>
+        </p:txBody>
+      </p:sp>
+      <p:sp>
+        <p:nvSpPr>
+          <p:cNvPr id="34" name="TextBox 33"/>
+          <p:cNvSpPr txBox="1"/>
           <p:nvPr/>
         </p:nvSpPr>
         <p:spPr>
           <a:xfrm>
-            <a:off x="2885140" y="3576735"/>
-            <a:ext cx="144016" cy="144016"/>
+            <a:off x="1605994" y="3429000"/>
+            <a:ext cx="4762458" cy="369332"/>
           </a:xfrm>
           <a:prstGeom prst="rect">
             <a:avLst/>
           </a:prstGeom>
-        </p:spPr>
-        <p:style>
-          <a:lnRef idx="2">
-            <a:schemeClr val="accent1">
-              <a:shade val="50000"/>
-            </a:schemeClr>
-          </a:lnRef>
-          <a:fillRef idx="1">
-            <a:schemeClr val="accent1"/>
-          </a:fillRef>
-          <a:effectRef idx="0">
-            <a:schemeClr val="accent1"/>
-          </a:effectRef>
-          <a:fontRef idx="minor">
-            <a:schemeClr val="lt1"/>
-          </a:fontRef>
-        </p:style>
-        <p:txBody>
-          <a:bodyPr rtlCol="0" anchor="ctr"/>
-          <a:lstStyle/>
-          <a:p>
-            <a:pPr algn="ctr"/>
-            <a:endParaRPr lang="ru-RU"/>
+          <a:noFill/>
+        </p:spPr>
+        <p:txBody>
+          <a:bodyPr wrap="none" rtlCol="0">
+            <a:spAutoFit/>
+          </a:bodyPr>
+          <a:lstStyle/>
+          <a:p>
+            <a:r>
+              <a:rPr lang="ru-RU" dirty="0" smtClean="0"/>
+              <a:t>Таблица выводит все детали согласно фильтра</a:t>
+            </a:r>
+            <a:endParaRPr lang="ru-RU" dirty="0"/>
+          </a:p>
+        </p:txBody>
+      </p:sp>
+      <p:sp>
+        <p:nvSpPr>
+          <p:cNvPr id="35" name="TextBox 34"/>
+          <p:cNvSpPr txBox="1"/>
+          <p:nvPr/>
+        </p:nvSpPr>
+        <p:spPr>
+          <a:xfrm>
+            <a:off x="2143226" y="3850246"/>
+            <a:ext cx="795411" cy="276999"/>
+          </a:xfrm>
+          <a:prstGeom prst="rect">
+            <a:avLst/>
+          </a:prstGeom>
+          <a:noFill/>
+        </p:spPr>
+        <p:txBody>
+          <a:bodyPr wrap="none" rtlCol="0">
+            <a:spAutoFit/>
+          </a:bodyPr>
+          <a:lstStyle/>
+          <a:p>
+            <a:r>
+              <a:rPr lang="ru-RU" sz="1200" dirty="0" smtClean="0"/>
+              <a:t>название</a:t>
+            </a:r>
+            <a:endParaRPr lang="ru-RU" sz="1200" dirty="0"/>
+          </a:p>
+        </p:txBody>
+      </p:sp>
+      <p:sp>
+        <p:nvSpPr>
+          <p:cNvPr id="36" name="TextBox 35"/>
+          <p:cNvSpPr txBox="1"/>
+          <p:nvPr/>
+        </p:nvSpPr>
+        <p:spPr>
+          <a:xfrm>
+            <a:off x="3147724" y="3850245"/>
+            <a:ext cx="812851" cy="276999"/>
+          </a:xfrm>
+          <a:prstGeom prst="rect">
+            <a:avLst/>
+          </a:prstGeom>
+          <a:noFill/>
+        </p:spPr>
+        <p:txBody>
+          <a:bodyPr wrap="none" rtlCol="0">
+            <a:spAutoFit/>
+          </a:bodyPr>
+          <a:lstStyle/>
+          <a:p>
+            <a:r>
+              <a:rPr lang="ru-RU" sz="1200" dirty="0" smtClean="0"/>
+              <a:t>материал</a:t>
+            </a:r>
+            <a:endParaRPr lang="ru-RU" sz="1200" dirty="0"/>
+          </a:p>
+        </p:txBody>
+      </p:sp>
+      <p:sp>
+        <p:nvSpPr>
+          <p:cNvPr id="37" name="TextBox 36"/>
+          <p:cNvSpPr txBox="1"/>
+          <p:nvPr/>
+        </p:nvSpPr>
+        <p:spPr>
+          <a:xfrm>
+            <a:off x="4291156" y="3850247"/>
+            <a:ext cx="620683" cy="276999"/>
+          </a:xfrm>
+          <a:prstGeom prst="rect">
+            <a:avLst/>
+          </a:prstGeom>
+          <a:noFill/>
+        </p:spPr>
+        <p:txBody>
+          <a:bodyPr wrap="none" rtlCol="0">
+            <a:spAutoFit/>
+          </a:bodyPr>
+          <a:lstStyle/>
+          <a:p>
+            <a:r>
+              <a:rPr lang="ru-RU" sz="1200" dirty="0" smtClean="0"/>
+              <a:t>форма</a:t>
+            </a:r>
+            <a:endParaRPr lang="ru-RU" sz="1200" dirty="0"/>
+          </a:p>
+        </p:txBody>
+      </p:sp>
+      <p:sp>
+        <p:nvSpPr>
+          <p:cNvPr id="38" name="TextBox 37"/>
+          <p:cNvSpPr txBox="1"/>
+          <p:nvPr/>
+        </p:nvSpPr>
+        <p:spPr>
+          <a:xfrm>
+            <a:off x="5168014" y="3850250"/>
+            <a:ext cx="856196" cy="276999"/>
+          </a:xfrm>
+          <a:prstGeom prst="rect">
+            <a:avLst/>
+          </a:prstGeom>
+          <a:noFill/>
+        </p:spPr>
+        <p:txBody>
+          <a:bodyPr wrap="none" rtlCol="0">
+            <a:spAutoFit/>
+          </a:bodyPr>
+          <a:lstStyle/>
+          <a:p>
+            <a:r>
+              <a:rPr lang="ru-RU" sz="1200" dirty="0" smtClean="0"/>
+              <a:t>стоимость</a:t>
+            </a:r>
+            <a:endParaRPr lang="ru-RU" sz="1200" dirty="0"/>
+          </a:p>
+        </p:txBody>
+      </p:sp>
+      <p:sp>
+        <p:nvSpPr>
+          <p:cNvPr id="39" name="TextBox 38"/>
+          <p:cNvSpPr txBox="1"/>
+          <p:nvPr/>
+        </p:nvSpPr>
+        <p:spPr>
+          <a:xfrm>
+            <a:off x="7129722" y="3840725"/>
+            <a:ext cx="1044966" cy="276999"/>
+          </a:xfrm>
+          <a:prstGeom prst="rect">
+            <a:avLst/>
+          </a:prstGeom>
+          <a:noFill/>
+        </p:spPr>
+        <p:txBody>
+          <a:bodyPr wrap="none" rtlCol="0">
+            <a:spAutoFit/>
+          </a:bodyPr>
+          <a:lstStyle/>
+          <a:p>
+            <a:r>
+              <a:rPr lang="ru-RU" sz="1200" dirty="0" smtClean="0"/>
+              <a:t>изготовитель</a:t>
+            </a:r>
+            <a:endParaRPr lang="ru-RU" sz="1200" dirty="0"/>
+          </a:p>
+        </p:txBody>
+      </p:sp>
+      <p:sp>
+        <p:nvSpPr>
+          <p:cNvPr id="40" name="TextBox 39"/>
+          <p:cNvSpPr txBox="1"/>
+          <p:nvPr/>
+        </p:nvSpPr>
+        <p:spPr>
+          <a:xfrm>
+            <a:off x="6084756" y="3850250"/>
+            <a:ext cx="1019574" cy="276999"/>
+          </a:xfrm>
+          <a:prstGeom prst="rect">
+            <a:avLst/>
+          </a:prstGeom>
+          <a:noFill/>
+        </p:spPr>
+        <p:txBody>
+          <a:bodyPr wrap="none" rtlCol="0">
+            <a:spAutoFit/>
+          </a:bodyPr>
+          <a:lstStyle/>
+          <a:p>
+            <a:r>
+              <a:rPr lang="ru-RU" sz="1200" dirty="0" smtClean="0"/>
+              <a:t>Дата </a:t>
+            </a:r>
+            <a:r>
+              <a:rPr lang="ru-RU" sz="1200" dirty="0" err="1" smtClean="0"/>
+              <a:t>изготов</a:t>
+            </a:r>
+            <a:endParaRPr lang="ru-RU" sz="1200" dirty="0"/>
           </a:p>
         </p:txBody>
       </p:sp>
     </p:spTree>
     <p:extLst>
       <p:ext uri="{BB962C8B-B14F-4D97-AF65-F5344CB8AC3E}">
-        <p14:creationId xmlns:p14="http://schemas.microsoft.com/office/powerpoint/2010/main" val="3491792678"/>
+        <p14:creationId xmlns:p14="http://schemas.microsoft.com/office/powerpoint/2010/main" val="3965372332"/>
       </p:ext>
     </p:extLst>
   </p:cSld>
@@ -4448,14 +6489,14 @@
       </p:grpSpPr>
       <p:sp>
         <p:nvSpPr>
-          <p:cNvPr id="7" name="TextBox 6"/>
+          <p:cNvPr id="4" name="TextBox 3"/>
           <p:cNvSpPr txBox="1"/>
           <p:nvPr/>
         </p:nvSpPr>
         <p:spPr>
           <a:xfrm>
-            <a:off x="3069834" y="188639"/>
-            <a:ext cx="2969274" cy="461665"/>
+            <a:off x="3836061" y="260648"/>
+            <a:ext cx="1471878" cy="461665"/>
           </a:xfrm>
           <a:prstGeom prst="rect">
             <a:avLst/>
@@ -4471,7 +6512,7 @@
             <a:pPr algn="ctr"/>
             <a:r>
               <a:rPr lang="ru-RU" sz="2400" b="1" i="1" dirty="0" smtClean="0"/>
-              <a:t>Карточка заказчика</a:t>
+              <a:t>Проекты</a:t>
             </a:r>
             <a:endParaRPr lang="ru-RU" sz="2400" b="1" i="1" dirty="0"/>
           </a:p>
@@ -4479,51 +6520,18 @@
       </p:sp>
       <p:sp>
         <p:nvSpPr>
-          <p:cNvPr id="8" name="TextBox 7"/>
-          <p:cNvSpPr txBox="1"/>
+          <p:cNvPr id="30" name="Скругленный прямоугольник 29"/>
+          <p:cNvSpPr/>
           <p:nvPr/>
         </p:nvSpPr>
         <p:spPr>
           <a:xfrm>
-            <a:off x="971600" y="847130"/>
-            <a:ext cx="1122423" cy="369332"/>
-          </a:xfrm>
-          <a:prstGeom prst="rect">
+            <a:off x="3707904" y="5913276"/>
+            <a:ext cx="1728192" cy="360040"/>
+          </a:xfrm>
+          <a:prstGeom prst="roundRect">
             <a:avLst/>
           </a:prstGeom>
-          <a:noFill/>
-        </p:spPr>
-        <p:txBody>
-          <a:bodyPr wrap="none" rtlCol="0">
-            <a:spAutoFit/>
-          </a:bodyPr>
-          <a:lstStyle/>
-          <a:p>
-            <a:r>
-              <a:rPr lang="ru-RU" dirty="0" smtClean="0"/>
-              <a:t>Название</a:t>
-            </a:r>
-            <a:endParaRPr lang="ru-RU" dirty="0"/>
-          </a:p>
-        </p:txBody>
-      </p:sp>
-      <p:sp>
-        <p:nvSpPr>
-          <p:cNvPr id="9" name="Прямоугольник 8"/>
-          <p:cNvSpPr/>
-          <p:nvPr/>
-        </p:nvSpPr>
-        <p:spPr>
-          <a:xfrm>
-            <a:off x="971600" y="1216462"/>
-            <a:ext cx="2232248" cy="369332"/>
-          </a:xfrm>
-          <a:prstGeom prst="rect">
-            <a:avLst/>
-          </a:prstGeom>
-          <a:solidFill>
-            <a:schemeClr val="bg2"/>
-          </a:solidFill>
         </p:spPr>
         <p:style>
           <a:lnRef idx="2">
@@ -4546,361 +6554,384 @@
           <a:lstStyle/>
           <a:p>
             <a:pPr algn="ctr"/>
-            <a:endParaRPr lang="ru-RU"/>
-          </a:p>
-        </p:txBody>
-      </p:sp>
-      <p:sp>
-        <p:nvSpPr>
-          <p:cNvPr id="10" name="TextBox 9"/>
-          <p:cNvSpPr txBox="1"/>
+            <a:r>
+              <a:rPr lang="ru-RU" dirty="0" smtClean="0"/>
+              <a:t>Выход </a:t>
+            </a:r>
+            <a:endParaRPr lang="ru-RU" dirty="0"/>
+          </a:p>
+        </p:txBody>
+      </p:sp>
+      <p:grpSp>
+        <p:nvGrpSpPr>
+          <p:cNvPr id="40" name="Группа 39"/>
+          <p:cNvGrpSpPr/>
           <p:nvPr/>
-        </p:nvSpPr>
-        <p:spPr>
-          <a:xfrm>
-            <a:off x="4566951" y="858778"/>
-            <a:ext cx="780983" cy="369332"/>
-          </a:xfrm>
-          <a:prstGeom prst="rect">
-            <a:avLst/>
-          </a:prstGeom>
-          <a:noFill/>
-        </p:spPr>
-        <p:txBody>
-          <a:bodyPr wrap="none" rtlCol="0">
-            <a:spAutoFit/>
-          </a:bodyPr>
-          <a:lstStyle/>
-          <a:p>
-            <a:r>
-              <a:rPr lang="ru-RU" dirty="0" smtClean="0"/>
-              <a:t>Адрес</a:t>
-            </a:r>
-            <a:endParaRPr lang="ru-RU" dirty="0"/>
-          </a:p>
-        </p:txBody>
-      </p:sp>
-      <p:sp>
-        <p:nvSpPr>
-          <p:cNvPr id="11" name="Прямоугольник 10"/>
-          <p:cNvSpPr/>
-          <p:nvPr/>
-        </p:nvSpPr>
-        <p:spPr>
-          <a:xfrm>
-            <a:off x="4566951" y="1228110"/>
-            <a:ext cx="2232248" cy="369332"/>
-          </a:xfrm>
-          <a:prstGeom prst="rect">
-            <a:avLst/>
-          </a:prstGeom>
-          <a:solidFill>
-            <a:schemeClr val="bg2"/>
-          </a:solidFill>
-        </p:spPr>
-        <p:style>
-          <a:lnRef idx="2">
-            <a:schemeClr val="accent1">
-              <a:shade val="50000"/>
-            </a:schemeClr>
-          </a:lnRef>
-          <a:fillRef idx="1">
-            <a:schemeClr val="accent1"/>
-          </a:fillRef>
-          <a:effectRef idx="0">
-            <a:schemeClr val="accent1"/>
-          </a:effectRef>
-          <a:fontRef idx="minor">
-            <a:schemeClr val="lt1"/>
-          </a:fontRef>
-        </p:style>
-        <p:txBody>
-          <a:bodyPr rtlCol="0" anchor="ctr"/>
-          <a:lstStyle/>
-          <a:p>
-            <a:pPr algn="ctr"/>
-            <a:endParaRPr lang="ru-RU"/>
-          </a:p>
-        </p:txBody>
-      </p:sp>
-      <p:sp>
-        <p:nvSpPr>
-          <p:cNvPr id="12" name="TextBox 11"/>
-          <p:cNvSpPr txBox="1"/>
-          <p:nvPr/>
-        </p:nvSpPr>
-        <p:spPr>
-          <a:xfrm>
-            <a:off x="4566951" y="1585794"/>
-            <a:ext cx="760144" cy="369332"/>
-          </a:xfrm>
-          <a:prstGeom prst="rect">
-            <a:avLst/>
-          </a:prstGeom>
-          <a:noFill/>
-        </p:spPr>
-        <p:txBody>
-          <a:bodyPr wrap="none" rtlCol="0">
-            <a:spAutoFit/>
-          </a:bodyPr>
-          <a:lstStyle/>
-          <a:p>
-            <a:r>
-              <a:rPr lang="ru-RU" dirty="0" smtClean="0"/>
-              <a:t>Почта</a:t>
-            </a:r>
-            <a:endParaRPr lang="ru-RU" dirty="0"/>
-          </a:p>
-        </p:txBody>
-      </p:sp>
-      <p:sp>
-        <p:nvSpPr>
-          <p:cNvPr id="13" name="Прямоугольник 12"/>
-          <p:cNvSpPr/>
-          <p:nvPr/>
-        </p:nvSpPr>
-        <p:spPr>
-          <a:xfrm>
-            <a:off x="4566951" y="1955126"/>
-            <a:ext cx="2232248" cy="369332"/>
-          </a:xfrm>
-          <a:prstGeom prst="rect">
-            <a:avLst/>
-          </a:prstGeom>
-          <a:solidFill>
-            <a:schemeClr val="bg2"/>
-          </a:solidFill>
-        </p:spPr>
-        <p:style>
-          <a:lnRef idx="2">
-            <a:schemeClr val="accent1">
-              <a:shade val="50000"/>
-            </a:schemeClr>
-          </a:lnRef>
-          <a:fillRef idx="1">
-            <a:schemeClr val="accent1"/>
-          </a:fillRef>
-          <a:effectRef idx="0">
-            <a:schemeClr val="accent1"/>
-          </a:effectRef>
-          <a:fontRef idx="minor">
-            <a:schemeClr val="lt1"/>
-          </a:fontRef>
-        </p:style>
-        <p:txBody>
-          <a:bodyPr rtlCol="0" anchor="ctr"/>
-          <a:lstStyle/>
-          <a:p>
-            <a:pPr algn="ctr"/>
-            <a:endParaRPr lang="ru-RU"/>
-          </a:p>
-        </p:txBody>
-      </p:sp>
-      <p:sp>
-        <p:nvSpPr>
-          <p:cNvPr id="14" name="TextBox 13"/>
-          <p:cNvSpPr txBox="1"/>
-          <p:nvPr/>
-        </p:nvSpPr>
-        <p:spPr>
-          <a:xfrm>
-            <a:off x="4566951" y="2330014"/>
-            <a:ext cx="1058816" cy="369332"/>
-          </a:xfrm>
-          <a:prstGeom prst="rect">
-            <a:avLst/>
-          </a:prstGeom>
-          <a:noFill/>
-        </p:spPr>
-        <p:txBody>
-          <a:bodyPr wrap="none" rtlCol="0">
-            <a:spAutoFit/>
-          </a:bodyPr>
-          <a:lstStyle/>
-          <a:p>
-            <a:r>
-              <a:rPr lang="ru-RU" dirty="0" smtClean="0"/>
-              <a:t>Телефон </a:t>
-            </a:r>
-            <a:endParaRPr lang="ru-RU" dirty="0"/>
-          </a:p>
-        </p:txBody>
-      </p:sp>
-      <p:sp>
-        <p:nvSpPr>
-          <p:cNvPr id="15" name="Прямоугольник 14"/>
-          <p:cNvSpPr/>
-          <p:nvPr/>
-        </p:nvSpPr>
-        <p:spPr>
-          <a:xfrm>
-            <a:off x="4566951" y="2699346"/>
-            <a:ext cx="2232248" cy="369332"/>
-          </a:xfrm>
-          <a:prstGeom prst="rect">
-            <a:avLst/>
-          </a:prstGeom>
-          <a:solidFill>
-            <a:schemeClr val="bg2"/>
-          </a:solidFill>
-        </p:spPr>
-        <p:style>
-          <a:lnRef idx="2">
-            <a:schemeClr val="accent1">
-              <a:shade val="50000"/>
-            </a:schemeClr>
-          </a:lnRef>
-          <a:fillRef idx="1">
-            <a:schemeClr val="accent1"/>
-          </a:fillRef>
-          <a:effectRef idx="0">
-            <a:schemeClr val="accent1"/>
-          </a:effectRef>
-          <a:fontRef idx="minor">
-            <a:schemeClr val="lt1"/>
-          </a:fontRef>
-        </p:style>
-        <p:txBody>
-          <a:bodyPr rtlCol="0" anchor="ctr"/>
-          <a:lstStyle/>
-          <a:p>
-            <a:pPr algn="ctr"/>
-            <a:endParaRPr lang="ru-RU"/>
-          </a:p>
-        </p:txBody>
-      </p:sp>
-      <p:sp>
-        <p:nvSpPr>
-          <p:cNvPr id="16" name="Блок-схема: объединение 15"/>
-          <p:cNvSpPr/>
-          <p:nvPr/>
-        </p:nvSpPr>
-        <p:spPr>
-          <a:xfrm>
-            <a:off x="6478626" y="2791679"/>
-            <a:ext cx="207640" cy="184666"/>
-          </a:xfrm>
-          <a:prstGeom prst="flowChartMerge">
-            <a:avLst/>
-          </a:prstGeom>
-        </p:spPr>
-        <p:style>
-          <a:lnRef idx="2">
-            <a:schemeClr val="accent1">
-              <a:shade val="50000"/>
-            </a:schemeClr>
-          </a:lnRef>
-          <a:fillRef idx="1">
-            <a:schemeClr val="accent1"/>
-          </a:fillRef>
-          <a:effectRef idx="0">
-            <a:schemeClr val="accent1"/>
-          </a:effectRef>
-          <a:fontRef idx="minor">
-            <a:schemeClr val="lt1"/>
-          </a:fontRef>
-        </p:style>
-        <p:txBody>
-          <a:bodyPr rtlCol="0" anchor="ctr"/>
-          <a:lstStyle/>
-          <a:p>
-            <a:pPr algn="ctr"/>
-            <a:endParaRPr lang="ru-RU"/>
-          </a:p>
-        </p:txBody>
-      </p:sp>
-      <p:sp>
-        <p:nvSpPr>
-          <p:cNvPr id="17" name="Скругленный прямоугольник 16"/>
-          <p:cNvSpPr/>
-          <p:nvPr/>
-        </p:nvSpPr>
-        <p:spPr>
-          <a:xfrm>
-            <a:off x="1122226" y="5913276"/>
-            <a:ext cx="1728192" cy="360040"/>
-          </a:xfrm>
-          <a:prstGeom prst="roundRect">
-            <a:avLst/>
-          </a:prstGeom>
-        </p:spPr>
-        <p:style>
-          <a:lnRef idx="2">
-            <a:schemeClr val="accent1">
-              <a:shade val="50000"/>
-            </a:schemeClr>
-          </a:lnRef>
-          <a:fillRef idx="1">
-            <a:schemeClr val="accent1"/>
-          </a:fillRef>
-          <a:effectRef idx="0">
-            <a:schemeClr val="accent1"/>
-          </a:effectRef>
-          <a:fontRef idx="minor">
-            <a:schemeClr val="lt1"/>
-          </a:fontRef>
-        </p:style>
-        <p:txBody>
-          <a:bodyPr rtlCol="0" anchor="ctr"/>
-          <a:lstStyle/>
-          <a:p>
-            <a:pPr algn="ctr"/>
-            <a:r>
-              <a:rPr lang="ru-RU" dirty="0" smtClean="0"/>
-              <a:t>назад</a:t>
-            </a:r>
-            <a:endParaRPr lang="ru-RU" dirty="0"/>
-          </a:p>
-        </p:txBody>
-      </p:sp>
-      <p:sp>
-        <p:nvSpPr>
-          <p:cNvPr id="18" name="Скругленный прямоугольник 17"/>
-          <p:cNvSpPr/>
-          <p:nvPr/>
-        </p:nvSpPr>
-        <p:spPr>
-          <a:xfrm>
-            <a:off x="4758587" y="5913276"/>
-            <a:ext cx="1843827" cy="360040"/>
-          </a:xfrm>
-          <a:prstGeom prst="roundRect">
-            <a:avLst/>
-          </a:prstGeom>
-        </p:spPr>
-        <p:style>
-          <a:lnRef idx="2">
-            <a:schemeClr val="accent1">
-              <a:shade val="50000"/>
-            </a:schemeClr>
-          </a:lnRef>
-          <a:fillRef idx="1">
-            <a:schemeClr val="accent1"/>
-          </a:fillRef>
-          <a:effectRef idx="0">
-            <a:schemeClr val="accent1"/>
-          </a:effectRef>
-          <a:fontRef idx="minor">
-            <a:schemeClr val="lt1"/>
-          </a:fontRef>
-        </p:style>
-        <p:txBody>
-          <a:bodyPr rtlCol="0" anchor="ctr"/>
-          <a:lstStyle/>
-          <a:p>
-            <a:pPr algn="ctr"/>
-            <a:r>
-              <a:rPr lang="ru-RU" dirty="0" smtClean="0"/>
-              <a:t>сохранить</a:t>
-            </a:r>
-            <a:endParaRPr lang="ru-RU" dirty="0"/>
-          </a:p>
-        </p:txBody>
-      </p:sp>
+        </p:nvGrpSpPr>
+        <p:grpSpPr>
+          <a:xfrm>
+            <a:off x="784283" y="1131533"/>
+            <a:ext cx="7575434" cy="4032775"/>
+            <a:chOff x="812990" y="1131533"/>
+            <a:chExt cx="7575434" cy="4032775"/>
+          </a:xfrm>
+        </p:grpSpPr>
+        <p:sp>
+          <p:nvSpPr>
+            <p:cNvPr id="31" name="Скругленный прямоугольник 30"/>
+            <p:cNvSpPr/>
+            <p:nvPr/>
+          </p:nvSpPr>
+          <p:spPr>
+            <a:xfrm>
+              <a:off x="6292972" y="4813233"/>
+              <a:ext cx="1857908" cy="351075"/>
+            </a:xfrm>
+            <a:prstGeom prst="roundRect">
+              <a:avLst/>
+            </a:prstGeom>
+          </p:spPr>
+          <p:style>
+            <a:lnRef idx="2">
+              <a:schemeClr val="accent1">
+                <a:shade val="50000"/>
+              </a:schemeClr>
+            </a:lnRef>
+            <a:fillRef idx="1">
+              <a:schemeClr val="accent1"/>
+            </a:fillRef>
+            <a:effectRef idx="0">
+              <a:schemeClr val="accent1"/>
+            </a:effectRef>
+            <a:fontRef idx="minor">
+              <a:schemeClr val="lt1"/>
+            </a:fontRef>
+          </p:style>
+          <p:txBody>
+            <a:bodyPr rtlCol="0" anchor="ctr"/>
+            <a:lstStyle/>
+            <a:p>
+              <a:pPr algn="ctr"/>
+              <a:r>
+                <a:rPr lang="ru-RU" dirty="0" smtClean="0"/>
+                <a:t>Создать деталь</a:t>
+              </a:r>
+              <a:endParaRPr lang="ru-RU" dirty="0"/>
+            </a:p>
+          </p:txBody>
+        </p:sp>
+        <p:sp>
+          <p:nvSpPr>
+            <p:cNvPr id="13" name="Прямоугольник 12"/>
+            <p:cNvSpPr/>
+            <p:nvPr/>
+          </p:nvSpPr>
+          <p:spPr>
+            <a:xfrm>
+              <a:off x="812990" y="1491669"/>
+              <a:ext cx="2249295" cy="3089460"/>
+            </a:xfrm>
+            <a:prstGeom prst="rect">
+              <a:avLst/>
+            </a:prstGeom>
+            <a:solidFill>
+              <a:schemeClr val="bg2"/>
+            </a:solidFill>
+          </p:spPr>
+          <p:style>
+            <a:lnRef idx="2">
+              <a:schemeClr val="accent1">
+                <a:shade val="50000"/>
+              </a:schemeClr>
+            </a:lnRef>
+            <a:fillRef idx="1">
+              <a:schemeClr val="accent1"/>
+            </a:fillRef>
+            <a:effectRef idx="0">
+              <a:schemeClr val="accent1"/>
+            </a:effectRef>
+            <a:fontRef idx="minor">
+              <a:schemeClr val="lt1"/>
+            </a:fontRef>
+          </p:style>
+          <p:txBody>
+            <a:bodyPr rtlCol="0" anchor="ctr"/>
+            <a:lstStyle/>
+            <a:p>
+              <a:pPr algn="ctr"/>
+              <a:endParaRPr lang="ru-RU"/>
+            </a:p>
+          </p:txBody>
+        </p:sp>
+        <p:sp>
+          <p:nvSpPr>
+            <p:cNvPr id="14" name="TextBox 13"/>
+            <p:cNvSpPr txBox="1"/>
+            <p:nvPr/>
+          </p:nvSpPr>
+          <p:spPr>
+            <a:xfrm>
+              <a:off x="818143" y="1131533"/>
+              <a:ext cx="1153608" cy="360136"/>
+            </a:xfrm>
+            <a:prstGeom prst="rect">
+              <a:avLst/>
+            </a:prstGeom>
+            <a:noFill/>
+          </p:spPr>
+          <p:txBody>
+            <a:bodyPr wrap="none" rtlCol="0">
+              <a:spAutoFit/>
+            </a:bodyPr>
+            <a:lstStyle/>
+            <a:p>
+              <a:r>
+                <a:rPr lang="ru-RU" dirty="0" smtClean="0"/>
+                <a:t>Проекты  </a:t>
+              </a:r>
+              <a:endParaRPr lang="ru-RU" dirty="0"/>
+            </a:p>
+          </p:txBody>
+        </p:sp>
+        <p:sp>
+          <p:nvSpPr>
+            <p:cNvPr id="32" name="Прямоугольник 31"/>
+            <p:cNvSpPr/>
+            <p:nvPr/>
+          </p:nvSpPr>
+          <p:spPr>
+            <a:xfrm>
+              <a:off x="3454486" y="1491669"/>
+              <a:ext cx="2249295" cy="3089460"/>
+            </a:xfrm>
+            <a:prstGeom prst="rect">
+              <a:avLst/>
+            </a:prstGeom>
+            <a:solidFill>
+              <a:schemeClr val="bg2"/>
+            </a:solidFill>
+          </p:spPr>
+          <p:style>
+            <a:lnRef idx="2">
+              <a:schemeClr val="accent1">
+                <a:shade val="50000"/>
+              </a:schemeClr>
+            </a:lnRef>
+            <a:fillRef idx="1">
+              <a:schemeClr val="accent1"/>
+            </a:fillRef>
+            <a:effectRef idx="0">
+              <a:schemeClr val="accent1"/>
+            </a:effectRef>
+            <a:fontRef idx="minor">
+              <a:schemeClr val="lt1"/>
+            </a:fontRef>
+          </p:style>
+          <p:txBody>
+            <a:bodyPr rtlCol="0" anchor="ctr"/>
+            <a:lstStyle/>
+            <a:p>
+              <a:pPr algn="ctr"/>
+              <a:endParaRPr lang="ru-RU"/>
+            </a:p>
+          </p:txBody>
+        </p:sp>
+        <p:sp>
+          <p:nvSpPr>
+            <p:cNvPr id="33" name="TextBox 32"/>
+            <p:cNvSpPr txBox="1"/>
+            <p:nvPr/>
+          </p:nvSpPr>
+          <p:spPr>
+            <a:xfrm>
+              <a:off x="3459639" y="1131533"/>
+              <a:ext cx="2738185" cy="369332"/>
+            </a:xfrm>
+            <a:prstGeom prst="rect">
+              <a:avLst/>
+            </a:prstGeom>
+            <a:noFill/>
+          </p:spPr>
+          <p:txBody>
+            <a:bodyPr wrap="none" rtlCol="0">
+              <a:spAutoFit/>
+            </a:bodyPr>
+            <a:lstStyle/>
+            <a:p>
+              <a:r>
+                <a:rPr lang="ru-RU" dirty="0" smtClean="0"/>
+                <a:t>Заказчики/изготовители   </a:t>
+              </a:r>
+              <a:endParaRPr lang="ru-RU" dirty="0"/>
+            </a:p>
+          </p:txBody>
+        </p:sp>
+        <p:sp>
+          <p:nvSpPr>
+            <p:cNvPr id="34" name="Прямоугольник 33"/>
+            <p:cNvSpPr/>
+            <p:nvPr/>
+          </p:nvSpPr>
+          <p:spPr>
+            <a:xfrm>
+              <a:off x="6139129" y="1491669"/>
+              <a:ext cx="2249295" cy="3089460"/>
+            </a:xfrm>
+            <a:prstGeom prst="rect">
+              <a:avLst/>
+            </a:prstGeom>
+            <a:solidFill>
+              <a:schemeClr val="bg2"/>
+            </a:solidFill>
+          </p:spPr>
+          <p:style>
+            <a:lnRef idx="2">
+              <a:schemeClr val="accent1">
+                <a:shade val="50000"/>
+              </a:schemeClr>
+            </a:lnRef>
+            <a:fillRef idx="1">
+              <a:schemeClr val="accent1"/>
+            </a:fillRef>
+            <a:effectRef idx="0">
+              <a:schemeClr val="accent1"/>
+            </a:effectRef>
+            <a:fontRef idx="minor">
+              <a:schemeClr val="lt1"/>
+            </a:fontRef>
+          </p:style>
+          <p:txBody>
+            <a:bodyPr rtlCol="0" anchor="ctr"/>
+            <a:lstStyle/>
+            <a:p>
+              <a:pPr algn="ctr"/>
+              <a:endParaRPr lang="ru-RU"/>
+            </a:p>
+          </p:txBody>
+        </p:sp>
+        <p:sp>
+          <p:nvSpPr>
+            <p:cNvPr id="35" name="TextBox 34"/>
+            <p:cNvSpPr txBox="1"/>
+            <p:nvPr/>
+          </p:nvSpPr>
+          <p:spPr>
+            <a:xfrm>
+              <a:off x="6144282" y="1131533"/>
+              <a:ext cx="1055594" cy="360136"/>
+            </a:xfrm>
+            <a:prstGeom prst="rect">
+              <a:avLst/>
+            </a:prstGeom>
+            <a:noFill/>
+          </p:spPr>
+          <p:txBody>
+            <a:bodyPr wrap="none" rtlCol="0">
+              <a:spAutoFit/>
+            </a:bodyPr>
+            <a:lstStyle/>
+            <a:p>
+              <a:r>
+                <a:rPr lang="ru-RU" dirty="0" smtClean="0"/>
+                <a:t>Детали   </a:t>
+              </a:r>
+              <a:endParaRPr lang="ru-RU" dirty="0"/>
+            </a:p>
+          </p:txBody>
+        </p:sp>
+        <p:sp>
+          <p:nvSpPr>
+            <p:cNvPr id="38" name="Скругленный прямоугольник 37"/>
+            <p:cNvSpPr/>
+            <p:nvPr/>
+          </p:nvSpPr>
+          <p:spPr>
+            <a:xfrm>
+              <a:off x="1007200" y="4813233"/>
+              <a:ext cx="1857908" cy="351075"/>
+            </a:xfrm>
+            <a:prstGeom prst="roundRect">
+              <a:avLst/>
+            </a:prstGeom>
+          </p:spPr>
+          <p:style>
+            <a:lnRef idx="2">
+              <a:schemeClr val="accent1">
+                <a:shade val="50000"/>
+              </a:schemeClr>
+            </a:lnRef>
+            <a:fillRef idx="1">
+              <a:schemeClr val="accent1"/>
+            </a:fillRef>
+            <a:effectRef idx="0">
+              <a:schemeClr val="accent1"/>
+            </a:effectRef>
+            <a:fontRef idx="minor">
+              <a:schemeClr val="lt1"/>
+            </a:fontRef>
+          </p:style>
+          <p:txBody>
+            <a:bodyPr rtlCol="0" anchor="ctr"/>
+            <a:lstStyle/>
+            <a:p>
+              <a:pPr algn="ctr"/>
+              <a:r>
+                <a:rPr lang="ru-RU" dirty="0" smtClean="0"/>
+                <a:t>Создать проект</a:t>
+              </a:r>
+              <a:endParaRPr lang="ru-RU" dirty="0"/>
+            </a:p>
+          </p:txBody>
+        </p:sp>
+        <p:sp>
+          <p:nvSpPr>
+            <p:cNvPr id="39" name="Скругленный прямоугольник 38"/>
+            <p:cNvSpPr/>
+            <p:nvPr/>
+          </p:nvSpPr>
+          <p:spPr>
+            <a:xfrm>
+              <a:off x="3650086" y="4813233"/>
+              <a:ext cx="1857908" cy="351075"/>
+            </a:xfrm>
+            <a:prstGeom prst="roundRect">
+              <a:avLst/>
+            </a:prstGeom>
+          </p:spPr>
+          <p:style>
+            <a:lnRef idx="2">
+              <a:schemeClr val="accent1">
+                <a:shade val="50000"/>
+              </a:schemeClr>
+            </a:lnRef>
+            <a:fillRef idx="1">
+              <a:schemeClr val="accent1"/>
+            </a:fillRef>
+            <a:effectRef idx="0">
+              <a:schemeClr val="accent1"/>
+            </a:effectRef>
+            <a:fontRef idx="minor">
+              <a:schemeClr val="lt1"/>
+            </a:fontRef>
+          </p:style>
+          <p:txBody>
+            <a:bodyPr rtlCol="0" anchor="ctr"/>
+            <a:lstStyle/>
+            <a:p>
+              <a:pPr algn="ctr"/>
+              <a:r>
+                <a:rPr lang="ru-RU" dirty="0" smtClean="0"/>
+                <a:t>Добавить </a:t>
+              </a:r>
+              <a:endParaRPr lang="ru-RU" dirty="0"/>
+            </a:p>
+          </p:txBody>
+        </p:sp>
+      </p:grpSp>
     </p:spTree>
     <p:extLst>
       <p:ext uri="{BB962C8B-B14F-4D97-AF65-F5344CB8AC3E}">
-        <p14:creationId xmlns:p14="http://schemas.microsoft.com/office/powerpoint/2010/main" val="1288358584"/>
+        <p14:creationId xmlns:p14="http://schemas.microsoft.com/office/powerpoint/2010/main" val="3491792678"/>
       </p:ext>
     </p:extLst>
   </p:cSld>
@@ -4942,8 +6973,8 @@
         </p:nvSpPr>
         <p:spPr>
           <a:xfrm>
-            <a:off x="3240931" y="260648"/>
-            <a:ext cx="2662139" cy="461665"/>
+            <a:off x="3164788" y="260648"/>
+            <a:ext cx="2814425" cy="461665"/>
           </a:xfrm>
           <a:prstGeom prst="rect">
             <a:avLst/>
@@ -4958,12 +6989,115 @@
           <a:p>
             <a:r>
               <a:rPr lang="ru-RU" sz="2400" b="1" i="1" dirty="0" smtClean="0"/>
-              <a:t>Карточка детали</a:t>
+              <a:t>Карточка проекта</a:t>
             </a:r>
             <a:endParaRPr lang="ru-RU" sz="2400" b="1" i="1" dirty="0"/>
           </a:p>
         </p:txBody>
       </p:sp>
+      <p:grpSp>
+        <p:nvGrpSpPr>
+          <p:cNvPr id="2" name="Группа 1"/>
+          <p:cNvGrpSpPr/>
+          <p:nvPr/>
+        </p:nvGrpSpPr>
+        <p:grpSpPr>
+          <a:xfrm>
+            <a:off x="1831906" y="5913276"/>
+            <a:ext cx="5480188" cy="360040"/>
+            <a:chOff x="1122226" y="5913276"/>
+            <a:chExt cx="5480188" cy="360040"/>
+          </a:xfrm>
+        </p:grpSpPr>
+        <p:sp>
+          <p:nvSpPr>
+            <p:cNvPr id="24" name="Скругленный прямоугольник 23"/>
+            <p:cNvSpPr/>
+            <p:nvPr/>
+          </p:nvSpPr>
+          <p:spPr>
+            <a:xfrm>
+              <a:off x="1122226" y="5913276"/>
+              <a:ext cx="1728192" cy="360040"/>
+            </a:xfrm>
+            <a:prstGeom prst="roundRect">
+              <a:avLst/>
+            </a:prstGeom>
+          </p:spPr>
+          <p:style>
+            <a:lnRef idx="2">
+              <a:schemeClr val="accent1">
+                <a:shade val="50000"/>
+              </a:schemeClr>
+            </a:lnRef>
+            <a:fillRef idx="1">
+              <a:schemeClr val="accent1"/>
+            </a:fillRef>
+            <a:effectRef idx="0">
+              <a:schemeClr val="accent1"/>
+            </a:effectRef>
+            <a:fontRef idx="minor">
+              <a:schemeClr val="lt1"/>
+            </a:fontRef>
+          </p:style>
+          <p:txBody>
+            <a:bodyPr rtlCol="0" anchor="ctr"/>
+            <a:lstStyle/>
+            <a:p>
+              <a:pPr algn="ctr"/>
+              <a:r>
+                <a:rPr lang="ru-RU" dirty="0" smtClean="0"/>
+                <a:t>назад</a:t>
+              </a:r>
+              <a:endParaRPr lang="ru-RU" dirty="0"/>
+            </a:p>
+          </p:txBody>
+        </p:sp>
+        <p:sp>
+          <p:nvSpPr>
+            <p:cNvPr id="25" name="Скругленный прямоугольник 24"/>
+            <p:cNvSpPr/>
+            <p:nvPr/>
+          </p:nvSpPr>
+          <p:spPr>
+            <a:xfrm>
+              <a:off x="4758587" y="5913276"/>
+              <a:ext cx="1843827" cy="360040"/>
+            </a:xfrm>
+            <a:prstGeom prst="roundRect">
+              <a:avLst/>
+            </a:prstGeom>
+          </p:spPr>
+          <p:style>
+            <a:lnRef idx="2">
+              <a:schemeClr val="accent1">
+                <a:shade val="50000"/>
+              </a:schemeClr>
+            </a:lnRef>
+            <a:fillRef idx="1">
+              <a:schemeClr val="accent1"/>
+            </a:fillRef>
+            <a:effectRef idx="0">
+              <a:schemeClr val="accent1"/>
+            </a:effectRef>
+            <a:fontRef idx="minor">
+              <a:schemeClr val="lt1"/>
+            </a:fontRef>
+          </p:style>
+          <p:txBody>
+            <a:bodyPr rtlCol="0" anchor="ctr"/>
+            <a:lstStyle/>
+            <a:p>
+              <a:pPr algn="ctr"/>
+              <a:r>
+                <a:rPr lang="ru-RU" dirty="0" smtClean="0"/>
+                <a:t>сохранить</a:t>
+              </a:r>
+              <a:endParaRPr lang="ru-RU" dirty="0"/>
+            </a:p>
+          </p:txBody>
+        </p:sp>
+      </p:grpSp>
       <p:sp>
         <p:nvSpPr>
           <p:cNvPr id="5" name="TextBox 4"/>
@@ -4972,7 +7106,7 @@
         </p:nvSpPr>
         <p:spPr>
           <a:xfrm>
-            <a:off x="965301" y="858778"/>
+            <a:off x="1632287" y="858778"/>
             <a:ext cx="1122423" cy="369332"/>
           </a:xfrm>
           <a:prstGeom prst="rect">
@@ -5002,7 +7136,7 @@
         </p:nvSpPr>
         <p:spPr>
           <a:xfrm>
-            <a:off x="965301" y="1228110"/>
+            <a:off x="1632287" y="1228110"/>
             <a:ext cx="2232248" cy="369332"/>
           </a:xfrm>
           <a:prstGeom prst="rect">
@@ -5039,14 +7173,14 @@
       </p:sp>
       <p:sp>
         <p:nvSpPr>
-          <p:cNvPr id="11" name="TextBox 10"/>
+          <p:cNvPr id="7" name="TextBox 6"/>
           <p:cNvSpPr txBox="1"/>
           <p:nvPr/>
         </p:nvSpPr>
         <p:spPr>
           <a:xfrm>
-            <a:off x="4572000" y="858778"/>
-            <a:ext cx="885179" cy="369332"/>
+            <a:off x="1632287" y="1613767"/>
+            <a:ext cx="2218171" cy="369332"/>
           </a:xfrm>
           <a:prstGeom prst="rect">
             <a:avLst/>
@@ -5061,7 +7195,7 @@
           <a:p>
             <a:r>
               <a:rPr lang="ru-RU" dirty="0" smtClean="0"/>
-              <a:t>Проект</a:t>
+              <a:t>Дата начала проекта</a:t>
             </a:r>
             <a:endParaRPr lang="ru-RU" dirty="0"/>
           </a:p>
@@ -5069,13 +7203,43 @@
       </p:sp>
       <p:sp>
         <p:nvSpPr>
-          <p:cNvPr id="12" name="Прямоугольник 11"/>
+          <p:cNvPr id="8" name="TextBox 7"/>
+          <p:cNvSpPr txBox="1"/>
+          <p:nvPr/>
+        </p:nvSpPr>
+        <p:spPr>
+          <a:xfrm>
+            <a:off x="1632287" y="2355413"/>
+            <a:ext cx="2107565" cy="369332"/>
+          </a:xfrm>
+          <a:prstGeom prst="rect">
+            <a:avLst/>
+          </a:prstGeom>
+          <a:noFill/>
+        </p:spPr>
+        <p:txBody>
+          <a:bodyPr wrap="none" rtlCol="0">
+            <a:spAutoFit/>
+          </a:bodyPr>
+          <a:lstStyle/>
+          <a:p>
+            <a:r>
+              <a:rPr lang="ru-RU" dirty="0" smtClean="0"/>
+              <a:t>Дата сдачи проекта</a:t>
+            </a:r>
+            <a:endParaRPr lang="ru-RU" dirty="0"/>
+          </a:p>
+        </p:txBody>
+      </p:sp>
+      <p:sp>
+        <p:nvSpPr>
+          <p:cNvPr id="9" name="Прямоугольник 8"/>
           <p:cNvSpPr/>
           <p:nvPr/>
         </p:nvSpPr>
         <p:spPr>
           <a:xfrm>
-            <a:off x="4572000" y="1228110"/>
+            <a:off x="1632287" y="1983099"/>
             <a:ext cx="2232248" cy="369332"/>
           </a:xfrm>
           <a:prstGeom prst="rect">
@@ -5112,43 +7276,13 @@
       </p:sp>
       <p:sp>
         <p:nvSpPr>
-          <p:cNvPr id="13" name="TextBox 12"/>
-          <p:cNvSpPr txBox="1"/>
-          <p:nvPr/>
-        </p:nvSpPr>
-        <p:spPr>
-          <a:xfrm>
-            <a:off x="971600" y="1625512"/>
-            <a:ext cx="1169359" cy="369332"/>
-          </a:xfrm>
-          <a:prstGeom prst="rect">
-            <a:avLst/>
-          </a:prstGeom>
-          <a:noFill/>
-        </p:spPr>
-        <p:txBody>
-          <a:bodyPr wrap="none" rtlCol="0">
-            <a:spAutoFit/>
-          </a:bodyPr>
-          <a:lstStyle/>
-          <a:p>
-            <a:r>
-              <a:rPr lang="ru-RU" dirty="0" smtClean="0"/>
-              <a:t>Материал</a:t>
-            </a:r>
-            <a:endParaRPr lang="ru-RU" dirty="0"/>
-          </a:p>
-        </p:txBody>
-      </p:sp>
-      <p:sp>
-        <p:nvSpPr>
-          <p:cNvPr id="14" name="Прямоугольник 13"/>
+          <p:cNvPr id="10" name="Прямоугольник 9"/>
           <p:cNvSpPr/>
           <p:nvPr/>
         </p:nvSpPr>
         <p:spPr>
           <a:xfrm>
-            <a:off x="971600" y="1994844"/>
+            <a:off x="1632287" y="2724745"/>
             <a:ext cx="2232248" cy="369332"/>
           </a:xfrm>
           <a:prstGeom prst="rect">
@@ -5185,51 +7319,18 @@
       </p:sp>
       <p:sp>
         <p:nvSpPr>
-          <p:cNvPr id="15" name="TextBox 14"/>
-          <p:cNvSpPr txBox="1"/>
+          <p:cNvPr id="11" name="Прямоугольник 10"/>
+          <p:cNvSpPr/>
           <p:nvPr/>
         </p:nvSpPr>
         <p:spPr>
           <a:xfrm>
-            <a:off x="971600" y="2366367"/>
-            <a:ext cx="1865832" cy="369332"/>
+            <a:off x="3576503" y="2109255"/>
+            <a:ext cx="144016" cy="144016"/>
           </a:xfrm>
           <a:prstGeom prst="rect">
             <a:avLst/>
           </a:prstGeom>
-          <a:noFill/>
-        </p:spPr>
-        <p:txBody>
-          <a:bodyPr wrap="none" rtlCol="0">
-            <a:spAutoFit/>
-          </a:bodyPr>
-          <a:lstStyle/>
-          <a:p>
-            <a:r>
-              <a:rPr lang="ru-RU" dirty="0" smtClean="0"/>
-              <a:t>Форма заготовки</a:t>
-            </a:r>
-            <a:endParaRPr lang="ru-RU" dirty="0"/>
-          </a:p>
-        </p:txBody>
-      </p:sp>
-      <p:sp>
-        <p:nvSpPr>
-          <p:cNvPr id="16" name="Прямоугольник 15"/>
-          <p:cNvSpPr/>
-          <p:nvPr/>
-        </p:nvSpPr>
-        <p:spPr>
-          <a:xfrm>
-            <a:off x="971600" y="2735699"/>
-            <a:ext cx="2232248" cy="369332"/>
-          </a:xfrm>
-          <a:prstGeom prst="rect">
-            <a:avLst/>
-          </a:prstGeom>
-          <a:solidFill>
-            <a:schemeClr val="bg2"/>
-          </a:solidFill>
         </p:spPr>
         <p:style>
           <a:lnRef idx="2">
@@ -5258,16 +7359,16 @@
       </p:sp>
       <p:sp>
         <p:nvSpPr>
-          <p:cNvPr id="17" name="Блок-схема: объединение 16"/>
+          <p:cNvPr id="12" name="Прямоугольник 11"/>
           <p:cNvSpPr/>
           <p:nvPr/>
         </p:nvSpPr>
         <p:spPr>
           <a:xfrm>
-            <a:off x="2886089" y="2087177"/>
-            <a:ext cx="207640" cy="184666"/>
-          </a:xfrm>
-          <a:prstGeom prst="flowChartMerge">
+            <a:off x="3584887" y="2837403"/>
+            <a:ext cx="144016" cy="144016"/>
+          </a:xfrm>
+          <a:prstGeom prst="rect">
             <a:avLst/>
           </a:prstGeom>
         </p:spPr>
@@ -5298,18 +7399,21 @@
       </p:sp>
       <p:sp>
         <p:nvSpPr>
-          <p:cNvPr id="18" name="Блок-схема: объединение 17"/>
+          <p:cNvPr id="13" name="Прямоугольник 12"/>
           <p:cNvSpPr/>
           <p:nvPr/>
         </p:nvSpPr>
         <p:spPr>
           <a:xfrm>
-            <a:off x="6509545" y="1320443"/>
-            <a:ext cx="207640" cy="184666"/>
-          </a:xfrm>
-          <a:prstGeom prst="flowChartMerge">
+            <a:off x="5264124" y="1228110"/>
+            <a:ext cx="2232248" cy="369332"/>
+          </a:xfrm>
+          <a:prstGeom prst="rect">
             <a:avLst/>
           </a:prstGeom>
+          <a:solidFill>
+            <a:schemeClr val="bg2"/>
+          </a:solidFill>
         </p:spPr>
         <p:style>
           <a:lnRef idx="2">
@@ -5338,18 +7442,51 @@
       </p:sp>
       <p:sp>
         <p:nvSpPr>
-          <p:cNvPr id="19" name="Блок-схема: объединение 18"/>
+          <p:cNvPr id="14" name="TextBox 13"/>
+          <p:cNvSpPr txBox="1"/>
+          <p:nvPr/>
+        </p:nvSpPr>
+        <p:spPr>
+          <a:xfrm>
+            <a:off x="5269238" y="858778"/>
+            <a:ext cx="1111010" cy="369332"/>
+          </a:xfrm>
+          <a:prstGeom prst="rect">
+            <a:avLst/>
+          </a:prstGeom>
+          <a:noFill/>
+        </p:spPr>
+        <p:txBody>
+          <a:bodyPr wrap="none" rtlCol="0">
+            <a:spAutoFit/>
+          </a:bodyPr>
+          <a:lstStyle/>
+          <a:p>
+            <a:r>
+              <a:rPr lang="ru-RU" dirty="0" smtClean="0"/>
+              <a:t>Заказчик </a:t>
+            </a:r>
+            <a:endParaRPr lang="ru-RU" dirty="0"/>
+          </a:p>
+        </p:txBody>
+      </p:sp>
+      <p:sp>
+        <p:nvSpPr>
+          <p:cNvPr id="15" name="Прямоугольник 14"/>
           <p:cNvSpPr/>
           <p:nvPr/>
         </p:nvSpPr>
         <p:spPr>
           <a:xfrm>
-            <a:off x="2888602" y="2828032"/>
-            <a:ext cx="207640" cy="184666"/>
-          </a:xfrm>
-          <a:prstGeom prst="flowChartMerge">
+            <a:off x="5269238" y="1993046"/>
+            <a:ext cx="2232248" cy="369332"/>
+          </a:xfrm>
+          <a:prstGeom prst="rect">
             <a:avLst/>
           </a:prstGeom>
+          <a:solidFill>
+            <a:schemeClr val="bg2"/>
+          </a:solidFill>
         </p:spPr>
         <p:style>
           <a:lnRef idx="2">
@@ -5378,18 +7515,51 @@
       </p:sp>
       <p:sp>
         <p:nvSpPr>
-          <p:cNvPr id="20" name="Скругленный прямоугольник 19"/>
+          <p:cNvPr id="16" name="TextBox 15"/>
+          <p:cNvSpPr txBox="1"/>
+          <p:nvPr/>
+        </p:nvSpPr>
+        <p:spPr>
+          <a:xfrm>
+            <a:off x="5274352" y="1623714"/>
+            <a:ext cx="2108911" cy="369332"/>
+          </a:xfrm>
+          <a:prstGeom prst="rect">
+            <a:avLst/>
+          </a:prstGeom>
+          <a:noFill/>
+        </p:spPr>
+        <p:txBody>
+          <a:bodyPr wrap="none" rtlCol="0">
+            <a:spAutoFit/>
+          </a:bodyPr>
+          <a:lstStyle/>
+          <a:p>
+            <a:r>
+              <a:rPr lang="ru-RU" dirty="0" smtClean="0"/>
+              <a:t>Стоимость проекта </a:t>
+            </a:r>
+            <a:endParaRPr lang="ru-RU" dirty="0"/>
+          </a:p>
+        </p:txBody>
+      </p:sp>
+      <p:sp>
+        <p:nvSpPr>
+          <p:cNvPr id="17" name="Прямоугольник 16"/>
           <p:cNvSpPr/>
           <p:nvPr/>
         </p:nvSpPr>
         <p:spPr>
           <a:xfrm>
-            <a:off x="1122226" y="5913276"/>
-            <a:ext cx="1728192" cy="360040"/>
-          </a:xfrm>
-          <a:prstGeom prst="roundRect">
+            <a:off x="5274352" y="2721763"/>
+            <a:ext cx="2232248" cy="369332"/>
+          </a:xfrm>
+          <a:prstGeom prst="rect">
             <a:avLst/>
           </a:prstGeom>
+          <a:solidFill>
+            <a:schemeClr val="bg2"/>
+          </a:solidFill>
         </p:spPr>
         <p:style>
           <a:lnRef idx="2">
@@ -5412,9 +7582,35 @@
           <a:lstStyle/>
           <a:p>
             <a:pPr algn="ctr"/>
+            <a:endParaRPr lang="ru-RU"/>
+          </a:p>
+        </p:txBody>
+      </p:sp>
+      <p:sp>
+        <p:nvSpPr>
+          <p:cNvPr id="18" name="TextBox 17"/>
+          <p:cNvSpPr txBox="1"/>
+          <p:nvPr/>
+        </p:nvSpPr>
+        <p:spPr>
+          <a:xfrm>
+            <a:off x="5279466" y="2352431"/>
+            <a:ext cx="813043" cy="369332"/>
+          </a:xfrm>
+          <a:prstGeom prst="rect">
+            <a:avLst/>
+          </a:prstGeom>
+          <a:noFill/>
+        </p:spPr>
+        <p:txBody>
+          <a:bodyPr wrap="none" rtlCol="0">
+            <a:spAutoFit/>
+          </a:bodyPr>
+          <a:lstStyle/>
+          <a:p>
             <a:r>
               <a:rPr lang="ru-RU" dirty="0" smtClean="0"/>
-              <a:t>назад</a:t>
+              <a:t>Аванс </a:t>
             </a:r>
             <a:endParaRPr lang="ru-RU" dirty="0"/>
           </a:p>
@@ -5422,18 +7618,51 @@
       </p:sp>
       <p:sp>
         <p:nvSpPr>
-          <p:cNvPr id="21" name="Скругленный прямоугольник 20"/>
+          <p:cNvPr id="19" name="TextBox 18"/>
+          <p:cNvSpPr txBox="1"/>
+          <p:nvPr/>
+        </p:nvSpPr>
+        <p:spPr>
+          <a:xfrm>
+            <a:off x="5279466" y="3076787"/>
+            <a:ext cx="1360565" cy="369332"/>
+          </a:xfrm>
+          <a:prstGeom prst="rect">
+            <a:avLst/>
+          </a:prstGeom>
+          <a:noFill/>
+        </p:spPr>
+        <p:txBody>
+          <a:bodyPr wrap="none" rtlCol="0">
+            <a:spAutoFit/>
+          </a:bodyPr>
+          <a:lstStyle/>
+          <a:p>
+            <a:r>
+              <a:rPr lang="ru-RU" dirty="0" smtClean="0"/>
+              <a:t>Дата аванса</a:t>
+            </a:r>
+            <a:endParaRPr lang="ru-RU" dirty="0"/>
+          </a:p>
+        </p:txBody>
+      </p:sp>
+      <p:sp>
+        <p:nvSpPr>
+          <p:cNvPr id="20" name="Прямоугольник 19"/>
           <p:cNvSpPr/>
           <p:nvPr/>
         </p:nvSpPr>
         <p:spPr>
           <a:xfrm>
-            <a:off x="4758587" y="5913276"/>
-            <a:ext cx="1843827" cy="360040"/>
-          </a:xfrm>
-          <a:prstGeom prst="roundRect">
+            <a:off x="5279466" y="3446119"/>
+            <a:ext cx="2232248" cy="369332"/>
+          </a:xfrm>
+          <a:prstGeom prst="rect">
             <a:avLst/>
           </a:prstGeom>
+          <a:solidFill>
+            <a:schemeClr val="bg2"/>
+          </a:solidFill>
         </p:spPr>
         <p:style>
           <a:lnRef idx="2">
@@ -5456,18 +7685,283 @@
           <a:lstStyle/>
           <a:p>
             <a:pPr algn="ctr"/>
+            <a:endParaRPr lang="ru-RU"/>
+          </a:p>
+        </p:txBody>
+      </p:sp>
+      <p:sp>
+        <p:nvSpPr>
+          <p:cNvPr id="21" name="Прямоугольник 20"/>
+          <p:cNvSpPr/>
+          <p:nvPr/>
+        </p:nvSpPr>
+        <p:spPr>
+          <a:xfrm>
+            <a:off x="7232066" y="3558777"/>
+            <a:ext cx="144016" cy="144016"/>
+          </a:xfrm>
+          <a:prstGeom prst="rect">
+            <a:avLst/>
+          </a:prstGeom>
+        </p:spPr>
+        <p:style>
+          <a:lnRef idx="2">
+            <a:schemeClr val="accent1">
+              <a:shade val="50000"/>
+            </a:schemeClr>
+          </a:lnRef>
+          <a:fillRef idx="1">
+            <a:schemeClr val="accent1"/>
+          </a:fillRef>
+          <a:effectRef idx="0">
+            <a:schemeClr val="accent1"/>
+          </a:effectRef>
+          <a:fontRef idx="minor">
+            <a:schemeClr val="lt1"/>
+          </a:fontRef>
+        </p:style>
+        <p:txBody>
+          <a:bodyPr rtlCol="0" anchor="ctr"/>
+          <a:lstStyle/>
+          <a:p>
+            <a:pPr algn="ctr"/>
+            <a:endParaRPr lang="ru-RU"/>
+          </a:p>
+        </p:txBody>
+      </p:sp>
+      <p:sp>
+        <p:nvSpPr>
+          <p:cNvPr id="23" name="Блок-схема: объединение 22"/>
+          <p:cNvSpPr/>
+          <p:nvPr/>
+        </p:nvSpPr>
+        <p:spPr>
+          <a:xfrm>
+            <a:off x="7232066" y="1320443"/>
+            <a:ext cx="207640" cy="184666"/>
+          </a:xfrm>
+          <a:prstGeom prst="flowChartMerge">
+            <a:avLst/>
+          </a:prstGeom>
+        </p:spPr>
+        <p:style>
+          <a:lnRef idx="2">
+            <a:schemeClr val="accent1">
+              <a:shade val="50000"/>
+            </a:schemeClr>
+          </a:lnRef>
+          <a:fillRef idx="1">
+            <a:schemeClr val="accent1"/>
+          </a:fillRef>
+          <a:effectRef idx="0">
+            <a:schemeClr val="accent1"/>
+          </a:effectRef>
+          <a:fontRef idx="minor">
+            <a:schemeClr val="lt1"/>
+          </a:fontRef>
+        </p:style>
+        <p:txBody>
+          <a:bodyPr rtlCol="0" anchor="ctr"/>
+          <a:lstStyle/>
+          <a:p>
+            <a:pPr algn="ctr"/>
+            <a:endParaRPr lang="ru-RU"/>
+          </a:p>
+        </p:txBody>
+      </p:sp>
+      <p:sp>
+        <p:nvSpPr>
+          <p:cNvPr id="22" name="TextBox 21"/>
+          <p:cNvSpPr txBox="1"/>
+          <p:nvPr/>
+        </p:nvSpPr>
+        <p:spPr>
+          <a:xfrm>
+            <a:off x="4788024" y="5013176"/>
+            <a:ext cx="3518271" cy="646331"/>
+          </a:xfrm>
+          <a:prstGeom prst="rect">
+            <a:avLst/>
+          </a:prstGeom>
+          <a:noFill/>
+        </p:spPr>
+        <p:txBody>
+          <a:bodyPr wrap="none" rtlCol="0">
+            <a:spAutoFit/>
+          </a:bodyPr>
+          <a:lstStyle/>
+          <a:p>
             <a:r>
               <a:rPr lang="ru-RU" dirty="0" smtClean="0"/>
-              <a:t>сохранить</a:t>
+              <a:t>Если новый проект, то сохранить, </a:t>
+            </a:r>
+          </a:p>
+          <a:p>
+            <a:r>
+              <a:rPr lang="ru-RU" dirty="0" smtClean="0"/>
+              <a:t>Если существует, то изменить</a:t>
             </a:r>
             <a:endParaRPr lang="ru-RU" dirty="0"/>
+          </a:p>
+        </p:txBody>
+      </p:sp>
+      <p:sp>
+        <p:nvSpPr>
+          <p:cNvPr id="26" name="Стрелка вниз 25"/>
+          <p:cNvSpPr/>
+          <p:nvPr/>
+        </p:nvSpPr>
+        <p:spPr>
+          <a:xfrm>
+            <a:off x="6328807" y="5659507"/>
+            <a:ext cx="45719" cy="145757"/>
+          </a:xfrm>
+          <a:prstGeom prst="downArrow">
+            <a:avLst/>
+          </a:prstGeom>
+        </p:spPr>
+        <p:style>
+          <a:lnRef idx="2">
+            <a:schemeClr val="accent1">
+              <a:shade val="50000"/>
+            </a:schemeClr>
+          </a:lnRef>
+          <a:fillRef idx="1">
+            <a:schemeClr val="accent1"/>
+          </a:fillRef>
+          <a:effectRef idx="0">
+            <a:schemeClr val="accent1"/>
+          </a:effectRef>
+          <a:fontRef idx="minor">
+            <a:schemeClr val="lt1"/>
+          </a:fontRef>
+        </p:style>
+        <p:txBody>
+          <a:bodyPr rtlCol="0" anchor="ctr"/>
+          <a:lstStyle/>
+          <a:p>
+            <a:pPr algn="ctr"/>
+            <a:endParaRPr lang="ru-RU"/>
+          </a:p>
+        </p:txBody>
+      </p:sp>
+      <p:sp>
+        <p:nvSpPr>
+          <p:cNvPr id="30" name="Прямоугольник 29"/>
+          <p:cNvSpPr/>
+          <p:nvPr/>
+        </p:nvSpPr>
+        <p:spPr>
+          <a:xfrm>
+            <a:off x="1632287" y="3460651"/>
+            <a:ext cx="2232248" cy="369332"/>
+          </a:xfrm>
+          <a:prstGeom prst="rect">
+            <a:avLst/>
+          </a:prstGeom>
+          <a:solidFill>
+            <a:schemeClr val="bg2"/>
+          </a:solidFill>
+        </p:spPr>
+        <p:style>
+          <a:lnRef idx="2">
+            <a:schemeClr val="accent1">
+              <a:shade val="50000"/>
+            </a:schemeClr>
+          </a:lnRef>
+          <a:fillRef idx="1">
+            <a:schemeClr val="accent1"/>
+          </a:fillRef>
+          <a:effectRef idx="0">
+            <a:schemeClr val="accent1"/>
+          </a:effectRef>
+          <a:fontRef idx="minor">
+            <a:schemeClr val="lt1"/>
+          </a:fontRef>
+        </p:style>
+        <p:txBody>
+          <a:bodyPr rtlCol="0" anchor="ctr"/>
+          <a:lstStyle/>
+          <a:p>
+            <a:pPr algn="ctr"/>
+            <a:endParaRPr lang="ru-RU"/>
+          </a:p>
+        </p:txBody>
+      </p:sp>
+      <p:sp>
+        <p:nvSpPr>
+          <p:cNvPr id="31" name="TextBox 30"/>
+          <p:cNvSpPr txBox="1"/>
+          <p:nvPr/>
+        </p:nvSpPr>
+        <p:spPr>
+          <a:xfrm>
+            <a:off x="1637401" y="3091319"/>
+            <a:ext cx="941796" cy="369332"/>
+          </a:xfrm>
+          <a:prstGeom prst="rect">
+            <a:avLst/>
+          </a:prstGeom>
+          <a:noFill/>
+        </p:spPr>
+        <p:txBody>
+          <a:bodyPr wrap="none" rtlCol="0">
+            <a:spAutoFit/>
+          </a:bodyPr>
+          <a:lstStyle/>
+          <a:p>
+            <a:r>
+              <a:rPr lang="ru-RU" dirty="0" smtClean="0"/>
+              <a:t>Детали </a:t>
+            </a:r>
+            <a:endParaRPr lang="ru-RU" dirty="0"/>
+          </a:p>
+        </p:txBody>
+      </p:sp>
+      <p:sp>
+        <p:nvSpPr>
+          <p:cNvPr id="32" name="Блок-схема: объединение 31"/>
+          <p:cNvSpPr/>
+          <p:nvPr/>
+        </p:nvSpPr>
+        <p:spPr>
+          <a:xfrm>
+            <a:off x="3600229" y="3552984"/>
+            <a:ext cx="207640" cy="184666"/>
+          </a:xfrm>
+          <a:prstGeom prst="flowChartMerge">
+            <a:avLst/>
+          </a:prstGeom>
+        </p:spPr>
+        <p:style>
+          <a:lnRef idx="2">
+            <a:schemeClr val="accent1">
+              <a:shade val="50000"/>
+            </a:schemeClr>
+          </a:lnRef>
+          <a:fillRef idx="1">
+            <a:schemeClr val="accent1"/>
+          </a:fillRef>
+          <a:effectRef idx="0">
+            <a:schemeClr val="accent1"/>
+          </a:effectRef>
+          <a:fontRef idx="minor">
+            <a:schemeClr val="lt1"/>
+          </a:fontRef>
+        </p:style>
+        <p:txBody>
+          <a:bodyPr rtlCol="0" anchor="ctr"/>
+          <a:lstStyle/>
+          <a:p>
+            <a:pPr algn="ctr"/>
+            <a:endParaRPr lang="ru-RU"/>
           </a:p>
         </p:txBody>
       </p:sp>
     </p:spTree>
     <p:extLst>
       <p:ext uri="{BB962C8B-B14F-4D97-AF65-F5344CB8AC3E}">
-        <p14:creationId xmlns:p14="http://schemas.microsoft.com/office/powerpoint/2010/main" val="453055214"/>
+        <p14:creationId xmlns:p14="http://schemas.microsoft.com/office/powerpoint/2010/main" val="4121114778"/>
       </p:ext>
     </p:extLst>
   </p:cSld>
@@ -5503,14 +7997,14 @@
       </p:grpSpPr>
       <p:sp>
         <p:nvSpPr>
-          <p:cNvPr id="4" name="TextBox 3"/>
+          <p:cNvPr id="7" name="TextBox 6"/>
           <p:cNvSpPr txBox="1"/>
           <p:nvPr/>
         </p:nvSpPr>
         <p:spPr>
           <a:xfrm>
-            <a:off x="2978102" y="260648"/>
-            <a:ext cx="3187796" cy="461665"/>
+            <a:off x="1995086" y="188639"/>
+            <a:ext cx="5118774" cy="461665"/>
           </a:xfrm>
           <a:prstGeom prst="rect">
             <a:avLst/>
@@ -5523,517 +8017,469 @@
           </a:bodyPr>
           <a:lstStyle/>
           <a:p>
+            <a:pPr algn="ctr"/>
             <a:r>
               <a:rPr lang="ru-RU" sz="2400" b="1" i="1" dirty="0" smtClean="0"/>
-              <a:t>Карточка телефонов</a:t>
+              <a:t>Карточка заказчика/изготовителя</a:t>
             </a:r>
             <a:endParaRPr lang="ru-RU" sz="2400" b="1" i="1" dirty="0"/>
           </a:p>
         </p:txBody>
       </p:sp>
-      <p:sp>
-        <p:nvSpPr>
-          <p:cNvPr id="5" name="TextBox 4"/>
-          <p:cNvSpPr txBox="1"/>
+      <p:grpSp>
+        <p:nvGrpSpPr>
+          <p:cNvPr id="19" name="Группа 18"/>
+          <p:cNvGrpSpPr/>
           <p:nvPr/>
-        </p:nvSpPr>
-        <p:spPr>
-          <a:xfrm>
-            <a:off x="965301" y="858778"/>
-            <a:ext cx="1828257" cy="369332"/>
-          </a:xfrm>
-          <a:prstGeom prst="rect">
-            <a:avLst/>
-          </a:prstGeom>
-          <a:noFill/>
-        </p:spPr>
-        <p:txBody>
-          <a:bodyPr wrap="none" rtlCol="0">
-            <a:spAutoFit/>
-          </a:bodyPr>
-          <a:lstStyle/>
-          <a:p>
-            <a:r>
-              <a:rPr lang="ru-RU" dirty="0" smtClean="0"/>
-              <a:t>Номер телефона</a:t>
-            </a:r>
-            <a:endParaRPr lang="ru-RU" dirty="0"/>
-          </a:p>
-        </p:txBody>
-      </p:sp>
-      <p:sp>
-        <p:nvSpPr>
-          <p:cNvPr id="6" name="Прямоугольник 5"/>
-          <p:cNvSpPr/>
+        </p:nvGrpSpPr>
+        <p:grpSpPr>
+          <a:xfrm>
+            <a:off x="1658201" y="847130"/>
+            <a:ext cx="5827599" cy="2221548"/>
+            <a:chOff x="971600" y="847130"/>
+            <a:chExt cx="5827599" cy="2221548"/>
+          </a:xfrm>
+        </p:grpSpPr>
+        <p:sp>
+          <p:nvSpPr>
+            <p:cNvPr id="8" name="TextBox 7"/>
+            <p:cNvSpPr txBox="1"/>
+            <p:nvPr/>
+          </p:nvSpPr>
+          <p:spPr>
+            <a:xfrm>
+              <a:off x="971600" y="847130"/>
+              <a:ext cx="1122423" cy="369332"/>
+            </a:xfrm>
+            <a:prstGeom prst="rect">
+              <a:avLst/>
+            </a:prstGeom>
+            <a:noFill/>
+          </p:spPr>
+          <p:txBody>
+            <a:bodyPr wrap="none" rtlCol="0">
+              <a:spAutoFit/>
+            </a:bodyPr>
+            <a:lstStyle/>
+            <a:p>
+              <a:r>
+                <a:rPr lang="ru-RU" dirty="0" smtClean="0"/>
+                <a:t>Название</a:t>
+              </a:r>
+              <a:endParaRPr lang="ru-RU" dirty="0"/>
+            </a:p>
+          </p:txBody>
+        </p:sp>
+        <p:sp>
+          <p:nvSpPr>
+            <p:cNvPr id="9" name="Прямоугольник 8"/>
+            <p:cNvSpPr/>
+            <p:nvPr/>
+          </p:nvSpPr>
+          <p:spPr>
+            <a:xfrm>
+              <a:off x="971600" y="1216462"/>
+              <a:ext cx="2232248" cy="369332"/>
+            </a:xfrm>
+            <a:prstGeom prst="rect">
+              <a:avLst/>
+            </a:prstGeom>
+            <a:solidFill>
+              <a:schemeClr val="bg2"/>
+            </a:solidFill>
+          </p:spPr>
+          <p:style>
+            <a:lnRef idx="2">
+              <a:schemeClr val="accent1">
+                <a:shade val="50000"/>
+              </a:schemeClr>
+            </a:lnRef>
+            <a:fillRef idx="1">
+              <a:schemeClr val="accent1"/>
+            </a:fillRef>
+            <a:effectRef idx="0">
+              <a:schemeClr val="accent1"/>
+            </a:effectRef>
+            <a:fontRef idx="minor">
+              <a:schemeClr val="lt1"/>
+            </a:fontRef>
+          </p:style>
+          <p:txBody>
+            <a:bodyPr rtlCol="0" anchor="ctr"/>
+            <a:lstStyle/>
+            <a:p>
+              <a:pPr algn="ctr"/>
+              <a:endParaRPr lang="ru-RU"/>
+            </a:p>
+          </p:txBody>
+        </p:sp>
+        <p:sp>
+          <p:nvSpPr>
+            <p:cNvPr id="10" name="TextBox 9"/>
+            <p:cNvSpPr txBox="1"/>
+            <p:nvPr/>
+          </p:nvSpPr>
+          <p:spPr>
+            <a:xfrm>
+              <a:off x="4566951" y="858778"/>
+              <a:ext cx="780983" cy="369332"/>
+            </a:xfrm>
+            <a:prstGeom prst="rect">
+              <a:avLst/>
+            </a:prstGeom>
+            <a:noFill/>
+          </p:spPr>
+          <p:txBody>
+            <a:bodyPr wrap="none" rtlCol="0">
+              <a:spAutoFit/>
+            </a:bodyPr>
+            <a:lstStyle/>
+            <a:p>
+              <a:r>
+                <a:rPr lang="ru-RU" dirty="0" smtClean="0"/>
+                <a:t>Адрес</a:t>
+              </a:r>
+              <a:endParaRPr lang="ru-RU" dirty="0"/>
+            </a:p>
+          </p:txBody>
+        </p:sp>
+        <p:sp>
+          <p:nvSpPr>
+            <p:cNvPr id="11" name="Прямоугольник 10"/>
+            <p:cNvSpPr/>
+            <p:nvPr/>
+          </p:nvSpPr>
+          <p:spPr>
+            <a:xfrm>
+              <a:off x="4566951" y="1228110"/>
+              <a:ext cx="2232248" cy="369332"/>
+            </a:xfrm>
+            <a:prstGeom prst="rect">
+              <a:avLst/>
+            </a:prstGeom>
+            <a:solidFill>
+              <a:schemeClr val="bg2"/>
+            </a:solidFill>
+          </p:spPr>
+          <p:style>
+            <a:lnRef idx="2">
+              <a:schemeClr val="accent1">
+                <a:shade val="50000"/>
+              </a:schemeClr>
+            </a:lnRef>
+            <a:fillRef idx="1">
+              <a:schemeClr val="accent1"/>
+            </a:fillRef>
+            <a:effectRef idx="0">
+              <a:schemeClr val="accent1"/>
+            </a:effectRef>
+            <a:fontRef idx="minor">
+              <a:schemeClr val="lt1"/>
+            </a:fontRef>
+          </p:style>
+          <p:txBody>
+            <a:bodyPr rtlCol="0" anchor="ctr"/>
+            <a:lstStyle/>
+            <a:p>
+              <a:pPr algn="ctr"/>
+              <a:endParaRPr lang="ru-RU"/>
+            </a:p>
+          </p:txBody>
+        </p:sp>
+        <p:sp>
+          <p:nvSpPr>
+            <p:cNvPr id="12" name="TextBox 11"/>
+            <p:cNvSpPr txBox="1"/>
+            <p:nvPr/>
+          </p:nvSpPr>
+          <p:spPr>
+            <a:xfrm>
+              <a:off x="4566951" y="1585794"/>
+              <a:ext cx="760144" cy="369332"/>
+            </a:xfrm>
+            <a:prstGeom prst="rect">
+              <a:avLst/>
+            </a:prstGeom>
+            <a:noFill/>
+          </p:spPr>
+          <p:txBody>
+            <a:bodyPr wrap="none" rtlCol="0">
+              <a:spAutoFit/>
+            </a:bodyPr>
+            <a:lstStyle/>
+            <a:p>
+              <a:r>
+                <a:rPr lang="ru-RU" dirty="0" smtClean="0"/>
+                <a:t>Почта</a:t>
+              </a:r>
+              <a:endParaRPr lang="ru-RU" dirty="0"/>
+            </a:p>
+          </p:txBody>
+        </p:sp>
+        <p:sp>
+          <p:nvSpPr>
+            <p:cNvPr id="13" name="Прямоугольник 12"/>
+            <p:cNvSpPr/>
+            <p:nvPr/>
+          </p:nvSpPr>
+          <p:spPr>
+            <a:xfrm>
+              <a:off x="4566951" y="1955126"/>
+              <a:ext cx="2232248" cy="369332"/>
+            </a:xfrm>
+            <a:prstGeom prst="rect">
+              <a:avLst/>
+            </a:prstGeom>
+            <a:solidFill>
+              <a:schemeClr val="bg2"/>
+            </a:solidFill>
+          </p:spPr>
+          <p:style>
+            <a:lnRef idx="2">
+              <a:schemeClr val="accent1">
+                <a:shade val="50000"/>
+              </a:schemeClr>
+            </a:lnRef>
+            <a:fillRef idx="1">
+              <a:schemeClr val="accent1"/>
+            </a:fillRef>
+            <a:effectRef idx="0">
+              <a:schemeClr val="accent1"/>
+            </a:effectRef>
+            <a:fontRef idx="minor">
+              <a:schemeClr val="lt1"/>
+            </a:fontRef>
+          </p:style>
+          <p:txBody>
+            <a:bodyPr rtlCol="0" anchor="ctr"/>
+            <a:lstStyle/>
+            <a:p>
+              <a:pPr algn="ctr"/>
+              <a:endParaRPr lang="ru-RU"/>
+            </a:p>
+          </p:txBody>
+        </p:sp>
+        <p:sp>
+          <p:nvSpPr>
+            <p:cNvPr id="14" name="TextBox 13"/>
+            <p:cNvSpPr txBox="1"/>
+            <p:nvPr/>
+          </p:nvSpPr>
+          <p:spPr>
+            <a:xfrm>
+              <a:off x="4566951" y="2330014"/>
+              <a:ext cx="1058816" cy="369332"/>
+            </a:xfrm>
+            <a:prstGeom prst="rect">
+              <a:avLst/>
+            </a:prstGeom>
+            <a:noFill/>
+          </p:spPr>
+          <p:txBody>
+            <a:bodyPr wrap="none" rtlCol="0">
+              <a:spAutoFit/>
+            </a:bodyPr>
+            <a:lstStyle/>
+            <a:p>
+              <a:r>
+                <a:rPr lang="ru-RU" dirty="0" smtClean="0"/>
+                <a:t>Телефон </a:t>
+              </a:r>
+              <a:endParaRPr lang="ru-RU" dirty="0"/>
+            </a:p>
+          </p:txBody>
+        </p:sp>
+        <p:sp>
+          <p:nvSpPr>
+            <p:cNvPr id="15" name="Прямоугольник 14"/>
+            <p:cNvSpPr/>
+            <p:nvPr/>
+          </p:nvSpPr>
+          <p:spPr>
+            <a:xfrm>
+              <a:off x="4566951" y="2699346"/>
+              <a:ext cx="2232248" cy="369332"/>
+            </a:xfrm>
+            <a:prstGeom prst="rect">
+              <a:avLst/>
+            </a:prstGeom>
+            <a:solidFill>
+              <a:schemeClr val="bg2"/>
+            </a:solidFill>
+          </p:spPr>
+          <p:style>
+            <a:lnRef idx="2">
+              <a:schemeClr val="accent1">
+                <a:shade val="50000"/>
+              </a:schemeClr>
+            </a:lnRef>
+            <a:fillRef idx="1">
+              <a:schemeClr val="accent1"/>
+            </a:fillRef>
+            <a:effectRef idx="0">
+              <a:schemeClr val="accent1"/>
+            </a:effectRef>
+            <a:fontRef idx="minor">
+              <a:schemeClr val="lt1"/>
+            </a:fontRef>
+          </p:style>
+          <p:txBody>
+            <a:bodyPr rtlCol="0" anchor="ctr"/>
+            <a:lstStyle/>
+            <a:p>
+              <a:pPr algn="ctr"/>
+              <a:endParaRPr lang="ru-RU"/>
+            </a:p>
+          </p:txBody>
+        </p:sp>
+        <p:sp>
+          <p:nvSpPr>
+            <p:cNvPr id="16" name="Блок-схема: объединение 15"/>
+            <p:cNvSpPr/>
+            <p:nvPr/>
+          </p:nvSpPr>
+          <p:spPr>
+            <a:xfrm>
+              <a:off x="6478626" y="2791679"/>
+              <a:ext cx="207640" cy="184666"/>
+            </a:xfrm>
+            <a:prstGeom prst="flowChartMerge">
+              <a:avLst/>
+            </a:prstGeom>
+          </p:spPr>
+          <p:style>
+            <a:lnRef idx="2">
+              <a:schemeClr val="accent1">
+                <a:shade val="50000"/>
+              </a:schemeClr>
+            </a:lnRef>
+            <a:fillRef idx="1">
+              <a:schemeClr val="accent1"/>
+            </a:fillRef>
+            <a:effectRef idx="0">
+              <a:schemeClr val="accent1"/>
+            </a:effectRef>
+            <a:fontRef idx="minor">
+              <a:schemeClr val="lt1"/>
+            </a:fontRef>
+          </p:style>
+          <p:txBody>
+            <a:bodyPr rtlCol="0" anchor="ctr"/>
+            <a:lstStyle/>
+            <a:p>
+              <a:pPr algn="ctr"/>
+              <a:endParaRPr lang="ru-RU"/>
+            </a:p>
+          </p:txBody>
+        </p:sp>
+      </p:grpSp>
+      <p:grpSp>
+        <p:nvGrpSpPr>
+          <p:cNvPr id="20" name="Группа 19"/>
+          <p:cNvGrpSpPr/>
           <p:nvPr/>
-        </p:nvSpPr>
-        <p:spPr>
-          <a:xfrm>
-            <a:off x="965301" y="1228110"/>
-            <a:ext cx="2232248" cy="369332"/>
-          </a:xfrm>
-          <a:prstGeom prst="rect">
-            <a:avLst/>
-          </a:prstGeom>
-          <a:solidFill>
-            <a:schemeClr val="bg2"/>
-          </a:solidFill>
-        </p:spPr>
-        <p:style>
-          <a:lnRef idx="2">
-            <a:schemeClr val="accent1">
-              <a:shade val="50000"/>
-            </a:schemeClr>
-          </a:lnRef>
-          <a:fillRef idx="1">
-            <a:schemeClr val="accent1"/>
-          </a:fillRef>
-          <a:effectRef idx="0">
-            <a:schemeClr val="accent1"/>
-          </a:effectRef>
-          <a:fontRef idx="minor">
-            <a:schemeClr val="lt1"/>
-          </a:fontRef>
-        </p:style>
-        <p:txBody>
-          <a:bodyPr rtlCol="0" anchor="ctr"/>
-          <a:lstStyle/>
-          <a:p>
-            <a:pPr algn="ctr"/>
-            <a:endParaRPr lang="ru-RU"/>
-          </a:p>
-        </p:txBody>
-      </p:sp>
-      <p:sp>
-        <p:nvSpPr>
-          <p:cNvPr id="7" name="TextBox 6"/>
-          <p:cNvSpPr txBox="1"/>
-          <p:nvPr/>
-        </p:nvSpPr>
-        <p:spPr>
-          <a:xfrm>
-            <a:off x="4574660" y="858778"/>
-            <a:ext cx="1111010" cy="369332"/>
-          </a:xfrm>
-          <a:prstGeom prst="rect">
-            <a:avLst/>
-          </a:prstGeom>
-          <a:noFill/>
-        </p:spPr>
-        <p:txBody>
-          <a:bodyPr wrap="none" rtlCol="0">
-            <a:spAutoFit/>
-          </a:bodyPr>
-          <a:lstStyle/>
-          <a:p>
-            <a:r>
-              <a:rPr lang="ru-RU" dirty="0" smtClean="0"/>
-              <a:t>Заказчик </a:t>
-            </a:r>
-          </a:p>
-        </p:txBody>
-      </p:sp>
-      <p:sp>
-        <p:nvSpPr>
-          <p:cNvPr id="8" name="Прямоугольник 7"/>
-          <p:cNvSpPr/>
-          <p:nvPr/>
-        </p:nvSpPr>
-        <p:spPr>
-          <a:xfrm>
-            <a:off x="4574660" y="1228110"/>
-            <a:ext cx="2232248" cy="369332"/>
-          </a:xfrm>
-          <a:prstGeom prst="rect">
-            <a:avLst/>
-          </a:prstGeom>
-          <a:solidFill>
-            <a:schemeClr val="bg2"/>
-          </a:solidFill>
-        </p:spPr>
-        <p:style>
-          <a:lnRef idx="2">
-            <a:schemeClr val="accent1">
-              <a:shade val="50000"/>
-            </a:schemeClr>
-          </a:lnRef>
-          <a:fillRef idx="1">
-            <a:schemeClr val="accent1"/>
-          </a:fillRef>
-          <a:effectRef idx="0">
-            <a:schemeClr val="accent1"/>
-          </a:effectRef>
-          <a:fontRef idx="minor">
-            <a:schemeClr val="lt1"/>
-          </a:fontRef>
-        </p:style>
-        <p:txBody>
-          <a:bodyPr rtlCol="0" anchor="ctr"/>
-          <a:lstStyle/>
-          <a:p>
-            <a:pPr algn="ctr"/>
-            <a:endParaRPr lang="ru-RU"/>
-          </a:p>
-        </p:txBody>
-      </p:sp>
-      <p:sp>
-        <p:nvSpPr>
-          <p:cNvPr id="9" name="TextBox 8"/>
-          <p:cNvSpPr txBox="1"/>
-          <p:nvPr/>
-        </p:nvSpPr>
-        <p:spPr>
-          <a:xfrm>
-            <a:off x="971600" y="1625512"/>
-            <a:ext cx="864339" cy="369332"/>
-          </a:xfrm>
-          <a:prstGeom prst="rect">
-            <a:avLst/>
-          </a:prstGeom>
-          <a:noFill/>
-        </p:spPr>
-        <p:txBody>
-          <a:bodyPr wrap="none" rtlCol="0">
-            <a:spAutoFit/>
-          </a:bodyPr>
-          <a:lstStyle/>
-          <a:p>
-            <a:r>
-              <a:rPr lang="ru-RU" dirty="0" smtClean="0"/>
-              <a:t>Страна</a:t>
-            </a:r>
-            <a:endParaRPr lang="ru-RU" dirty="0"/>
-          </a:p>
-        </p:txBody>
-      </p:sp>
-      <p:sp>
-        <p:nvSpPr>
-          <p:cNvPr id="10" name="Прямоугольник 9"/>
-          <p:cNvSpPr/>
-          <p:nvPr/>
-        </p:nvSpPr>
-        <p:spPr>
-          <a:xfrm>
-            <a:off x="971600" y="1994844"/>
-            <a:ext cx="2232248" cy="369332"/>
-          </a:xfrm>
-          <a:prstGeom prst="rect">
-            <a:avLst/>
-          </a:prstGeom>
-          <a:solidFill>
-            <a:schemeClr val="bg2"/>
-          </a:solidFill>
-        </p:spPr>
-        <p:style>
-          <a:lnRef idx="2">
-            <a:schemeClr val="accent1">
-              <a:shade val="50000"/>
-            </a:schemeClr>
-          </a:lnRef>
-          <a:fillRef idx="1">
-            <a:schemeClr val="accent1"/>
-          </a:fillRef>
-          <a:effectRef idx="0">
-            <a:schemeClr val="accent1"/>
-          </a:effectRef>
-          <a:fontRef idx="minor">
-            <a:schemeClr val="lt1"/>
-          </a:fontRef>
-        </p:style>
-        <p:txBody>
-          <a:bodyPr rtlCol="0" anchor="ctr"/>
-          <a:lstStyle/>
-          <a:p>
-            <a:pPr algn="ctr"/>
-            <a:endParaRPr lang="ru-RU"/>
-          </a:p>
-        </p:txBody>
-      </p:sp>
-      <p:sp>
-        <p:nvSpPr>
-          <p:cNvPr id="11" name="TextBox 10"/>
-          <p:cNvSpPr txBox="1"/>
-          <p:nvPr/>
-        </p:nvSpPr>
-        <p:spPr>
-          <a:xfrm>
-            <a:off x="971600" y="2366367"/>
-            <a:ext cx="1135183" cy="369332"/>
-          </a:xfrm>
-          <a:prstGeom prst="rect">
-            <a:avLst/>
-          </a:prstGeom>
-          <a:noFill/>
-        </p:spPr>
-        <p:txBody>
-          <a:bodyPr wrap="none" rtlCol="0">
-            <a:spAutoFit/>
-          </a:bodyPr>
-          <a:lstStyle/>
-          <a:p>
-            <a:r>
-              <a:rPr lang="ru-RU" dirty="0" smtClean="0"/>
-              <a:t>Оператор</a:t>
-            </a:r>
-            <a:endParaRPr lang="ru-RU" dirty="0"/>
-          </a:p>
-        </p:txBody>
-      </p:sp>
-      <p:sp>
-        <p:nvSpPr>
-          <p:cNvPr id="12" name="Прямоугольник 11"/>
-          <p:cNvSpPr/>
-          <p:nvPr/>
-        </p:nvSpPr>
-        <p:spPr>
-          <a:xfrm>
-            <a:off x="971600" y="2735699"/>
-            <a:ext cx="2232248" cy="369332"/>
-          </a:xfrm>
-          <a:prstGeom prst="rect">
-            <a:avLst/>
-          </a:prstGeom>
-          <a:solidFill>
-            <a:schemeClr val="bg2"/>
-          </a:solidFill>
-        </p:spPr>
-        <p:style>
-          <a:lnRef idx="2">
-            <a:schemeClr val="accent1">
-              <a:shade val="50000"/>
-            </a:schemeClr>
-          </a:lnRef>
-          <a:fillRef idx="1">
-            <a:schemeClr val="accent1"/>
-          </a:fillRef>
-          <a:effectRef idx="0">
-            <a:schemeClr val="accent1"/>
-          </a:effectRef>
-          <a:fontRef idx="minor">
-            <a:schemeClr val="lt1"/>
-          </a:fontRef>
-        </p:style>
-        <p:txBody>
-          <a:bodyPr rtlCol="0" anchor="ctr"/>
-          <a:lstStyle/>
-          <a:p>
-            <a:pPr algn="ctr"/>
-            <a:endParaRPr lang="ru-RU"/>
-          </a:p>
-        </p:txBody>
-      </p:sp>
-      <p:sp>
-        <p:nvSpPr>
-          <p:cNvPr id="13" name="Блок-схема: объединение 12"/>
-          <p:cNvSpPr/>
-          <p:nvPr/>
-        </p:nvSpPr>
-        <p:spPr>
-          <a:xfrm>
-            <a:off x="2886089" y="2087177"/>
-            <a:ext cx="207640" cy="184666"/>
-          </a:xfrm>
-          <a:prstGeom prst="flowChartMerge">
-            <a:avLst/>
-          </a:prstGeom>
-        </p:spPr>
-        <p:style>
-          <a:lnRef idx="2">
-            <a:schemeClr val="accent1">
-              <a:shade val="50000"/>
-            </a:schemeClr>
-          </a:lnRef>
-          <a:fillRef idx="1">
-            <a:schemeClr val="accent1"/>
-          </a:fillRef>
-          <a:effectRef idx="0">
-            <a:schemeClr val="accent1"/>
-          </a:effectRef>
-          <a:fontRef idx="minor">
-            <a:schemeClr val="lt1"/>
-          </a:fontRef>
-        </p:style>
-        <p:txBody>
-          <a:bodyPr rtlCol="0" anchor="ctr"/>
-          <a:lstStyle/>
-          <a:p>
-            <a:pPr algn="ctr"/>
-            <a:endParaRPr lang="ru-RU"/>
-          </a:p>
-        </p:txBody>
-      </p:sp>
-      <p:sp>
-        <p:nvSpPr>
-          <p:cNvPr id="14" name="Блок-схема: объединение 13"/>
-          <p:cNvSpPr/>
-          <p:nvPr/>
-        </p:nvSpPr>
-        <p:spPr>
-          <a:xfrm>
-            <a:off x="6512205" y="1320443"/>
-            <a:ext cx="207640" cy="184666"/>
-          </a:xfrm>
-          <a:prstGeom prst="flowChartMerge">
-            <a:avLst/>
-          </a:prstGeom>
-        </p:spPr>
-        <p:style>
-          <a:lnRef idx="2">
-            <a:schemeClr val="accent1">
-              <a:shade val="50000"/>
-            </a:schemeClr>
-          </a:lnRef>
-          <a:fillRef idx="1">
-            <a:schemeClr val="accent1"/>
-          </a:fillRef>
-          <a:effectRef idx="0">
-            <a:schemeClr val="accent1"/>
-          </a:effectRef>
-          <a:fontRef idx="minor">
-            <a:schemeClr val="lt1"/>
-          </a:fontRef>
-        </p:style>
-        <p:txBody>
-          <a:bodyPr rtlCol="0" anchor="ctr"/>
-          <a:lstStyle/>
-          <a:p>
-            <a:pPr algn="ctr"/>
-            <a:endParaRPr lang="ru-RU"/>
-          </a:p>
-        </p:txBody>
-      </p:sp>
-      <p:sp>
-        <p:nvSpPr>
-          <p:cNvPr id="15" name="Блок-схема: объединение 14"/>
-          <p:cNvSpPr/>
-          <p:nvPr/>
-        </p:nvSpPr>
-        <p:spPr>
-          <a:xfrm>
-            <a:off x="2888602" y="2828032"/>
-            <a:ext cx="207640" cy="184666"/>
-          </a:xfrm>
-          <a:prstGeom prst="flowChartMerge">
-            <a:avLst/>
-          </a:prstGeom>
-        </p:spPr>
-        <p:style>
-          <a:lnRef idx="2">
-            <a:schemeClr val="accent1">
-              <a:shade val="50000"/>
-            </a:schemeClr>
-          </a:lnRef>
-          <a:fillRef idx="1">
-            <a:schemeClr val="accent1"/>
-          </a:fillRef>
-          <a:effectRef idx="0">
-            <a:schemeClr val="accent1"/>
-          </a:effectRef>
-          <a:fontRef idx="minor">
-            <a:schemeClr val="lt1"/>
-          </a:fontRef>
-        </p:style>
-        <p:txBody>
-          <a:bodyPr rtlCol="0" anchor="ctr"/>
-          <a:lstStyle/>
-          <a:p>
-            <a:pPr algn="ctr"/>
-            <a:endParaRPr lang="ru-RU"/>
-          </a:p>
-        </p:txBody>
-      </p:sp>
-      <p:sp>
-        <p:nvSpPr>
-          <p:cNvPr id="16" name="Скругленный прямоугольник 15"/>
-          <p:cNvSpPr/>
-          <p:nvPr/>
-        </p:nvSpPr>
-        <p:spPr>
-          <a:xfrm>
-            <a:off x="1122226" y="5913276"/>
-            <a:ext cx="1728192" cy="360040"/>
-          </a:xfrm>
-          <a:prstGeom prst="roundRect">
-            <a:avLst/>
-          </a:prstGeom>
-        </p:spPr>
-        <p:style>
-          <a:lnRef idx="2">
-            <a:schemeClr val="accent1">
-              <a:shade val="50000"/>
-            </a:schemeClr>
-          </a:lnRef>
-          <a:fillRef idx="1">
-            <a:schemeClr val="accent1"/>
-          </a:fillRef>
-          <a:effectRef idx="0">
-            <a:schemeClr val="accent1"/>
-          </a:effectRef>
-          <a:fontRef idx="minor">
-            <a:schemeClr val="lt1"/>
-          </a:fontRef>
-        </p:style>
-        <p:txBody>
-          <a:bodyPr rtlCol="0" anchor="ctr"/>
-          <a:lstStyle/>
-          <a:p>
-            <a:pPr algn="ctr"/>
-            <a:r>
-              <a:rPr lang="ru-RU" dirty="0" smtClean="0"/>
-              <a:t>назад</a:t>
-            </a:r>
-            <a:endParaRPr lang="ru-RU" dirty="0"/>
-          </a:p>
-        </p:txBody>
-      </p:sp>
-      <p:sp>
-        <p:nvSpPr>
-          <p:cNvPr id="17" name="Скругленный прямоугольник 16"/>
-          <p:cNvSpPr/>
-          <p:nvPr/>
-        </p:nvSpPr>
-        <p:spPr>
-          <a:xfrm>
-            <a:off x="4758587" y="5913276"/>
-            <a:ext cx="1843827" cy="360040"/>
-          </a:xfrm>
-          <a:prstGeom prst="roundRect">
-            <a:avLst/>
-          </a:prstGeom>
-        </p:spPr>
-        <p:style>
-          <a:lnRef idx="2">
-            <a:schemeClr val="accent1">
-              <a:shade val="50000"/>
-            </a:schemeClr>
-          </a:lnRef>
-          <a:fillRef idx="1">
-            <a:schemeClr val="accent1"/>
-          </a:fillRef>
-          <a:effectRef idx="0">
-            <a:schemeClr val="accent1"/>
-          </a:effectRef>
-          <a:fontRef idx="minor">
-            <a:schemeClr val="lt1"/>
-          </a:fontRef>
-        </p:style>
-        <p:txBody>
-          <a:bodyPr rtlCol="0" anchor="ctr"/>
-          <a:lstStyle/>
-          <a:p>
-            <a:pPr algn="ctr"/>
-            <a:r>
-              <a:rPr lang="ru-RU" dirty="0" smtClean="0"/>
-              <a:t>сохранить</a:t>
-            </a:r>
-            <a:endParaRPr lang="ru-RU" dirty="0"/>
-          </a:p>
-        </p:txBody>
-      </p:sp>
+        </p:nvGrpSpPr>
+        <p:grpSpPr>
+          <a:xfrm>
+            <a:off x="1831906" y="5913276"/>
+            <a:ext cx="5480188" cy="360040"/>
+            <a:chOff x="1122226" y="5913276"/>
+            <a:chExt cx="5480188" cy="360040"/>
+          </a:xfrm>
+        </p:grpSpPr>
+        <p:sp>
+          <p:nvSpPr>
+            <p:cNvPr id="17" name="Скругленный прямоугольник 16"/>
+            <p:cNvSpPr/>
+            <p:nvPr/>
+          </p:nvSpPr>
+          <p:spPr>
+            <a:xfrm>
+              <a:off x="1122226" y="5913276"/>
+              <a:ext cx="1728192" cy="360040"/>
+            </a:xfrm>
+            <a:prstGeom prst="roundRect">
+              <a:avLst/>
+            </a:prstGeom>
+          </p:spPr>
+          <p:style>
+            <a:lnRef idx="2">
+              <a:schemeClr val="accent1">
+                <a:shade val="50000"/>
+              </a:schemeClr>
+            </a:lnRef>
+            <a:fillRef idx="1">
+              <a:schemeClr val="accent1"/>
+            </a:fillRef>
+            <a:effectRef idx="0">
+              <a:schemeClr val="accent1"/>
+            </a:effectRef>
+            <a:fontRef idx="minor">
+              <a:schemeClr val="lt1"/>
+            </a:fontRef>
+          </p:style>
+          <p:txBody>
+            <a:bodyPr rtlCol="0" anchor="ctr"/>
+            <a:lstStyle/>
+            <a:p>
+              <a:pPr algn="ctr"/>
+              <a:r>
+                <a:rPr lang="ru-RU" dirty="0" smtClean="0"/>
+                <a:t>назад</a:t>
+              </a:r>
+              <a:endParaRPr lang="ru-RU" dirty="0"/>
+            </a:p>
+          </p:txBody>
+        </p:sp>
+        <p:sp>
+          <p:nvSpPr>
+            <p:cNvPr id="18" name="Скругленный прямоугольник 17"/>
+            <p:cNvSpPr/>
+            <p:nvPr/>
+          </p:nvSpPr>
+          <p:spPr>
+            <a:xfrm>
+              <a:off x="4758587" y="5913276"/>
+              <a:ext cx="1843827" cy="360040"/>
+            </a:xfrm>
+            <a:prstGeom prst="roundRect">
+              <a:avLst/>
+            </a:prstGeom>
+          </p:spPr>
+          <p:style>
+            <a:lnRef idx="2">
+              <a:schemeClr val="accent1">
+                <a:shade val="50000"/>
+              </a:schemeClr>
+            </a:lnRef>
+            <a:fillRef idx="1">
+              <a:schemeClr val="accent1"/>
+            </a:fillRef>
+            <a:effectRef idx="0">
+              <a:schemeClr val="accent1"/>
+            </a:effectRef>
+            <a:fontRef idx="minor">
+              <a:schemeClr val="lt1"/>
+            </a:fontRef>
+          </p:style>
+          <p:txBody>
+            <a:bodyPr rtlCol="0" anchor="ctr"/>
+            <a:lstStyle/>
+            <a:p>
+              <a:pPr algn="ctr"/>
+              <a:r>
+                <a:rPr lang="ru-RU" dirty="0" smtClean="0"/>
+                <a:t>сохранить</a:t>
+              </a:r>
+              <a:endParaRPr lang="ru-RU" dirty="0"/>
+            </a:p>
+          </p:txBody>
+        </p:sp>
+      </p:grpSp>
     </p:spTree>
     <p:extLst>
       <p:ext uri="{BB962C8B-B14F-4D97-AF65-F5344CB8AC3E}">
-        <p14:creationId xmlns:p14="http://schemas.microsoft.com/office/powerpoint/2010/main" val="3240855830"/>
+        <p14:creationId xmlns:p14="http://schemas.microsoft.com/office/powerpoint/2010/main" val="1288358584"/>
       </p:ext>
     </p:extLst>
   </p:cSld>
@@ -6075,8 +8521,8 @@
         </p:nvSpPr>
         <p:spPr>
           <a:xfrm>
-            <a:off x="2894682" y="260648"/>
-            <a:ext cx="3354636" cy="461665"/>
+            <a:off x="3240931" y="260648"/>
+            <a:ext cx="2662139" cy="461665"/>
           </a:xfrm>
           <a:prstGeom prst="rect">
             <a:avLst/>
@@ -6084,15 +8530,14 @@
           <a:noFill/>
         </p:spPr>
         <p:txBody>
-          <a:bodyPr wrap="none" rtlCol="0" anchor="ctr">
+          <a:bodyPr wrap="none" rtlCol="0">
             <a:spAutoFit/>
           </a:bodyPr>
           <a:lstStyle/>
           <a:p>
-            <a:pPr algn="ctr"/>
             <a:r>
               <a:rPr lang="ru-RU" sz="2400" b="1" i="1" dirty="0" smtClean="0"/>
-              <a:t>Карточка материалов</a:t>
+              <a:t>Карточка детали</a:t>
             </a:r>
             <a:endParaRPr lang="ru-RU" sz="2400" b="1" i="1" dirty="0"/>
           </a:p>
@@ -6106,7 +8551,7 @@
         </p:nvSpPr>
         <p:spPr>
           <a:xfrm>
-            <a:off x="965301" y="858778"/>
+            <a:off x="1652527" y="858778"/>
             <a:ext cx="1122423" cy="369332"/>
           </a:xfrm>
           <a:prstGeom prst="rect">
@@ -6136,7 +8581,7 @@
         </p:nvSpPr>
         <p:spPr>
           <a:xfrm>
-            <a:off x="965301" y="1228110"/>
+            <a:off x="1652527" y="1228110"/>
             <a:ext cx="2232248" cy="369332"/>
           </a:xfrm>
           <a:prstGeom prst="rect">
@@ -6173,14 +8618,14 @@
       </p:sp>
       <p:sp>
         <p:nvSpPr>
-          <p:cNvPr id="9" name="TextBox 8"/>
+          <p:cNvPr id="11" name="TextBox 10"/>
           <p:cNvSpPr txBox="1"/>
           <p:nvPr/>
         </p:nvSpPr>
         <p:spPr>
           <a:xfrm>
-            <a:off x="971600" y="1625512"/>
-            <a:ext cx="1197700" cy="369332"/>
+            <a:off x="5259226" y="858778"/>
+            <a:ext cx="885179" cy="369332"/>
           </a:xfrm>
           <a:prstGeom prst="rect">
             <a:avLst/>
@@ -6195,7 +8640,7 @@
           <a:p>
             <a:r>
               <a:rPr lang="ru-RU" dirty="0" smtClean="0"/>
-              <a:t>Плотность</a:t>
+              <a:t>Проект</a:t>
             </a:r>
             <a:endParaRPr lang="ru-RU" dirty="0"/>
           </a:p>
@@ -6203,13 +8648,13 @@
       </p:sp>
       <p:sp>
         <p:nvSpPr>
-          <p:cNvPr id="10" name="Прямоугольник 9"/>
+          <p:cNvPr id="12" name="Прямоугольник 11"/>
           <p:cNvSpPr/>
           <p:nvPr/>
         </p:nvSpPr>
         <p:spPr>
           <a:xfrm>
-            <a:off x="971600" y="1994844"/>
+            <a:off x="5259226" y="1228110"/>
             <a:ext cx="2232248" cy="369332"/>
           </a:xfrm>
           <a:prstGeom prst="rect">
@@ -6246,18 +8691,51 @@
       </p:sp>
       <p:sp>
         <p:nvSpPr>
-          <p:cNvPr id="16" name="Скругленный прямоугольник 15"/>
+          <p:cNvPr id="13" name="TextBox 12"/>
+          <p:cNvSpPr txBox="1"/>
+          <p:nvPr/>
+        </p:nvSpPr>
+        <p:spPr>
+          <a:xfrm>
+            <a:off x="1658826" y="1625512"/>
+            <a:ext cx="1169359" cy="369332"/>
+          </a:xfrm>
+          <a:prstGeom prst="rect">
+            <a:avLst/>
+          </a:prstGeom>
+          <a:noFill/>
+        </p:spPr>
+        <p:txBody>
+          <a:bodyPr wrap="none" rtlCol="0">
+            <a:spAutoFit/>
+          </a:bodyPr>
+          <a:lstStyle/>
+          <a:p>
+            <a:r>
+              <a:rPr lang="ru-RU" dirty="0" smtClean="0"/>
+              <a:t>Материал</a:t>
+            </a:r>
+            <a:endParaRPr lang="ru-RU" dirty="0"/>
+          </a:p>
+        </p:txBody>
+      </p:sp>
+      <p:sp>
+        <p:nvSpPr>
+          <p:cNvPr id="14" name="Прямоугольник 13"/>
           <p:cNvSpPr/>
           <p:nvPr/>
         </p:nvSpPr>
         <p:spPr>
           <a:xfrm>
-            <a:off x="1122226" y="5913276"/>
-            <a:ext cx="1728192" cy="360040"/>
-          </a:xfrm>
-          <a:prstGeom prst="roundRect">
+            <a:off x="1658826" y="1994844"/>
+            <a:ext cx="2232248" cy="369332"/>
+          </a:xfrm>
+          <a:prstGeom prst="rect">
             <a:avLst/>
           </a:prstGeom>
+          <a:solidFill>
+            <a:schemeClr val="bg2"/>
+          </a:solidFill>
         </p:spPr>
         <p:style>
           <a:lnRef idx="2">
@@ -6280,9 +8758,35 @@
           <a:lstStyle/>
           <a:p>
             <a:pPr algn="ctr"/>
+            <a:endParaRPr lang="ru-RU"/>
+          </a:p>
+        </p:txBody>
+      </p:sp>
+      <p:sp>
+        <p:nvSpPr>
+          <p:cNvPr id="15" name="TextBox 14"/>
+          <p:cNvSpPr txBox="1"/>
+          <p:nvPr/>
+        </p:nvSpPr>
+        <p:spPr>
+          <a:xfrm>
+            <a:off x="1658826" y="2366367"/>
+            <a:ext cx="1865832" cy="369332"/>
+          </a:xfrm>
+          <a:prstGeom prst="rect">
+            <a:avLst/>
+          </a:prstGeom>
+          <a:noFill/>
+        </p:spPr>
+        <p:txBody>
+          <a:bodyPr wrap="none" rtlCol="0">
+            <a:spAutoFit/>
+          </a:bodyPr>
+          <a:lstStyle/>
+          <a:p>
             <a:r>
               <a:rPr lang="ru-RU" dirty="0" smtClean="0"/>
-              <a:t>назад</a:t>
+              <a:t>Форма заготовки</a:t>
             </a:r>
             <a:endParaRPr lang="ru-RU" dirty="0"/>
           </a:p>
@@ -6290,18 +8794,21 @@
       </p:sp>
       <p:sp>
         <p:nvSpPr>
-          <p:cNvPr id="17" name="Скругленный прямоугольник 16"/>
+          <p:cNvPr id="16" name="Прямоугольник 15"/>
           <p:cNvSpPr/>
           <p:nvPr/>
         </p:nvSpPr>
         <p:spPr>
           <a:xfrm>
-            <a:off x="4758587" y="5913276"/>
-            <a:ext cx="1843827" cy="360040"/>
-          </a:xfrm>
-          <a:prstGeom prst="roundRect">
+            <a:off x="1658826" y="2735699"/>
+            <a:ext cx="2232248" cy="369332"/>
+          </a:xfrm>
+          <a:prstGeom prst="rect">
             <a:avLst/>
           </a:prstGeom>
+          <a:solidFill>
+            <a:schemeClr val="bg2"/>
+          </a:solidFill>
         </p:spPr>
         <p:style>
           <a:lnRef idx="2">
@@ -6324,18 +8831,586 @@
           <a:lstStyle/>
           <a:p>
             <a:pPr algn="ctr"/>
+            <a:endParaRPr lang="ru-RU"/>
+          </a:p>
+        </p:txBody>
+      </p:sp>
+      <p:sp>
+        <p:nvSpPr>
+          <p:cNvPr id="17" name="Блок-схема: объединение 16"/>
+          <p:cNvSpPr/>
+          <p:nvPr/>
+        </p:nvSpPr>
+        <p:spPr>
+          <a:xfrm>
+            <a:off x="3573315" y="2087177"/>
+            <a:ext cx="207640" cy="184666"/>
+          </a:xfrm>
+          <a:prstGeom prst="flowChartMerge">
+            <a:avLst/>
+          </a:prstGeom>
+        </p:spPr>
+        <p:style>
+          <a:lnRef idx="2">
+            <a:schemeClr val="accent1">
+              <a:shade val="50000"/>
+            </a:schemeClr>
+          </a:lnRef>
+          <a:fillRef idx="1">
+            <a:schemeClr val="accent1"/>
+          </a:fillRef>
+          <a:effectRef idx="0">
+            <a:schemeClr val="accent1"/>
+          </a:effectRef>
+          <a:fontRef idx="minor">
+            <a:schemeClr val="lt1"/>
+          </a:fontRef>
+        </p:style>
+        <p:txBody>
+          <a:bodyPr rtlCol="0" anchor="ctr"/>
+          <a:lstStyle/>
+          <a:p>
+            <a:pPr algn="ctr"/>
+            <a:endParaRPr lang="ru-RU"/>
+          </a:p>
+        </p:txBody>
+      </p:sp>
+      <p:sp>
+        <p:nvSpPr>
+          <p:cNvPr id="18" name="Блок-схема: объединение 17"/>
+          <p:cNvSpPr/>
+          <p:nvPr/>
+        </p:nvSpPr>
+        <p:spPr>
+          <a:xfrm>
+            <a:off x="7196771" y="1320443"/>
+            <a:ext cx="207640" cy="184666"/>
+          </a:xfrm>
+          <a:prstGeom prst="flowChartMerge">
+            <a:avLst/>
+          </a:prstGeom>
+        </p:spPr>
+        <p:style>
+          <a:lnRef idx="2">
+            <a:schemeClr val="accent1">
+              <a:shade val="50000"/>
+            </a:schemeClr>
+          </a:lnRef>
+          <a:fillRef idx="1">
+            <a:schemeClr val="accent1"/>
+          </a:fillRef>
+          <a:effectRef idx="0">
+            <a:schemeClr val="accent1"/>
+          </a:effectRef>
+          <a:fontRef idx="minor">
+            <a:schemeClr val="lt1"/>
+          </a:fontRef>
+        </p:style>
+        <p:txBody>
+          <a:bodyPr rtlCol="0" anchor="ctr"/>
+          <a:lstStyle/>
+          <a:p>
+            <a:pPr algn="ctr"/>
+            <a:endParaRPr lang="ru-RU"/>
+          </a:p>
+        </p:txBody>
+      </p:sp>
+      <p:sp>
+        <p:nvSpPr>
+          <p:cNvPr id="19" name="Блок-схема: объединение 18"/>
+          <p:cNvSpPr/>
+          <p:nvPr/>
+        </p:nvSpPr>
+        <p:spPr>
+          <a:xfrm>
+            <a:off x="3575828" y="2828032"/>
+            <a:ext cx="207640" cy="184666"/>
+          </a:xfrm>
+          <a:prstGeom prst="flowChartMerge">
+            <a:avLst/>
+          </a:prstGeom>
+        </p:spPr>
+        <p:style>
+          <a:lnRef idx="2">
+            <a:schemeClr val="accent1">
+              <a:shade val="50000"/>
+            </a:schemeClr>
+          </a:lnRef>
+          <a:fillRef idx="1">
+            <a:schemeClr val="accent1"/>
+          </a:fillRef>
+          <a:effectRef idx="0">
+            <a:schemeClr val="accent1"/>
+          </a:effectRef>
+          <a:fontRef idx="minor">
+            <a:schemeClr val="lt1"/>
+          </a:fontRef>
+        </p:style>
+        <p:txBody>
+          <a:bodyPr rtlCol="0" anchor="ctr"/>
+          <a:lstStyle/>
+          <a:p>
+            <a:pPr algn="ctr"/>
+            <a:endParaRPr lang="ru-RU"/>
+          </a:p>
+        </p:txBody>
+      </p:sp>
+      <p:grpSp>
+        <p:nvGrpSpPr>
+          <p:cNvPr id="23" name="Группа 22"/>
+          <p:cNvGrpSpPr/>
+          <p:nvPr/>
+        </p:nvGrpSpPr>
+        <p:grpSpPr>
+          <a:xfrm>
+            <a:off x="1831906" y="5913276"/>
+            <a:ext cx="5480188" cy="360040"/>
+            <a:chOff x="1122226" y="5913276"/>
+            <a:chExt cx="5480188" cy="360040"/>
+          </a:xfrm>
+        </p:grpSpPr>
+        <p:sp>
+          <p:nvSpPr>
+            <p:cNvPr id="20" name="Скругленный прямоугольник 19"/>
+            <p:cNvSpPr/>
+            <p:nvPr/>
+          </p:nvSpPr>
+          <p:spPr>
+            <a:xfrm>
+              <a:off x="1122226" y="5913276"/>
+              <a:ext cx="1728192" cy="360040"/>
+            </a:xfrm>
+            <a:prstGeom prst="roundRect">
+              <a:avLst/>
+            </a:prstGeom>
+          </p:spPr>
+          <p:style>
+            <a:lnRef idx="2">
+              <a:schemeClr val="accent1">
+                <a:shade val="50000"/>
+              </a:schemeClr>
+            </a:lnRef>
+            <a:fillRef idx="1">
+              <a:schemeClr val="accent1"/>
+            </a:fillRef>
+            <a:effectRef idx="0">
+              <a:schemeClr val="accent1"/>
+            </a:effectRef>
+            <a:fontRef idx="minor">
+              <a:schemeClr val="lt1"/>
+            </a:fontRef>
+          </p:style>
+          <p:txBody>
+            <a:bodyPr rtlCol="0" anchor="ctr"/>
+            <a:lstStyle/>
+            <a:p>
+              <a:pPr algn="ctr"/>
+              <a:r>
+                <a:rPr lang="ru-RU" dirty="0" smtClean="0"/>
+                <a:t>назад</a:t>
+              </a:r>
+              <a:endParaRPr lang="ru-RU" dirty="0"/>
+            </a:p>
+          </p:txBody>
+        </p:sp>
+        <p:sp>
+          <p:nvSpPr>
+            <p:cNvPr id="21" name="Скругленный прямоугольник 20"/>
+            <p:cNvSpPr/>
+            <p:nvPr/>
+          </p:nvSpPr>
+          <p:spPr>
+            <a:xfrm>
+              <a:off x="4758587" y="5913276"/>
+              <a:ext cx="1843827" cy="360040"/>
+            </a:xfrm>
+            <a:prstGeom prst="roundRect">
+              <a:avLst/>
+            </a:prstGeom>
+          </p:spPr>
+          <p:style>
+            <a:lnRef idx="2">
+              <a:schemeClr val="accent1">
+                <a:shade val="50000"/>
+              </a:schemeClr>
+            </a:lnRef>
+            <a:fillRef idx="1">
+              <a:schemeClr val="accent1"/>
+            </a:fillRef>
+            <a:effectRef idx="0">
+              <a:schemeClr val="accent1"/>
+            </a:effectRef>
+            <a:fontRef idx="minor">
+              <a:schemeClr val="lt1"/>
+            </a:fontRef>
+          </p:style>
+          <p:txBody>
+            <a:bodyPr rtlCol="0" anchor="ctr"/>
+            <a:lstStyle/>
+            <a:p>
+              <a:pPr algn="ctr"/>
+              <a:r>
+                <a:rPr lang="ru-RU" dirty="0" smtClean="0"/>
+                <a:t>сохранить</a:t>
+              </a:r>
+              <a:endParaRPr lang="ru-RU" dirty="0"/>
+            </a:p>
+          </p:txBody>
+        </p:sp>
+      </p:grpSp>
+      <p:sp>
+        <p:nvSpPr>
+          <p:cNvPr id="24" name="TextBox 23"/>
+          <p:cNvSpPr txBox="1"/>
+          <p:nvPr/>
+        </p:nvSpPr>
+        <p:spPr>
+          <a:xfrm>
+            <a:off x="104971" y="3429000"/>
+            <a:ext cx="4277068" cy="923330"/>
+          </a:xfrm>
+          <a:prstGeom prst="rect">
+            <a:avLst/>
+          </a:prstGeom>
+          <a:noFill/>
+        </p:spPr>
+        <p:txBody>
+          <a:bodyPr wrap="none" rtlCol="0">
+            <a:spAutoFit/>
+          </a:bodyPr>
+          <a:lstStyle/>
+          <a:p>
             <a:r>
               <a:rPr lang="ru-RU" dirty="0" smtClean="0"/>
-              <a:t>сохранить</a:t>
+              <a:t>Если материала или формы нет в списке, </a:t>
+            </a:r>
+          </a:p>
+          <a:p>
+            <a:r>
+              <a:rPr lang="ru-RU" dirty="0" smtClean="0"/>
+              <a:t>То последний пункт в списке – добавить</a:t>
+            </a:r>
+          </a:p>
+          <a:p>
+            <a:r>
+              <a:rPr lang="ru-RU" dirty="0" smtClean="0"/>
+              <a:t>Открывается </a:t>
+            </a:r>
+            <a:r>
+              <a:rPr lang="ru-RU" dirty="0" err="1" smtClean="0"/>
+              <a:t>соответв</a:t>
+            </a:r>
+            <a:r>
+              <a:rPr lang="ru-RU" dirty="0" smtClean="0"/>
+              <a:t>. карточка </a:t>
             </a:r>
             <a:endParaRPr lang="ru-RU" dirty="0"/>
+          </a:p>
+        </p:txBody>
+      </p:sp>
+      <p:sp>
+        <p:nvSpPr>
+          <p:cNvPr id="25" name="Прямоугольник 24"/>
+          <p:cNvSpPr/>
+          <p:nvPr/>
+        </p:nvSpPr>
+        <p:spPr>
+          <a:xfrm>
+            <a:off x="5259226" y="1994844"/>
+            <a:ext cx="2232248" cy="369332"/>
+          </a:xfrm>
+          <a:prstGeom prst="rect">
+            <a:avLst/>
+          </a:prstGeom>
+          <a:solidFill>
+            <a:schemeClr val="bg2"/>
+          </a:solidFill>
+        </p:spPr>
+        <p:style>
+          <a:lnRef idx="2">
+            <a:schemeClr val="accent1">
+              <a:shade val="50000"/>
+            </a:schemeClr>
+          </a:lnRef>
+          <a:fillRef idx="1">
+            <a:schemeClr val="accent1"/>
+          </a:fillRef>
+          <a:effectRef idx="0">
+            <a:schemeClr val="accent1"/>
+          </a:effectRef>
+          <a:fontRef idx="minor">
+            <a:schemeClr val="lt1"/>
+          </a:fontRef>
+        </p:style>
+        <p:txBody>
+          <a:bodyPr rtlCol="0" anchor="ctr"/>
+          <a:lstStyle/>
+          <a:p>
+            <a:pPr algn="ctr"/>
+            <a:endParaRPr lang="ru-RU"/>
+          </a:p>
+        </p:txBody>
+      </p:sp>
+      <p:sp>
+        <p:nvSpPr>
+          <p:cNvPr id="26" name="TextBox 25"/>
+          <p:cNvSpPr txBox="1"/>
+          <p:nvPr/>
+        </p:nvSpPr>
+        <p:spPr>
+          <a:xfrm>
+            <a:off x="5264340" y="1625512"/>
+            <a:ext cx="2002408" cy="369332"/>
+          </a:xfrm>
+          <a:prstGeom prst="rect">
+            <a:avLst/>
+          </a:prstGeom>
+          <a:noFill/>
+        </p:spPr>
+        <p:txBody>
+          <a:bodyPr wrap="none" rtlCol="0">
+            <a:spAutoFit/>
+          </a:bodyPr>
+          <a:lstStyle/>
+          <a:p>
+            <a:r>
+              <a:rPr lang="ru-RU" dirty="0" smtClean="0"/>
+              <a:t>Стоимость детали </a:t>
+            </a:r>
+            <a:endParaRPr lang="ru-RU" dirty="0"/>
+          </a:p>
+        </p:txBody>
+      </p:sp>
+      <p:sp>
+        <p:nvSpPr>
+          <p:cNvPr id="28" name="Прямоугольник 27"/>
+          <p:cNvSpPr/>
+          <p:nvPr/>
+        </p:nvSpPr>
+        <p:spPr>
+          <a:xfrm>
+            <a:off x="5250535" y="2735699"/>
+            <a:ext cx="2232248" cy="369332"/>
+          </a:xfrm>
+          <a:prstGeom prst="rect">
+            <a:avLst/>
+          </a:prstGeom>
+          <a:solidFill>
+            <a:schemeClr val="bg2"/>
+          </a:solidFill>
+        </p:spPr>
+        <p:style>
+          <a:lnRef idx="2">
+            <a:schemeClr val="accent1">
+              <a:shade val="50000"/>
+            </a:schemeClr>
+          </a:lnRef>
+          <a:fillRef idx="1">
+            <a:schemeClr val="accent1"/>
+          </a:fillRef>
+          <a:effectRef idx="0">
+            <a:schemeClr val="accent1"/>
+          </a:effectRef>
+          <a:fontRef idx="minor">
+            <a:schemeClr val="lt1"/>
+          </a:fontRef>
+        </p:style>
+        <p:txBody>
+          <a:bodyPr rtlCol="0" anchor="ctr"/>
+          <a:lstStyle/>
+          <a:p>
+            <a:pPr algn="ctr"/>
+            <a:endParaRPr lang="ru-RU"/>
+          </a:p>
+        </p:txBody>
+      </p:sp>
+      <p:sp>
+        <p:nvSpPr>
+          <p:cNvPr id="29" name="TextBox 28"/>
+          <p:cNvSpPr txBox="1"/>
+          <p:nvPr/>
+        </p:nvSpPr>
+        <p:spPr>
+          <a:xfrm>
+            <a:off x="5255649" y="2366367"/>
+            <a:ext cx="2077877" cy="369332"/>
+          </a:xfrm>
+          <a:prstGeom prst="rect">
+            <a:avLst/>
+          </a:prstGeom>
+          <a:noFill/>
+        </p:spPr>
+        <p:txBody>
+          <a:bodyPr wrap="none" rtlCol="0">
+            <a:spAutoFit/>
+          </a:bodyPr>
+          <a:lstStyle/>
+          <a:p>
+            <a:r>
+              <a:rPr lang="ru-RU" dirty="0" smtClean="0"/>
+              <a:t>Дата изготовления </a:t>
+            </a:r>
+            <a:endParaRPr lang="ru-RU" dirty="0"/>
+          </a:p>
+        </p:txBody>
+      </p:sp>
+      <p:sp>
+        <p:nvSpPr>
+          <p:cNvPr id="31" name="Прямоугольник 30"/>
+          <p:cNvSpPr/>
+          <p:nvPr/>
+        </p:nvSpPr>
+        <p:spPr>
+          <a:xfrm>
+            <a:off x="7240086" y="2848357"/>
+            <a:ext cx="144016" cy="144016"/>
+          </a:xfrm>
+          <a:prstGeom prst="rect">
+            <a:avLst/>
+          </a:prstGeom>
+        </p:spPr>
+        <p:style>
+          <a:lnRef idx="2">
+            <a:schemeClr val="accent1">
+              <a:shade val="50000"/>
+            </a:schemeClr>
+          </a:lnRef>
+          <a:fillRef idx="1">
+            <a:schemeClr val="accent1"/>
+          </a:fillRef>
+          <a:effectRef idx="0">
+            <a:schemeClr val="accent1"/>
+          </a:effectRef>
+          <a:fontRef idx="minor">
+            <a:schemeClr val="lt1"/>
+          </a:fontRef>
+        </p:style>
+        <p:txBody>
+          <a:bodyPr rtlCol="0" anchor="ctr"/>
+          <a:lstStyle/>
+          <a:p>
+            <a:pPr algn="ctr"/>
+            <a:endParaRPr lang="ru-RU"/>
+          </a:p>
+        </p:txBody>
+      </p:sp>
+      <p:sp>
+        <p:nvSpPr>
+          <p:cNvPr id="33" name="TextBox 32"/>
+          <p:cNvSpPr txBox="1"/>
+          <p:nvPr/>
+        </p:nvSpPr>
+        <p:spPr>
+          <a:xfrm>
+            <a:off x="5250535" y="3102273"/>
+            <a:ext cx="1550553" cy="369332"/>
+          </a:xfrm>
+          <a:prstGeom prst="rect">
+            <a:avLst/>
+          </a:prstGeom>
+          <a:noFill/>
+        </p:spPr>
+        <p:txBody>
+          <a:bodyPr wrap="none" rtlCol="0">
+            <a:spAutoFit/>
+          </a:bodyPr>
+          <a:lstStyle/>
+          <a:p>
+            <a:r>
+              <a:rPr lang="ru-RU" dirty="0" smtClean="0"/>
+              <a:t>Изготовитель </a:t>
+            </a:r>
+            <a:endParaRPr lang="ru-RU" dirty="0"/>
+          </a:p>
+        </p:txBody>
+      </p:sp>
+      <p:sp>
+        <p:nvSpPr>
+          <p:cNvPr id="34" name="Прямоугольник 33"/>
+          <p:cNvSpPr/>
+          <p:nvPr/>
+        </p:nvSpPr>
+        <p:spPr>
+          <a:xfrm>
+            <a:off x="5250535" y="3471605"/>
+            <a:ext cx="2232248" cy="369332"/>
+          </a:xfrm>
+          <a:prstGeom prst="rect">
+            <a:avLst/>
+          </a:prstGeom>
+          <a:solidFill>
+            <a:schemeClr val="bg2"/>
+          </a:solidFill>
+        </p:spPr>
+        <p:style>
+          <a:lnRef idx="2">
+            <a:schemeClr val="accent1">
+              <a:shade val="50000"/>
+            </a:schemeClr>
+          </a:lnRef>
+          <a:fillRef idx="1">
+            <a:schemeClr val="accent1"/>
+          </a:fillRef>
+          <a:effectRef idx="0">
+            <a:schemeClr val="accent1"/>
+          </a:effectRef>
+          <a:fontRef idx="minor">
+            <a:schemeClr val="lt1"/>
+          </a:fontRef>
+        </p:style>
+        <p:txBody>
+          <a:bodyPr rtlCol="0" anchor="ctr"/>
+          <a:lstStyle/>
+          <a:p>
+            <a:pPr algn="ctr"/>
+            <a:endParaRPr lang="ru-RU"/>
+          </a:p>
+        </p:txBody>
+      </p:sp>
+      <p:sp>
+        <p:nvSpPr>
+          <p:cNvPr id="35" name="Блок-схема: объединение 34"/>
+          <p:cNvSpPr/>
+          <p:nvPr/>
+        </p:nvSpPr>
+        <p:spPr>
+          <a:xfrm>
+            <a:off x="7188080" y="3563938"/>
+            <a:ext cx="207640" cy="184666"/>
+          </a:xfrm>
+          <a:prstGeom prst="flowChartMerge">
+            <a:avLst/>
+          </a:prstGeom>
+        </p:spPr>
+        <p:style>
+          <a:lnRef idx="2">
+            <a:schemeClr val="accent1">
+              <a:shade val="50000"/>
+            </a:schemeClr>
+          </a:lnRef>
+          <a:fillRef idx="1">
+            <a:schemeClr val="accent1"/>
+          </a:fillRef>
+          <a:effectRef idx="0">
+            <a:schemeClr val="accent1"/>
+          </a:effectRef>
+          <a:fontRef idx="minor">
+            <a:schemeClr val="lt1"/>
+          </a:fontRef>
+        </p:style>
+        <p:txBody>
+          <a:bodyPr rtlCol="0" anchor="ctr"/>
+          <a:lstStyle/>
+          <a:p>
+            <a:pPr algn="ctr"/>
+            <a:endParaRPr lang="ru-RU"/>
           </a:p>
         </p:txBody>
       </p:sp>
     </p:spTree>
     <p:extLst>
       <p:ext uri="{BB962C8B-B14F-4D97-AF65-F5344CB8AC3E}">
-        <p14:creationId xmlns:p14="http://schemas.microsoft.com/office/powerpoint/2010/main" val="3180708221"/>
+        <p14:creationId xmlns:p14="http://schemas.microsoft.com/office/powerpoint/2010/main" val="453055214"/>
       </p:ext>
     </p:extLst>
   </p:cSld>
@@ -6377,8 +9452,8 @@
         </p:nvSpPr>
         <p:spPr>
           <a:xfrm>
-            <a:off x="3270585" y="260648"/>
-            <a:ext cx="2602828" cy="461665"/>
+            <a:off x="2978102" y="260648"/>
+            <a:ext cx="3187796" cy="461665"/>
           </a:xfrm>
           <a:prstGeom prst="rect">
             <a:avLst/>
@@ -6386,6 +9461,602 @@
           <a:noFill/>
         </p:spPr>
         <p:txBody>
+          <a:bodyPr wrap="none" rtlCol="0">
+            <a:spAutoFit/>
+          </a:bodyPr>
+          <a:lstStyle/>
+          <a:p>
+            <a:r>
+              <a:rPr lang="ru-RU" sz="2400" b="1" i="1" dirty="0" smtClean="0"/>
+              <a:t>Карточка телефонов</a:t>
+            </a:r>
+            <a:endParaRPr lang="ru-RU" sz="2400" b="1" i="1" dirty="0"/>
+          </a:p>
+        </p:txBody>
+      </p:sp>
+      <p:grpSp>
+        <p:nvGrpSpPr>
+          <p:cNvPr id="18" name="Группа 17"/>
+          <p:cNvGrpSpPr/>
+          <p:nvPr/>
+        </p:nvGrpSpPr>
+        <p:grpSpPr>
+          <a:xfrm>
+            <a:off x="1651197" y="858778"/>
+            <a:ext cx="5841607" cy="2246253"/>
+            <a:chOff x="965301" y="858778"/>
+            <a:chExt cx="5841607" cy="2246253"/>
+          </a:xfrm>
+        </p:grpSpPr>
+        <p:sp>
+          <p:nvSpPr>
+            <p:cNvPr id="5" name="TextBox 4"/>
+            <p:cNvSpPr txBox="1"/>
+            <p:nvPr/>
+          </p:nvSpPr>
+          <p:spPr>
+            <a:xfrm>
+              <a:off x="965301" y="858778"/>
+              <a:ext cx="1828257" cy="369332"/>
+            </a:xfrm>
+            <a:prstGeom prst="rect">
+              <a:avLst/>
+            </a:prstGeom>
+            <a:noFill/>
+          </p:spPr>
+          <p:txBody>
+            <a:bodyPr wrap="none" rtlCol="0">
+              <a:spAutoFit/>
+            </a:bodyPr>
+            <a:lstStyle/>
+            <a:p>
+              <a:r>
+                <a:rPr lang="ru-RU" dirty="0" smtClean="0"/>
+                <a:t>Номер телефона</a:t>
+              </a:r>
+              <a:endParaRPr lang="ru-RU" dirty="0"/>
+            </a:p>
+          </p:txBody>
+        </p:sp>
+        <p:sp>
+          <p:nvSpPr>
+            <p:cNvPr id="6" name="Прямоугольник 5"/>
+            <p:cNvSpPr/>
+            <p:nvPr/>
+          </p:nvSpPr>
+          <p:spPr>
+            <a:xfrm>
+              <a:off x="965301" y="1228110"/>
+              <a:ext cx="2232248" cy="369332"/>
+            </a:xfrm>
+            <a:prstGeom prst="rect">
+              <a:avLst/>
+            </a:prstGeom>
+            <a:solidFill>
+              <a:schemeClr val="bg2"/>
+            </a:solidFill>
+          </p:spPr>
+          <p:style>
+            <a:lnRef idx="2">
+              <a:schemeClr val="accent1">
+                <a:shade val="50000"/>
+              </a:schemeClr>
+            </a:lnRef>
+            <a:fillRef idx="1">
+              <a:schemeClr val="accent1"/>
+            </a:fillRef>
+            <a:effectRef idx="0">
+              <a:schemeClr val="accent1"/>
+            </a:effectRef>
+            <a:fontRef idx="minor">
+              <a:schemeClr val="lt1"/>
+            </a:fontRef>
+          </p:style>
+          <p:txBody>
+            <a:bodyPr rtlCol="0" anchor="ctr"/>
+            <a:lstStyle/>
+            <a:p>
+              <a:pPr algn="ctr"/>
+              <a:endParaRPr lang="ru-RU"/>
+            </a:p>
+          </p:txBody>
+        </p:sp>
+        <p:sp>
+          <p:nvSpPr>
+            <p:cNvPr id="7" name="TextBox 6"/>
+            <p:cNvSpPr txBox="1"/>
+            <p:nvPr/>
+          </p:nvSpPr>
+          <p:spPr>
+            <a:xfrm>
+              <a:off x="4574660" y="858778"/>
+              <a:ext cx="1111010" cy="369332"/>
+            </a:xfrm>
+            <a:prstGeom prst="rect">
+              <a:avLst/>
+            </a:prstGeom>
+            <a:noFill/>
+          </p:spPr>
+          <p:txBody>
+            <a:bodyPr wrap="none" rtlCol="0">
+              <a:spAutoFit/>
+            </a:bodyPr>
+            <a:lstStyle/>
+            <a:p>
+              <a:r>
+                <a:rPr lang="ru-RU" dirty="0" smtClean="0"/>
+                <a:t>Заказчик </a:t>
+              </a:r>
+            </a:p>
+          </p:txBody>
+        </p:sp>
+        <p:sp>
+          <p:nvSpPr>
+            <p:cNvPr id="8" name="Прямоугольник 7"/>
+            <p:cNvSpPr/>
+            <p:nvPr/>
+          </p:nvSpPr>
+          <p:spPr>
+            <a:xfrm>
+              <a:off x="4574660" y="1228110"/>
+              <a:ext cx="2232248" cy="369332"/>
+            </a:xfrm>
+            <a:prstGeom prst="rect">
+              <a:avLst/>
+            </a:prstGeom>
+            <a:solidFill>
+              <a:schemeClr val="bg2"/>
+            </a:solidFill>
+          </p:spPr>
+          <p:style>
+            <a:lnRef idx="2">
+              <a:schemeClr val="accent1">
+                <a:shade val="50000"/>
+              </a:schemeClr>
+            </a:lnRef>
+            <a:fillRef idx="1">
+              <a:schemeClr val="accent1"/>
+            </a:fillRef>
+            <a:effectRef idx="0">
+              <a:schemeClr val="accent1"/>
+            </a:effectRef>
+            <a:fontRef idx="minor">
+              <a:schemeClr val="lt1"/>
+            </a:fontRef>
+          </p:style>
+          <p:txBody>
+            <a:bodyPr rtlCol="0" anchor="ctr"/>
+            <a:lstStyle/>
+            <a:p>
+              <a:pPr algn="ctr"/>
+              <a:endParaRPr lang="ru-RU"/>
+            </a:p>
+          </p:txBody>
+        </p:sp>
+        <p:sp>
+          <p:nvSpPr>
+            <p:cNvPr id="9" name="TextBox 8"/>
+            <p:cNvSpPr txBox="1"/>
+            <p:nvPr/>
+          </p:nvSpPr>
+          <p:spPr>
+            <a:xfrm>
+              <a:off x="971600" y="1625512"/>
+              <a:ext cx="864339" cy="369332"/>
+            </a:xfrm>
+            <a:prstGeom prst="rect">
+              <a:avLst/>
+            </a:prstGeom>
+            <a:noFill/>
+          </p:spPr>
+          <p:txBody>
+            <a:bodyPr wrap="none" rtlCol="0">
+              <a:spAutoFit/>
+            </a:bodyPr>
+            <a:lstStyle/>
+            <a:p>
+              <a:r>
+                <a:rPr lang="ru-RU" dirty="0" smtClean="0"/>
+                <a:t>Страна</a:t>
+              </a:r>
+              <a:endParaRPr lang="ru-RU" dirty="0"/>
+            </a:p>
+          </p:txBody>
+        </p:sp>
+        <p:sp>
+          <p:nvSpPr>
+            <p:cNvPr id="10" name="Прямоугольник 9"/>
+            <p:cNvSpPr/>
+            <p:nvPr/>
+          </p:nvSpPr>
+          <p:spPr>
+            <a:xfrm>
+              <a:off x="971600" y="1994844"/>
+              <a:ext cx="2232248" cy="369332"/>
+            </a:xfrm>
+            <a:prstGeom prst="rect">
+              <a:avLst/>
+            </a:prstGeom>
+            <a:solidFill>
+              <a:schemeClr val="bg2"/>
+            </a:solidFill>
+          </p:spPr>
+          <p:style>
+            <a:lnRef idx="2">
+              <a:schemeClr val="accent1">
+                <a:shade val="50000"/>
+              </a:schemeClr>
+            </a:lnRef>
+            <a:fillRef idx="1">
+              <a:schemeClr val="accent1"/>
+            </a:fillRef>
+            <a:effectRef idx="0">
+              <a:schemeClr val="accent1"/>
+            </a:effectRef>
+            <a:fontRef idx="minor">
+              <a:schemeClr val="lt1"/>
+            </a:fontRef>
+          </p:style>
+          <p:txBody>
+            <a:bodyPr rtlCol="0" anchor="ctr"/>
+            <a:lstStyle/>
+            <a:p>
+              <a:pPr algn="ctr"/>
+              <a:endParaRPr lang="ru-RU"/>
+            </a:p>
+          </p:txBody>
+        </p:sp>
+        <p:sp>
+          <p:nvSpPr>
+            <p:cNvPr id="11" name="TextBox 10"/>
+            <p:cNvSpPr txBox="1"/>
+            <p:nvPr/>
+          </p:nvSpPr>
+          <p:spPr>
+            <a:xfrm>
+              <a:off x="971600" y="2366367"/>
+              <a:ext cx="1135183" cy="369332"/>
+            </a:xfrm>
+            <a:prstGeom prst="rect">
+              <a:avLst/>
+            </a:prstGeom>
+            <a:noFill/>
+          </p:spPr>
+          <p:txBody>
+            <a:bodyPr wrap="none" rtlCol="0">
+              <a:spAutoFit/>
+            </a:bodyPr>
+            <a:lstStyle/>
+            <a:p>
+              <a:r>
+                <a:rPr lang="ru-RU" dirty="0" smtClean="0"/>
+                <a:t>Оператор</a:t>
+              </a:r>
+              <a:endParaRPr lang="ru-RU" dirty="0"/>
+            </a:p>
+          </p:txBody>
+        </p:sp>
+        <p:sp>
+          <p:nvSpPr>
+            <p:cNvPr id="12" name="Прямоугольник 11"/>
+            <p:cNvSpPr/>
+            <p:nvPr/>
+          </p:nvSpPr>
+          <p:spPr>
+            <a:xfrm>
+              <a:off x="971600" y="2735699"/>
+              <a:ext cx="2232248" cy="369332"/>
+            </a:xfrm>
+            <a:prstGeom prst="rect">
+              <a:avLst/>
+            </a:prstGeom>
+            <a:solidFill>
+              <a:schemeClr val="bg2"/>
+            </a:solidFill>
+          </p:spPr>
+          <p:style>
+            <a:lnRef idx="2">
+              <a:schemeClr val="accent1">
+                <a:shade val="50000"/>
+              </a:schemeClr>
+            </a:lnRef>
+            <a:fillRef idx="1">
+              <a:schemeClr val="accent1"/>
+            </a:fillRef>
+            <a:effectRef idx="0">
+              <a:schemeClr val="accent1"/>
+            </a:effectRef>
+            <a:fontRef idx="minor">
+              <a:schemeClr val="lt1"/>
+            </a:fontRef>
+          </p:style>
+          <p:txBody>
+            <a:bodyPr rtlCol="0" anchor="ctr"/>
+            <a:lstStyle/>
+            <a:p>
+              <a:pPr algn="ctr"/>
+              <a:endParaRPr lang="ru-RU"/>
+            </a:p>
+          </p:txBody>
+        </p:sp>
+        <p:sp>
+          <p:nvSpPr>
+            <p:cNvPr id="13" name="Блок-схема: объединение 12"/>
+            <p:cNvSpPr/>
+            <p:nvPr/>
+          </p:nvSpPr>
+          <p:spPr>
+            <a:xfrm>
+              <a:off x="2886089" y="2087177"/>
+              <a:ext cx="207640" cy="184666"/>
+            </a:xfrm>
+            <a:prstGeom prst="flowChartMerge">
+              <a:avLst/>
+            </a:prstGeom>
+          </p:spPr>
+          <p:style>
+            <a:lnRef idx="2">
+              <a:schemeClr val="accent1">
+                <a:shade val="50000"/>
+              </a:schemeClr>
+            </a:lnRef>
+            <a:fillRef idx="1">
+              <a:schemeClr val="accent1"/>
+            </a:fillRef>
+            <a:effectRef idx="0">
+              <a:schemeClr val="accent1"/>
+            </a:effectRef>
+            <a:fontRef idx="minor">
+              <a:schemeClr val="lt1"/>
+            </a:fontRef>
+          </p:style>
+          <p:txBody>
+            <a:bodyPr rtlCol="0" anchor="ctr"/>
+            <a:lstStyle/>
+            <a:p>
+              <a:pPr algn="ctr"/>
+              <a:endParaRPr lang="ru-RU"/>
+            </a:p>
+          </p:txBody>
+        </p:sp>
+        <p:sp>
+          <p:nvSpPr>
+            <p:cNvPr id="14" name="Блок-схема: объединение 13"/>
+            <p:cNvSpPr/>
+            <p:nvPr/>
+          </p:nvSpPr>
+          <p:spPr>
+            <a:xfrm>
+              <a:off x="6512205" y="1320443"/>
+              <a:ext cx="207640" cy="184666"/>
+            </a:xfrm>
+            <a:prstGeom prst="flowChartMerge">
+              <a:avLst/>
+            </a:prstGeom>
+          </p:spPr>
+          <p:style>
+            <a:lnRef idx="2">
+              <a:schemeClr val="accent1">
+                <a:shade val="50000"/>
+              </a:schemeClr>
+            </a:lnRef>
+            <a:fillRef idx="1">
+              <a:schemeClr val="accent1"/>
+            </a:fillRef>
+            <a:effectRef idx="0">
+              <a:schemeClr val="accent1"/>
+            </a:effectRef>
+            <a:fontRef idx="minor">
+              <a:schemeClr val="lt1"/>
+            </a:fontRef>
+          </p:style>
+          <p:txBody>
+            <a:bodyPr rtlCol="0" anchor="ctr"/>
+            <a:lstStyle/>
+            <a:p>
+              <a:pPr algn="ctr"/>
+              <a:endParaRPr lang="ru-RU"/>
+            </a:p>
+          </p:txBody>
+        </p:sp>
+        <p:sp>
+          <p:nvSpPr>
+            <p:cNvPr id="15" name="Блок-схема: объединение 14"/>
+            <p:cNvSpPr/>
+            <p:nvPr/>
+          </p:nvSpPr>
+          <p:spPr>
+            <a:xfrm>
+              <a:off x="2888602" y="2828032"/>
+              <a:ext cx="207640" cy="184666"/>
+            </a:xfrm>
+            <a:prstGeom prst="flowChartMerge">
+              <a:avLst/>
+            </a:prstGeom>
+          </p:spPr>
+          <p:style>
+            <a:lnRef idx="2">
+              <a:schemeClr val="accent1">
+                <a:shade val="50000"/>
+              </a:schemeClr>
+            </a:lnRef>
+            <a:fillRef idx="1">
+              <a:schemeClr val="accent1"/>
+            </a:fillRef>
+            <a:effectRef idx="0">
+              <a:schemeClr val="accent1"/>
+            </a:effectRef>
+            <a:fontRef idx="minor">
+              <a:schemeClr val="lt1"/>
+            </a:fontRef>
+          </p:style>
+          <p:txBody>
+            <a:bodyPr rtlCol="0" anchor="ctr"/>
+            <a:lstStyle/>
+            <a:p>
+              <a:pPr algn="ctr"/>
+              <a:endParaRPr lang="ru-RU"/>
+            </a:p>
+          </p:txBody>
+        </p:sp>
+      </p:grpSp>
+      <p:grpSp>
+        <p:nvGrpSpPr>
+          <p:cNvPr id="19" name="Группа 18"/>
+          <p:cNvGrpSpPr/>
+          <p:nvPr/>
+        </p:nvGrpSpPr>
+        <p:grpSpPr>
+          <a:xfrm>
+            <a:off x="1831906" y="5913276"/>
+            <a:ext cx="5480188" cy="360040"/>
+            <a:chOff x="1122226" y="5913276"/>
+            <a:chExt cx="5480188" cy="360040"/>
+          </a:xfrm>
+        </p:grpSpPr>
+        <p:sp>
+          <p:nvSpPr>
+            <p:cNvPr id="16" name="Скругленный прямоугольник 15"/>
+            <p:cNvSpPr/>
+            <p:nvPr/>
+          </p:nvSpPr>
+          <p:spPr>
+            <a:xfrm>
+              <a:off x="1122226" y="5913276"/>
+              <a:ext cx="1728192" cy="360040"/>
+            </a:xfrm>
+            <a:prstGeom prst="roundRect">
+              <a:avLst/>
+            </a:prstGeom>
+          </p:spPr>
+          <p:style>
+            <a:lnRef idx="2">
+              <a:schemeClr val="accent1">
+                <a:shade val="50000"/>
+              </a:schemeClr>
+            </a:lnRef>
+            <a:fillRef idx="1">
+              <a:schemeClr val="accent1"/>
+            </a:fillRef>
+            <a:effectRef idx="0">
+              <a:schemeClr val="accent1"/>
+            </a:effectRef>
+            <a:fontRef idx="minor">
+              <a:schemeClr val="lt1"/>
+            </a:fontRef>
+          </p:style>
+          <p:txBody>
+            <a:bodyPr rtlCol="0" anchor="ctr"/>
+            <a:lstStyle/>
+            <a:p>
+              <a:pPr algn="ctr"/>
+              <a:r>
+                <a:rPr lang="ru-RU" dirty="0" smtClean="0"/>
+                <a:t>назад</a:t>
+              </a:r>
+              <a:endParaRPr lang="ru-RU" dirty="0"/>
+            </a:p>
+          </p:txBody>
+        </p:sp>
+        <p:sp>
+          <p:nvSpPr>
+            <p:cNvPr id="17" name="Скругленный прямоугольник 16"/>
+            <p:cNvSpPr/>
+            <p:nvPr/>
+          </p:nvSpPr>
+          <p:spPr>
+            <a:xfrm>
+              <a:off x="4758587" y="5913276"/>
+              <a:ext cx="1843827" cy="360040"/>
+            </a:xfrm>
+            <a:prstGeom prst="roundRect">
+              <a:avLst/>
+            </a:prstGeom>
+          </p:spPr>
+          <p:style>
+            <a:lnRef idx="2">
+              <a:schemeClr val="accent1">
+                <a:shade val="50000"/>
+              </a:schemeClr>
+            </a:lnRef>
+            <a:fillRef idx="1">
+              <a:schemeClr val="accent1"/>
+            </a:fillRef>
+            <a:effectRef idx="0">
+              <a:schemeClr val="accent1"/>
+            </a:effectRef>
+            <a:fontRef idx="minor">
+              <a:schemeClr val="lt1"/>
+            </a:fontRef>
+          </p:style>
+          <p:txBody>
+            <a:bodyPr rtlCol="0" anchor="ctr"/>
+            <a:lstStyle/>
+            <a:p>
+              <a:pPr algn="ctr"/>
+              <a:r>
+                <a:rPr lang="ru-RU" dirty="0" smtClean="0"/>
+                <a:t>сохранить</a:t>
+              </a:r>
+              <a:endParaRPr lang="ru-RU" dirty="0"/>
+            </a:p>
+          </p:txBody>
+        </p:sp>
+      </p:grpSp>
+    </p:spTree>
+    <p:extLst>
+      <p:ext uri="{BB962C8B-B14F-4D97-AF65-F5344CB8AC3E}">
+        <p14:creationId xmlns:p14="http://schemas.microsoft.com/office/powerpoint/2010/main" val="3240855830"/>
+      </p:ext>
+    </p:extLst>
+  </p:cSld>
+  <p:clrMapOvr>
+    <a:masterClrMapping/>
+  </p:clrMapOvr>
+  <p:timing>
+    <p:tnLst>
+      <p:par>
+        <p:cTn id="1" dur="indefinite" restart="never" nodeType="tmRoot"/>
+      </p:par>
+    </p:tnLst>
+  </p:timing>
+</p:sld>
+</file>
+
+<file path=ppt/slides/slide7.xml><?xml version="1.0" encoding="utf-8"?>
+<p:sld xmlns:a="http://schemas.openxmlformats.org/drawingml/2006/main" xmlns:r="http://schemas.openxmlformats.org/officeDocument/2006/relationships" xmlns:p="http://schemas.openxmlformats.org/presentationml/2006/main">
+  <p:cSld>
+    <p:spTree>
+      <p:nvGrpSpPr>
+        <p:cNvPr id="1" name=""/>
+        <p:cNvGrpSpPr/>
+        <p:nvPr/>
+      </p:nvGrpSpPr>
+      <p:grpSpPr>
+        <a:xfrm>
+          <a:off x="0" y="0"/>
+          <a:ext cx="0" cy="0"/>
+          <a:chOff x="0" y="0"/>
+          <a:chExt cx="0" cy="0"/>
+        </a:xfrm>
+      </p:grpSpPr>
+      <p:sp>
+        <p:nvSpPr>
+          <p:cNvPr id="4" name="TextBox 3"/>
+          <p:cNvSpPr txBox="1"/>
+          <p:nvPr/>
+        </p:nvSpPr>
+        <p:spPr>
+          <a:xfrm>
+            <a:off x="2894682" y="260648"/>
+            <a:ext cx="3354636" cy="461665"/>
+          </a:xfrm>
+          <a:prstGeom prst="rect">
+            <a:avLst/>
+          </a:prstGeom>
+          <a:noFill/>
+        </p:spPr>
+        <p:txBody>
           <a:bodyPr wrap="none" rtlCol="0" anchor="ctr">
             <a:spAutoFit/>
           </a:bodyPr>
@@ -6394,7 +10065,7 @@
             <a:pPr algn="ctr"/>
             <a:r>
               <a:rPr lang="ru-RU" sz="2400" b="1" i="1" dirty="0" smtClean="0"/>
-              <a:t>Карточка формы</a:t>
+              <a:t>Карточка материалов</a:t>
             </a:r>
             <a:endParaRPr lang="ru-RU" sz="2400" b="1" i="1" dirty="0"/>
           </a:p>
@@ -6475,18 +10146,51 @@
       </p:sp>
       <p:sp>
         <p:nvSpPr>
-          <p:cNvPr id="9" name="Скругленный прямоугольник 8"/>
+          <p:cNvPr id="9" name="TextBox 8"/>
+          <p:cNvSpPr txBox="1"/>
+          <p:nvPr/>
+        </p:nvSpPr>
+        <p:spPr>
+          <a:xfrm>
+            <a:off x="965301" y="1625512"/>
+            <a:ext cx="1197700" cy="369332"/>
+          </a:xfrm>
+          <a:prstGeom prst="rect">
+            <a:avLst/>
+          </a:prstGeom>
+          <a:noFill/>
+        </p:spPr>
+        <p:txBody>
+          <a:bodyPr wrap="none" rtlCol="0">
+            <a:spAutoFit/>
+          </a:bodyPr>
+          <a:lstStyle/>
+          <a:p>
+            <a:r>
+              <a:rPr lang="ru-RU" dirty="0" smtClean="0"/>
+              <a:t>Плотность</a:t>
+            </a:r>
+            <a:endParaRPr lang="ru-RU" dirty="0"/>
+          </a:p>
+        </p:txBody>
+      </p:sp>
+      <p:sp>
+        <p:nvSpPr>
+          <p:cNvPr id="10" name="Прямоугольник 9"/>
           <p:cNvSpPr/>
           <p:nvPr/>
         </p:nvSpPr>
         <p:spPr>
           <a:xfrm>
-            <a:off x="1122226" y="5913276"/>
-            <a:ext cx="1728192" cy="360040"/>
-          </a:xfrm>
-          <a:prstGeom prst="roundRect">
+            <a:off x="965301" y="1994844"/>
+            <a:ext cx="2232248" cy="369332"/>
+          </a:xfrm>
+          <a:prstGeom prst="rect">
             <a:avLst/>
           </a:prstGeom>
+          <a:solidFill>
+            <a:schemeClr val="bg2"/>
+          </a:solidFill>
         </p:spPr>
         <p:style>
           <a:lnRef idx="2">
@@ -6509,9 +10213,138 @@
           <a:lstStyle/>
           <a:p>
             <a:pPr algn="ctr"/>
+            <a:endParaRPr lang="ru-RU"/>
+          </a:p>
+        </p:txBody>
+      </p:sp>
+      <p:grpSp>
+        <p:nvGrpSpPr>
+          <p:cNvPr id="18" name="Группа 17"/>
+          <p:cNvGrpSpPr/>
+          <p:nvPr/>
+        </p:nvGrpSpPr>
+        <p:grpSpPr>
+          <a:xfrm>
+            <a:off x="1831906" y="5913276"/>
+            <a:ext cx="5480188" cy="360040"/>
+            <a:chOff x="1122226" y="5913276"/>
+            <a:chExt cx="5480188" cy="360040"/>
+          </a:xfrm>
+        </p:grpSpPr>
+        <p:sp>
+          <p:nvSpPr>
+            <p:cNvPr id="16" name="Скругленный прямоугольник 15"/>
+            <p:cNvSpPr/>
+            <p:nvPr/>
+          </p:nvSpPr>
+          <p:spPr>
+            <a:xfrm>
+              <a:off x="1122226" y="5913276"/>
+              <a:ext cx="1728192" cy="360040"/>
+            </a:xfrm>
+            <a:prstGeom prst="roundRect">
+              <a:avLst/>
+            </a:prstGeom>
+          </p:spPr>
+          <p:style>
+            <a:lnRef idx="2">
+              <a:schemeClr val="accent1">
+                <a:shade val="50000"/>
+              </a:schemeClr>
+            </a:lnRef>
+            <a:fillRef idx="1">
+              <a:schemeClr val="accent1"/>
+            </a:fillRef>
+            <a:effectRef idx="0">
+              <a:schemeClr val="accent1"/>
+            </a:effectRef>
+            <a:fontRef idx="minor">
+              <a:schemeClr val="lt1"/>
+            </a:fontRef>
+          </p:style>
+          <p:txBody>
+            <a:bodyPr rtlCol="0" anchor="ctr"/>
+            <a:lstStyle/>
+            <a:p>
+              <a:pPr algn="ctr"/>
+              <a:r>
+                <a:rPr lang="ru-RU" dirty="0" smtClean="0"/>
+                <a:t>назад</a:t>
+              </a:r>
+              <a:endParaRPr lang="ru-RU" dirty="0"/>
+            </a:p>
+          </p:txBody>
+        </p:sp>
+        <p:sp>
+          <p:nvSpPr>
+            <p:cNvPr id="17" name="Скругленный прямоугольник 16"/>
+            <p:cNvSpPr/>
+            <p:nvPr/>
+          </p:nvSpPr>
+          <p:spPr>
+            <a:xfrm>
+              <a:off x="4758587" y="5913276"/>
+              <a:ext cx="1843827" cy="360040"/>
+            </a:xfrm>
+            <a:prstGeom prst="roundRect">
+              <a:avLst/>
+            </a:prstGeom>
+          </p:spPr>
+          <p:style>
+            <a:lnRef idx="2">
+              <a:schemeClr val="accent1">
+                <a:shade val="50000"/>
+              </a:schemeClr>
+            </a:lnRef>
+            <a:fillRef idx="1">
+              <a:schemeClr val="accent1"/>
+            </a:fillRef>
+            <a:effectRef idx="0">
+              <a:schemeClr val="accent1"/>
+            </a:effectRef>
+            <a:fontRef idx="minor">
+              <a:schemeClr val="lt1"/>
+            </a:fontRef>
+          </p:style>
+          <p:txBody>
+            <a:bodyPr rtlCol="0" anchor="ctr"/>
+            <a:lstStyle/>
+            <a:p>
+              <a:pPr algn="ctr"/>
+              <a:r>
+                <a:rPr lang="ru-RU" dirty="0" smtClean="0"/>
+                <a:t>сохранить</a:t>
+              </a:r>
+              <a:endParaRPr lang="ru-RU" dirty="0"/>
+            </a:p>
+          </p:txBody>
+        </p:sp>
+      </p:grpSp>
+      <p:sp>
+        <p:nvSpPr>
+          <p:cNvPr id="19" name="TextBox 18"/>
+          <p:cNvSpPr txBox="1"/>
+          <p:nvPr/>
+        </p:nvSpPr>
+        <p:spPr>
+          <a:xfrm>
+            <a:off x="5274056" y="886848"/>
+            <a:ext cx="1433406" cy="369332"/>
+          </a:xfrm>
+          <a:prstGeom prst="rect">
+            <a:avLst/>
+          </a:prstGeom>
+          <a:noFill/>
+        </p:spPr>
+        <p:txBody>
+          <a:bodyPr wrap="none" rtlCol="0">
+            <a:spAutoFit/>
+          </a:bodyPr>
+          <a:lstStyle/>
+          <a:p>
             <a:r>
               <a:rPr lang="ru-RU" dirty="0" smtClean="0"/>
-              <a:t>назад</a:t>
+              <a:t>Аналог США </a:t>
             </a:r>
             <a:endParaRPr lang="ru-RU" dirty="0"/>
           </a:p>
@@ -6519,18 +10352,21 @@
       </p:sp>
       <p:sp>
         <p:nvSpPr>
-          <p:cNvPr id="10" name="Скругленный прямоугольник 9"/>
+          <p:cNvPr id="20" name="Прямоугольник 19"/>
           <p:cNvSpPr/>
           <p:nvPr/>
         </p:nvSpPr>
         <p:spPr>
           <a:xfrm>
-            <a:off x="4758587" y="5913276"/>
-            <a:ext cx="1843827" cy="360040"/>
-          </a:xfrm>
-          <a:prstGeom prst="roundRect">
+            <a:off x="5274056" y="1256180"/>
+            <a:ext cx="2232248" cy="369332"/>
+          </a:xfrm>
+          <a:prstGeom prst="rect">
             <a:avLst/>
           </a:prstGeom>
+          <a:solidFill>
+            <a:schemeClr val="bg2"/>
+          </a:solidFill>
         </p:spPr>
         <p:style>
           <a:lnRef idx="2">
@@ -6553,9 +10389,370 @@
           <a:lstStyle/>
           <a:p>
             <a:pPr algn="ctr"/>
+            <a:endParaRPr lang="ru-RU"/>
+          </a:p>
+        </p:txBody>
+      </p:sp>
+      <p:sp>
+        <p:nvSpPr>
+          <p:cNvPr id="21" name="TextBox 20"/>
+          <p:cNvSpPr txBox="1"/>
+          <p:nvPr/>
+        </p:nvSpPr>
+        <p:spPr>
+          <a:xfrm>
+            <a:off x="5270211" y="1625512"/>
+            <a:ext cx="1726755" cy="369332"/>
+          </a:xfrm>
+          <a:prstGeom prst="rect">
+            <a:avLst/>
+          </a:prstGeom>
+          <a:noFill/>
+        </p:spPr>
+        <p:txBody>
+          <a:bodyPr wrap="none" rtlCol="0">
+            <a:spAutoFit/>
+          </a:bodyPr>
+          <a:lstStyle/>
+          <a:p>
             <a:r>
               <a:rPr lang="ru-RU" dirty="0" smtClean="0"/>
-              <a:t>сохранить</a:t>
+              <a:t>Аналог Европа  </a:t>
+            </a:r>
+            <a:endParaRPr lang="ru-RU" dirty="0"/>
+          </a:p>
+        </p:txBody>
+      </p:sp>
+      <p:sp>
+        <p:nvSpPr>
+          <p:cNvPr id="22" name="Прямоугольник 21"/>
+          <p:cNvSpPr/>
+          <p:nvPr/>
+        </p:nvSpPr>
+        <p:spPr>
+          <a:xfrm>
+            <a:off x="5270211" y="1994844"/>
+            <a:ext cx="2232248" cy="369332"/>
+          </a:xfrm>
+          <a:prstGeom prst="rect">
+            <a:avLst/>
+          </a:prstGeom>
+          <a:solidFill>
+            <a:schemeClr val="bg2"/>
+          </a:solidFill>
+        </p:spPr>
+        <p:style>
+          <a:lnRef idx="2">
+            <a:schemeClr val="accent1">
+              <a:shade val="50000"/>
+            </a:schemeClr>
+          </a:lnRef>
+          <a:fillRef idx="1">
+            <a:schemeClr val="accent1"/>
+          </a:fillRef>
+          <a:effectRef idx="0">
+            <a:schemeClr val="accent1"/>
+          </a:effectRef>
+          <a:fontRef idx="minor">
+            <a:schemeClr val="lt1"/>
+          </a:fontRef>
+        </p:style>
+        <p:txBody>
+          <a:bodyPr rtlCol="0" anchor="ctr"/>
+          <a:lstStyle/>
+          <a:p>
+            <a:pPr algn="ctr"/>
+            <a:endParaRPr lang="ru-RU"/>
+          </a:p>
+        </p:txBody>
+      </p:sp>
+    </p:spTree>
+    <p:extLst>
+      <p:ext uri="{BB962C8B-B14F-4D97-AF65-F5344CB8AC3E}">
+        <p14:creationId xmlns:p14="http://schemas.microsoft.com/office/powerpoint/2010/main" val="3180708221"/>
+      </p:ext>
+    </p:extLst>
+  </p:cSld>
+  <p:clrMapOvr>
+    <a:masterClrMapping/>
+  </p:clrMapOvr>
+  <p:timing>
+    <p:tnLst>
+      <p:par>
+        <p:cTn id="1" dur="indefinite" restart="never" nodeType="tmRoot"/>
+      </p:par>
+    </p:tnLst>
+  </p:timing>
+</p:sld>
+</file>
+
+<file path=ppt/slides/slide8.xml><?xml version="1.0" encoding="utf-8"?>
+<p:sld xmlns:a="http://schemas.openxmlformats.org/drawingml/2006/main" xmlns:r="http://schemas.openxmlformats.org/officeDocument/2006/relationships" xmlns:p="http://schemas.openxmlformats.org/presentationml/2006/main">
+  <p:cSld>
+    <p:spTree>
+      <p:nvGrpSpPr>
+        <p:cNvPr id="1" name=""/>
+        <p:cNvGrpSpPr/>
+        <p:nvPr/>
+      </p:nvGrpSpPr>
+      <p:grpSpPr>
+        <a:xfrm>
+          <a:off x="0" y="0"/>
+          <a:ext cx="0" cy="0"/>
+          <a:chOff x="0" y="0"/>
+          <a:chExt cx="0" cy="0"/>
+        </a:xfrm>
+      </p:grpSpPr>
+      <p:sp>
+        <p:nvSpPr>
+          <p:cNvPr id="4" name="TextBox 3"/>
+          <p:cNvSpPr txBox="1"/>
+          <p:nvPr/>
+        </p:nvSpPr>
+        <p:spPr>
+          <a:xfrm>
+            <a:off x="3270585" y="260648"/>
+            <a:ext cx="2602828" cy="461665"/>
+          </a:xfrm>
+          <a:prstGeom prst="rect">
+            <a:avLst/>
+          </a:prstGeom>
+          <a:noFill/>
+        </p:spPr>
+        <p:txBody>
+          <a:bodyPr wrap="none" rtlCol="0" anchor="ctr">
+            <a:spAutoFit/>
+          </a:bodyPr>
+          <a:lstStyle/>
+          <a:p>
+            <a:pPr algn="ctr"/>
+            <a:r>
+              <a:rPr lang="ru-RU" sz="2400" b="1" i="1" dirty="0" smtClean="0"/>
+              <a:t>Карточка формы</a:t>
+            </a:r>
+            <a:endParaRPr lang="ru-RU" sz="2400" b="1" i="1" dirty="0"/>
+          </a:p>
+        </p:txBody>
+      </p:sp>
+      <p:sp>
+        <p:nvSpPr>
+          <p:cNvPr id="5" name="TextBox 4"/>
+          <p:cNvSpPr txBox="1"/>
+          <p:nvPr/>
+        </p:nvSpPr>
+        <p:spPr>
+          <a:xfrm>
+            <a:off x="965301" y="858778"/>
+            <a:ext cx="1122423" cy="369332"/>
+          </a:xfrm>
+          <a:prstGeom prst="rect">
+            <a:avLst/>
+          </a:prstGeom>
+          <a:noFill/>
+        </p:spPr>
+        <p:txBody>
+          <a:bodyPr wrap="none" rtlCol="0">
+            <a:spAutoFit/>
+          </a:bodyPr>
+          <a:lstStyle/>
+          <a:p>
+            <a:r>
+              <a:rPr lang="ru-RU" dirty="0" smtClean="0"/>
+              <a:t>Название</a:t>
+            </a:r>
+            <a:endParaRPr lang="ru-RU" dirty="0"/>
+          </a:p>
+        </p:txBody>
+      </p:sp>
+      <p:sp>
+        <p:nvSpPr>
+          <p:cNvPr id="6" name="Прямоугольник 5"/>
+          <p:cNvSpPr/>
+          <p:nvPr/>
+        </p:nvSpPr>
+        <p:spPr>
+          <a:xfrm>
+            <a:off x="965301" y="1228110"/>
+            <a:ext cx="2232248" cy="369332"/>
+          </a:xfrm>
+          <a:prstGeom prst="rect">
+            <a:avLst/>
+          </a:prstGeom>
+          <a:solidFill>
+            <a:schemeClr val="bg2"/>
+          </a:solidFill>
+        </p:spPr>
+        <p:style>
+          <a:lnRef idx="2">
+            <a:schemeClr val="accent1">
+              <a:shade val="50000"/>
+            </a:schemeClr>
+          </a:lnRef>
+          <a:fillRef idx="1">
+            <a:schemeClr val="accent1"/>
+          </a:fillRef>
+          <a:effectRef idx="0">
+            <a:schemeClr val="accent1"/>
+          </a:effectRef>
+          <a:fontRef idx="minor">
+            <a:schemeClr val="lt1"/>
+          </a:fontRef>
+        </p:style>
+        <p:txBody>
+          <a:bodyPr rtlCol="0" anchor="ctr"/>
+          <a:lstStyle/>
+          <a:p>
+            <a:pPr algn="ctr"/>
+            <a:endParaRPr lang="ru-RU"/>
+          </a:p>
+        </p:txBody>
+      </p:sp>
+      <p:grpSp>
+        <p:nvGrpSpPr>
+          <p:cNvPr id="11" name="Группа 10"/>
+          <p:cNvGrpSpPr/>
+          <p:nvPr/>
+        </p:nvGrpSpPr>
+        <p:grpSpPr>
+          <a:xfrm>
+            <a:off x="1831906" y="5913276"/>
+            <a:ext cx="5480188" cy="360040"/>
+            <a:chOff x="1122226" y="5913276"/>
+            <a:chExt cx="5480188" cy="360040"/>
+          </a:xfrm>
+        </p:grpSpPr>
+        <p:sp>
+          <p:nvSpPr>
+            <p:cNvPr id="9" name="Скругленный прямоугольник 8"/>
+            <p:cNvSpPr/>
+            <p:nvPr/>
+          </p:nvSpPr>
+          <p:spPr>
+            <a:xfrm>
+              <a:off x="1122226" y="5913276"/>
+              <a:ext cx="1728192" cy="360040"/>
+            </a:xfrm>
+            <a:prstGeom prst="roundRect">
+              <a:avLst/>
+            </a:prstGeom>
+          </p:spPr>
+          <p:style>
+            <a:lnRef idx="2">
+              <a:schemeClr val="accent1">
+                <a:shade val="50000"/>
+              </a:schemeClr>
+            </a:lnRef>
+            <a:fillRef idx="1">
+              <a:schemeClr val="accent1"/>
+            </a:fillRef>
+            <a:effectRef idx="0">
+              <a:schemeClr val="accent1"/>
+            </a:effectRef>
+            <a:fontRef idx="minor">
+              <a:schemeClr val="lt1"/>
+            </a:fontRef>
+          </p:style>
+          <p:txBody>
+            <a:bodyPr rtlCol="0" anchor="ctr"/>
+            <a:lstStyle/>
+            <a:p>
+              <a:pPr algn="ctr"/>
+              <a:r>
+                <a:rPr lang="ru-RU" dirty="0" smtClean="0"/>
+                <a:t>назад</a:t>
+              </a:r>
+              <a:endParaRPr lang="ru-RU" dirty="0"/>
+            </a:p>
+          </p:txBody>
+        </p:sp>
+        <p:sp>
+          <p:nvSpPr>
+            <p:cNvPr id="10" name="Скругленный прямоугольник 9"/>
+            <p:cNvSpPr/>
+            <p:nvPr/>
+          </p:nvSpPr>
+          <p:spPr>
+            <a:xfrm>
+              <a:off x="4758587" y="5913276"/>
+              <a:ext cx="1843827" cy="360040"/>
+            </a:xfrm>
+            <a:prstGeom prst="roundRect">
+              <a:avLst/>
+            </a:prstGeom>
+          </p:spPr>
+          <p:style>
+            <a:lnRef idx="2">
+              <a:schemeClr val="accent1">
+                <a:shade val="50000"/>
+              </a:schemeClr>
+            </a:lnRef>
+            <a:fillRef idx="1">
+              <a:schemeClr val="accent1"/>
+            </a:fillRef>
+            <a:effectRef idx="0">
+              <a:schemeClr val="accent1"/>
+            </a:effectRef>
+            <a:fontRef idx="minor">
+              <a:schemeClr val="lt1"/>
+            </a:fontRef>
+          </p:style>
+          <p:txBody>
+            <a:bodyPr rtlCol="0" anchor="ctr"/>
+            <a:lstStyle/>
+            <a:p>
+              <a:pPr algn="ctr"/>
+              <a:r>
+                <a:rPr lang="ru-RU" dirty="0" smtClean="0"/>
+                <a:t>сохранить</a:t>
+              </a:r>
+              <a:endParaRPr lang="ru-RU" dirty="0"/>
+            </a:p>
+          </p:txBody>
+        </p:sp>
+      </p:grpSp>
+      <p:sp>
+        <p:nvSpPr>
+          <p:cNvPr id="12" name="TextBox 11"/>
+          <p:cNvSpPr txBox="1"/>
+          <p:nvPr/>
+        </p:nvSpPr>
+        <p:spPr>
+          <a:xfrm>
+            <a:off x="6156176" y="1228110"/>
+            <a:ext cx="2571473" cy="1200329"/>
+          </a:xfrm>
+          <a:prstGeom prst="rect">
+            <a:avLst/>
+          </a:prstGeom>
+          <a:noFill/>
+        </p:spPr>
+        <p:txBody>
+          <a:bodyPr wrap="none" rtlCol="0">
+            <a:spAutoFit/>
+          </a:bodyPr>
+          <a:lstStyle/>
+          <a:p>
+            <a:r>
+              <a:rPr lang="ru-RU" dirty="0" smtClean="0"/>
+              <a:t>Форма в смысле: лист 2</a:t>
+            </a:r>
+          </a:p>
+          <a:p>
+            <a:r>
+              <a:rPr lang="ru-RU" dirty="0" smtClean="0"/>
+              <a:t>Лист 5, труба 10х1,5;</a:t>
+            </a:r>
+          </a:p>
+          <a:p>
+            <a:r>
+              <a:rPr lang="ru-RU" dirty="0" smtClean="0"/>
+              <a:t>Квадрат 16, </a:t>
+            </a:r>
+          </a:p>
+          <a:p>
+            <a:r>
+              <a:rPr lang="ru-RU" dirty="0" smtClean="0"/>
+              <a:t>Круг 40.</a:t>
             </a:r>
             <a:endParaRPr lang="ru-RU" dirty="0"/>
           </a:p>
